--- a/GettingStartedWithNodeJS.pptx
+++ b/GettingStartedWithNodeJS.pptx
@@ -5,71 +5,73 @@
     <p:sldMasterId id="2147483648" r:id="rId5"/>
   </p:sldMasterIdLst>
   <p:notesMasterIdLst>
-    <p:notesMasterId r:id="rId65"/>
+    <p:notesMasterId r:id="rId67"/>
   </p:notesMasterIdLst>
   <p:handoutMasterIdLst>
-    <p:handoutMasterId r:id="rId66"/>
+    <p:handoutMasterId r:id="rId68"/>
   </p:handoutMasterIdLst>
   <p:sldIdLst>
     <p:sldId id="279" r:id="rId6"/>
-    <p:sldId id="281" r:id="rId7"/>
-    <p:sldId id="385" r:id="rId8"/>
-    <p:sldId id="333" r:id="rId9"/>
-    <p:sldId id="336" r:id="rId10"/>
-    <p:sldId id="337" r:id="rId11"/>
-    <p:sldId id="338" r:id="rId12"/>
-    <p:sldId id="396" r:id="rId13"/>
+    <p:sldId id="397" r:id="rId7"/>
+    <p:sldId id="281" r:id="rId8"/>
+    <p:sldId id="385" r:id="rId9"/>
+    <p:sldId id="333" r:id="rId10"/>
+    <p:sldId id="336" r:id="rId11"/>
+    <p:sldId id="337" r:id="rId12"/>
+    <p:sldId id="338" r:id="rId13"/>
     <p:sldId id="339" r:id="rId14"/>
-    <p:sldId id="340" r:id="rId15"/>
-    <p:sldId id="341" r:id="rId16"/>
-    <p:sldId id="364" r:id="rId17"/>
-    <p:sldId id="342" r:id="rId18"/>
-    <p:sldId id="343" r:id="rId19"/>
-    <p:sldId id="305" r:id="rId20"/>
-    <p:sldId id="346" r:id="rId21"/>
-    <p:sldId id="347" r:id="rId22"/>
-    <p:sldId id="390" r:id="rId23"/>
-    <p:sldId id="352" r:id="rId24"/>
-    <p:sldId id="296" r:id="rId25"/>
-    <p:sldId id="391" r:id="rId26"/>
-    <p:sldId id="306" r:id="rId27"/>
-    <p:sldId id="355" r:id="rId28"/>
-    <p:sldId id="360" r:id="rId29"/>
-    <p:sldId id="361" r:id="rId30"/>
-    <p:sldId id="353" r:id="rId31"/>
-    <p:sldId id="354" r:id="rId32"/>
-    <p:sldId id="365" r:id="rId33"/>
-    <p:sldId id="392" r:id="rId34"/>
-    <p:sldId id="317" r:id="rId35"/>
-    <p:sldId id="367" r:id="rId36"/>
-    <p:sldId id="369" r:id="rId37"/>
-    <p:sldId id="324" r:id="rId38"/>
-    <p:sldId id="325" r:id="rId39"/>
-    <p:sldId id="326" r:id="rId40"/>
-    <p:sldId id="370" r:id="rId41"/>
-    <p:sldId id="371" r:id="rId42"/>
-    <p:sldId id="372" r:id="rId43"/>
-    <p:sldId id="373" r:id="rId44"/>
-    <p:sldId id="374" r:id="rId45"/>
-    <p:sldId id="376" r:id="rId46"/>
-    <p:sldId id="378" r:id="rId47"/>
-    <p:sldId id="379" r:id="rId48"/>
-    <p:sldId id="380" r:id="rId49"/>
-    <p:sldId id="382" r:id="rId50"/>
-    <p:sldId id="384" r:id="rId51"/>
-    <p:sldId id="393" r:id="rId52"/>
-    <p:sldId id="389" r:id="rId53"/>
-    <p:sldId id="292" r:id="rId54"/>
-    <p:sldId id="294" r:id="rId55"/>
-    <p:sldId id="308" r:id="rId56"/>
-    <p:sldId id="309" r:id="rId57"/>
-    <p:sldId id="295" r:id="rId58"/>
-    <p:sldId id="394" r:id="rId59"/>
-    <p:sldId id="284" r:id="rId60"/>
-    <p:sldId id="299" r:id="rId61"/>
-    <p:sldId id="285" r:id="rId62"/>
-    <p:sldId id="287" r:id="rId63"/>
-    <p:sldId id="395" r:id="rId64"/>
+    <p:sldId id="396" r:id="rId15"/>
+    <p:sldId id="340" r:id="rId16"/>
+    <p:sldId id="341" r:id="rId17"/>
+    <p:sldId id="364" r:id="rId18"/>
+    <p:sldId id="342" r:id="rId19"/>
+    <p:sldId id="343" r:id="rId20"/>
+    <p:sldId id="305" r:id="rId21"/>
+    <p:sldId id="346" r:id="rId22"/>
+    <p:sldId id="347" r:id="rId23"/>
+    <p:sldId id="390" r:id="rId24"/>
+    <p:sldId id="352" r:id="rId25"/>
+    <p:sldId id="296" r:id="rId26"/>
+    <p:sldId id="391" r:id="rId27"/>
+    <p:sldId id="306" r:id="rId28"/>
+    <p:sldId id="355" r:id="rId29"/>
+    <p:sldId id="360" r:id="rId30"/>
+    <p:sldId id="361" r:id="rId31"/>
+    <p:sldId id="353" r:id="rId32"/>
+    <p:sldId id="354" r:id="rId33"/>
+    <p:sldId id="365" r:id="rId34"/>
+    <p:sldId id="392" r:id="rId35"/>
+    <p:sldId id="317" r:id="rId36"/>
+    <p:sldId id="367" r:id="rId37"/>
+    <p:sldId id="369" r:id="rId38"/>
+    <p:sldId id="324" r:id="rId39"/>
+    <p:sldId id="325" r:id="rId40"/>
+    <p:sldId id="326" r:id="rId41"/>
+    <p:sldId id="370" r:id="rId42"/>
+    <p:sldId id="398" r:id="rId43"/>
+    <p:sldId id="371" r:id="rId44"/>
+    <p:sldId id="372" r:id="rId45"/>
+    <p:sldId id="373" r:id="rId46"/>
+    <p:sldId id="374" r:id="rId47"/>
+    <p:sldId id="376" r:id="rId48"/>
+    <p:sldId id="378" r:id="rId49"/>
+    <p:sldId id="379" r:id="rId50"/>
+    <p:sldId id="380" r:id="rId51"/>
+    <p:sldId id="382" r:id="rId52"/>
+    <p:sldId id="384" r:id="rId53"/>
+    <p:sldId id="393" r:id="rId54"/>
+    <p:sldId id="389" r:id="rId55"/>
+    <p:sldId id="292" r:id="rId56"/>
+    <p:sldId id="294" r:id="rId57"/>
+    <p:sldId id="308" r:id="rId58"/>
+    <p:sldId id="309" r:id="rId59"/>
+    <p:sldId id="295" r:id="rId60"/>
+    <p:sldId id="394" r:id="rId61"/>
+    <p:sldId id="284" r:id="rId62"/>
+    <p:sldId id="299" r:id="rId63"/>
+    <p:sldId id="285" r:id="rId64"/>
+    <p:sldId id="287" r:id="rId65"/>
+    <p:sldId id="395" r:id="rId66"/>
   </p:sldIdLst>
   <p:sldSz cx="9144000" cy="6858000" type="screen4x3"/>
   <p:notesSz cx="7315200" cy="9601200"/>
@@ -1069,7 +1071,7 @@
             <a:fld id="{2F76F59A-19AF-4ED3-8DA1-0C43B56A35E5}" type="slidenum">
               <a:rPr lang="en-US" altLang="en-US" smtClean="0"/>
               <a:pPr/>
-              <a:t>31</a:t>
+              <a:t>32</a:t>
             </a:fld>
             <a:endParaRPr lang="en-US" altLang="en-US"/>
           </a:p>
@@ -3483,6 +3485,99 @@
       </p:grpSpPr>
       <p:sp>
         <p:nvSpPr>
+          <p:cNvPr id="2" name="Title 1">
+            <a:extLst>
+              <a:ext uri="{FF2B5EF4-FFF2-40B4-BE49-F238E27FC236}">
+                <a16:creationId xmlns:a16="http://schemas.microsoft.com/office/drawing/2014/main" id="{9CEE193A-AF7C-451F-8DA2-D9F36E80BA30}"/>
+              </a:ext>
+            </a:extLst>
+          </p:cNvPr>
+          <p:cNvSpPr>
+            <a:spLocks noGrp="1"/>
+          </p:cNvSpPr>
+          <p:nvPr>
+            <p:ph type="title"/>
+          </p:nvPr>
+        </p:nvSpPr>
+        <p:spPr/>
+        <p:txBody>
+          <a:bodyPr/>
+          <a:lstStyle/>
+          <a:p>
+            <a:r>
+              <a:rPr lang="en-US" dirty="0"/>
+              <a:t>Hello Node.js</a:t>
+            </a:r>
+          </a:p>
+        </p:txBody>
+      </p:sp>
+      <p:pic>
+        <p:nvPicPr>
+          <p:cNvPr id="3" name="Picture 2">
+            <a:extLst>
+              <a:ext uri="{FF2B5EF4-FFF2-40B4-BE49-F238E27FC236}">
+                <a16:creationId xmlns:a16="http://schemas.microsoft.com/office/drawing/2014/main" id="{746BEB8A-DF03-40E9-83FF-1158067BD4D1}"/>
+              </a:ext>
+            </a:extLst>
+          </p:cNvPr>
+          <p:cNvPicPr>
+            <a:picLocks noChangeAspect="1"/>
+          </p:cNvPicPr>
+          <p:nvPr/>
+        </p:nvPicPr>
+        <p:blipFill>
+          <a:blip r:embed="rId2"/>
+          <a:stretch>
+            <a:fillRect/>
+          </a:stretch>
+        </p:blipFill>
+        <p:spPr>
+          <a:xfrm>
+            <a:off x="381000" y="1295400"/>
+            <a:ext cx="8153400" cy="3603172"/>
+          </a:xfrm>
+          <a:prstGeom prst="rect">
+            <a:avLst/>
+          </a:prstGeom>
+          <a:ln>
+            <a:solidFill>
+              <a:schemeClr val="tx1"/>
+            </a:solidFill>
+          </a:ln>
+        </p:spPr>
+      </p:pic>
+    </p:spTree>
+    <p:extLst>
+      <p:ext uri="{BB962C8B-B14F-4D97-AF65-F5344CB8AC3E}">
+        <p14:creationId xmlns:p14="http://schemas.microsoft.com/office/powerpoint/2010/main" val="1883917120"/>
+      </p:ext>
+    </p:extLst>
+  </p:cSld>
+  <p:clrMapOvr>
+    <a:masterClrMapping/>
+  </p:clrMapOvr>
+</p:sld>
+</file>
+
+<file path=ppt/slides/slide11.xml><?xml version="1.0" encoding="utf-8"?>
+<p:sld xmlns:a="http://schemas.openxmlformats.org/drawingml/2006/main" xmlns:r="http://schemas.openxmlformats.org/officeDocument/2006/relationships" xmlns:p="http://schemas.openxmlformats.org/presentationml/2006/main">
+  <p:cSld>
+    <p:spTree>
+      <p:nvGrpSpPr>
+        <p:cNvPr id="1" name=""/>
+        <p:cNvGrpSpPr/>
+        <p:nvPr/>
+      </p:nvGrpSpPr>
+      <p:grpSpPr>
+        <a:xfrm>
+          <a:off x="0" y="0"/>
+          <a:ext cx="0" cy="0"/>
+          <a:chOff x="0" y="0"/>
+          <a:chExt cx="0" cy="0"/>
+        </a:xfrm>
+      </p:grpSpPr>
+      <p:sp>
+        <p:nvSpPr>
           <p:cNvPr id="2" name="Title 1"/>
           <p:cNvSpPr>
             <a:spLocks noGrp="1"/>
@@ -3623,7 +3718,7 @@
 </p:sld>
 </file>
 
-<file path=ppt/slides/slide11.xml><?xml version="1.0" encoding="utf-8"?>
+<file path=ppt/slides/slide12.xml><?xml version="1.0" encoding="utf-8"?>
 <p:sld xmlns:a="http://schemas.openxmlformats.org/drawingml/2006/main" xmlns:r="http://schemas.openxmlformats.org/officeDocument/2006/relationships" xmlns:p="http://schemas.openxmlformats.org/presentationml/2006/main">
   <p:cSld>
     <p:spTree>
@@ -3783,7 +3878,7 @@
 </p:sld>
 </file>
 
-<file path=ppt/slides/slide12.xml><?xml version="1.0" encoding="utf-8"?>
+<file path=ppt/slides/slide13.xml><?xml version="1.0" encoding="utf-8"?>
 <p:sld xmlns:a="http://schemas.openxmlformats.org/drawingml/2006/main" xmlns:r="http://schemas.openxmlformats.org/officeDocument/2006/relationships" xmlns:p="http://schemas.openxmlformats.org/presentationml/2006/main">
   <p:cSld>
     <p:spTree>
@@ -3963,7 +4058,7 @@
 </p:sld>
 </file>
 
-<file path=ppt/slides/slide13.xml><?xml version="1.0" encoding="utf-8"?>
+<file path=ppt/slides/slide14.xml><?xml version="1.0" encoding="utf-8"?>
 <p:sld xmlns:a="http://schemas.openxmlformats.org/drawingml/2006/main" xmlns:r="http://schemas.openxmlformats.org/officeDocument/2006/relationships" xmlns:p="http://schemas.openxmlformats.org/presentationml/2006/main">
   <p:cSld>
     <p:spTree>
@@ -4143,7 +4238,7 @@
 </p:sld>
 </file>
 
-<file path=ppt/slides/slide14.xml><?xml version="1.0" encoding="utf-8"?>
+<file path=ppt/slides/slide15.xml><?xml version="1.0" encoding="utf-8"?>
 <p:sld xmlns:a="http://schemas.openxmlformats.org/drawingml/2006/main" xmlns:r="http://schemas.openxmlformats.org/officeDocument/2006/relationships" xmlns:p="http://schemas.openxmlformats.org/presentationml/2006/main">
   <p:cSld>
     <p:spTree>
@@ -4268,7 +4363,7 @@
 </p:sld>
 </file>
 
-<file path=ppt/slides/slide15.xml><?xml version="1.0" encoding="utf-8"?>
+<file path=ppt/slides/slide16.xml><?xml version="1.0" encoding="utf-8"?>
 <p:sld xmlns:a="http://schemas.openxmlformats.org/drawingml/2006/main" xmlns:r="http://schemas.openxmlformats.org/officeDocument/2006/relationships" xmlns:p="http://schemas.openxmlformats.org/presentationml/2006/main">
   <p:cSld>
     <p:spTree>
@@ -4484,7 +4579,7 @@
 </p:sld>
 </file>
 
-<file path=ppt/slides/slide16.xml><?xml version="1.0" encoding="utf-8"?>
+<file path=ppt/slides/slide17.xml><?xml version="1.0" encoding="utf-8"?>
 <p:sld xmlns:a="http://schemas.openxmlformats.org/drawingml/2006/main" xmlns:r="http://schemas.openxmlformats.org/officeDocument/2006/relationships" xmlns:p="http://schemas.openxmlformats.org/presentationml/2006/main">
   <p:cSld>
     <p:spTree>
@@ -4640,7 +4735,7 @@
 </p:sld>
 </file>
 
-<file path=ppt/slides/slide17.xml><?xml version="1.0" encoding="utf-8"?>
+<file path=ppt/slides/slide18.xml><?xml version="1.0" encoding="utf-8"?>
 <p:sld xmlns:a="http://schemas.openxmlformats.org/drawingml/2006/main" xmlns:r="http://schemas.openxmlformats.org/officeDocument/2006/relationships" xmlns:p="http://schemas.openxmlformats.org/presentationml/2006/main">
   <p:cSld>
     <p:spTree>
@@ -4761,7 +4856,7 @@
 </p:sld>
 </file>
 
-<file path=ppt/slides/slide18.xml><?xml version="1.0" encoding="utf-8"?>
+<file path=ppt/slides/slide19.xml><?xml version="1.0" encoding="utf-8"?>
 <p:sld xmlns:a="http://schemas.openxmlformats.org/drawingml/2006/main" xmlns:r="http://schemas.openxmlformats.org/officeDocument/2006/relationships" xmlns:p="http://schemas.openxmlformats.org/presentationml/2006/main">
   <p:cSld>
     <p:spTree>
@@ -4880,7 +4975,136 @@
 </p:sld>
 </file>
 
-<file path=ppt/slides/slide19.xml><?xml version="1.0" encoding="utf-8"?>
+<file path=ppt/slides/slide2.xml><?xml version="1.0" encoding="utf-8"?>
+<p:sld xmlns:a="http://schemas.openxmlformats.org/drawingml/2006/main" xmlns:r="http://schemas.openxmlformats.org/officeDocument/2006/relationships" xmlns:p="http://schemas.openxmlformats.org/presentationml/2006/main">
+  <p:cSld>
+    <p:spTree>
+      <p:nvGrpSpPr>
+        <p:cNvPr id="1" name=""/>
+        <p:cNvGrpSpPr/>
+        <p:nvPr/>
+      </p:nvGrpSpPr>
+      <p:grpSpPr>
+        <a:xfrm>
+          <a:off x="0" y="0"/>
+          <a:ext cx="0" cy="0"/>
+          <a:chOff x="0" y="0"/>
+          <a:chExt cx="0" cy="0"/>
+        </a:xfrm>
+      </p:grpSpPr>
+      <p:sp>
+        <p:nvSpPr>
+          <p:cNvPr id="2" name="Title 1">
+            <a:extLst>
+              <a:ext uri="{FF2B5EF4-FFF2-40B4-BE49-F238E27FC236}">
+                <a16:creationId xmlns:a16="http://schemas.microsoft.com/office/drawing/2014/main" id="{F61405A0-6C0A-470B-87D4-A4DE0E3C204B}"/>
+              </a:ext>
+            </a:extLst>
+          </p:cNvPr>
+          <p:cNvSpPr>
+            <a:spLocks noGrp="1"/>
+          </p:cNvSpPr>
+          <p:nvPr>
+            <p:ph type="title"/>
+          </p:nvPr>
+        </p:nvSpPr>
+        <p:spPr/>
+        <p:txBody>
+          <a:bodyPr/>
+          <a:lstStyle/>
+          <a:p>
+            <a:r>
+              <a:rPr lang="en-US" dirty="0"/>
+              <a:t>Download the Slides and Code</a:t>
+            </a:r>
+          </a:p>
+        </p:txBody>
+      </p:sp>
+      <p:sp>
+        <p:nvSpPr>
+          <p:cNvPr id="3" name="Content Placeholder 2">
+            <a:extLst>
+              <a:ext uri="{FF2B5EF4-FFF2-40B4-BE49-F238E27FC236}">
+                <a16:creationId xmlns:a16="http://schemas.microsoft.com/office/drawing/2014/main" id="{62AE382D-B0D4-466C-A69A-C26A664C3CB3}"/>
+              </a:ext>
+            </a:extLst>
+          </p:cNvPr>
+          <p:cNvSpPr>
+            <a:spLocks noGrp="1"/>
+          </p:cNvSpPr>
+          <p:nvPr>
+            <p:ph idx="1"/>
+          </p:nvPr>
+        </p:nvSpPr>
+        <p:spPr/>
+        <p:txBody>
+          <a:bodyPr>
+            <a:normAutofit/>
+          </a:bodyPr>
+          <a:lstStyle/>
+          <a:p>
+            <a:r>
+              <a:rPr lang="en-US" sz="2000" dirty="0">
+                <a:hlinkClick r:id="rId2"/>
+              </a:rPr>
+              <a:t>https://github.com/CriticalPathTraining/GettingStartedWithNodeJS</a:t>
+            </a:r>
+            <a:endParaRPr lang="en-US" sz="2000" dirty="0"/>
+          </a:p>
+        </p:txBody>
+      </p:sp>
+      <p:pic>
+        <p:nvPicPr>
+          <p:cNvPr id="4" name="Picture 3">
+            <a:extLst>
+              <a:ext uri="{FF2B5EF4-FFF2-40B4-BE49-F238E27FC236}">
+                <a16:creationId xmlns:a16="http://schemas.microsoft.com/office/drawing/2014/main" id="{5E7E45C4-624F-4ECB-A79B-A4F218E8686F}"/>
+              </a:ext>
+            </a:extLst>
+          </p:cNvPr>
+          <p:cNvPicPr>
+            <a:picLocks noChangeAspect="1"/>
+          </p:cNvPicPr>
+          <p:nvPr/>
+        </p:nvPicPr>
+        <p:blipFill>
+          <a:blip r:embed="rId3"/>
+          <a:stretch>
+            <a:fillRect/>
+          </a:stretch>
+        </p:blipFill>
+        <p:spPr>
+          <a:xfrm>
+            <a:off x="571500" y="2133600"/>
+            <a:ext cx="7772400" cy="4000302"/>
+          </a:xfrm>
+          <a:prstGeom prst="rect">
+            <a:avLst/>
+          </a:prstGeom>
+          <a:ln>
+            <a:solidFill>
+              <a:schemeClr val="tx1">
+                <a:lumMod val="50000"/>
+                <a:lumOff val="50000"/>
+              </a:schemeClr>
+            </a:solidFill>
+          </a:ln>
+        </p:spPr>
+      </p:pic>
+    </p:spTree>
+    <p:extLst>
+      <p:ext uri="{BB962C8B-B14F-4D97-AF65-F5344CB8AC3E}">
+        <p14:creationId xmlns:p14="http://schemas.microsoft.com/office/powerpoint/2010/main" val="24905191"/>
+      </p:ext>
+    </p:extLst>
+  </p:cSld>
+  <p:clrMapOvr>
+    <a:masterClrMapping/>
+  </p:clrMapOvr>
+</p:sld>
+</file>
+
+<file path=ppt/slides/slide20.xml><?xml version="1.0" encoding="utf-8"?>
 <p:sld xmlns:a="http://schemas.openxmlformats.org/drawingml/2006/main" xmlns:r="http://schemas.openxmlformats.org/officeDocument/2006/relationships" xmlns:p="http://schemas.openxmlformats.org/presentationml/2006/main">
   <p:cSld>
     <p:spTree>
@@ -5061,120 +5285,7 @@
 </p:sld>
 </file>
 
-<file path=ppt/slides/slide2.xml><?xml version="1.0" encoding="utf-8"?>
-<p:sld xmlns:a="http://schemas.openxmlformats.org/drawingml/2006/main" xmlns:r="http://schemas.openxmlformats.org/officeDocument/2006/relationships" xmlns:p="http://schemas.openxmlformats.org/presentationml/2006/main">
-  <p:cSld>
-    <p:spTree>
-      <p:nvGrpSpPr>
-        <p:cNvPr id="1" name=""/>
-        <p:cNvGrpSpPr/>
-        <p:nvPr/>
-      </p:nvGrpSpPr>
-      <p:grpSpPr>
-        <a:xfrm>
-          <a:off x="0" y="0"/>
-          <a:ext cx="0" cy="0"/>
-          <a:chOff x="0" y="0"/>
-          <a:chExt cx="0" cy="0"/>
-        </a:xfrm>
-      </p:grpSpPr>
-      <p:sp>
-        <p:nvSpPr>
-          <p:cNvPr id="2" name="Title 1"/>
-          <p:cNvSpPr>
-            <a:spLocks noGrp="1"/>
-          </p:cNvSpPr>
-          <p:nvPr>
-            <p:ph type="title"/>
-          </p:nvPr>
-        </p:nvSpPr>
-        <p:spPr/>
-        <p:txBody>
-          <a:bodyPr/>
-          <a:lstStyle/>
-          <a:p>
-            <a:r>
-              <a:rPr lang="en-US"/>
-              <a:t>Agenda</a:t>
-            </a:r>
-            <a:endParaRPr lang="en-US" dirty="0"/>
-          </a:p>
-        </p:txBody>
-      </p:sp>
-      <p:sp>
-        <p:nvSpPr>
-          <p:cNvPr id="3" name="Content Placeholder 2"/>
-          <p:cNvSpPr>
-            <a:spLocks noGrp="1"/>
-          </p:cNvSpPr>
-          <p:nvPr>
-            <p:ph idx="1"/>
-          </p:nvPr>
-        </p:nvSpPr>
-        <p:spPr/>
-        <p:txBody>
-          <a:bodyPr>
-            <a:normAutofit/>
-          </a:bodyPr>
-          <a:lstStyle/>
-          <a:p>
-            <a:pPr lvl="0"/>
-            <a:r>
-              <a:rPr lang="en-US" sz="2400" dirty="0"/>
-              <a:t>Introduction to Node.JS and NPM</a:t>
-            </a:r>
-          </a:p>
-          <a:p>
-            <a:pPr lvl="0"/>
-            <a:r>
-              <a:rPr lang="en-US" sz="2400" dirty="0"/>
-              <a:t>Automating Build Tasks using Gulp</a:t>
-            </a:r>
-          </a:p>
-          <a:p>
-            <a:pPr lvl="0"/>
-            <a:r>
-              <a:rPr lang="en-US" sz="2400" dirty="0"/>
-              <a:t>Bundling Project Assets using Webpack</a:t>
-            </a:r>
-          </a:p>
-          <a:p>
-            <a:pPr lvl="0"/>
-            <a:r>
-              <a:rPr lang="en-US" sz="2400" dirty="0"/>
-              <a:t>Developing with React.js, TypeScript and Webpack</a:t>
-            </a:r>
-          </a:p>
-          <a:p>
-            <a:pPr lvl="0"/>
-            <a:r>
-              <a:rPr lang="en-US" sz="2400" dirty="0"/>
-              <a:t>Developing with SharePoint Framework</a:t>
-            </a:r>
-          </a:p>
-          <a:p>
-            <a:pPr lvl="0"/>
-            <a:r>
-              <a:rPr lang="en-US" sz="2400" dirty="0"/>
-              <a:t>Developing Custom Visuals for Power BI</a:t>
-            </a:r>
-          </a:p>
-        </p:txBody>
-      </p:sp>
-    </p:spTree>
-    <p:extLst>
-      <p:ext uri="{BB962C8B-B14F-4D97-AF65-F5344CB8AC3E}">
-        <p14:creationId xmlns:p14="http://schemas.microsoft.com/office/powerpoint/2010/main" val="1619929893"/>
-      </p:ext>
-    </p:extLst>
-  </p:cSld>
-  <p:clrMapOvr>
-    <a:masterClrMapping/>
-  </p:clrMapOvr>
-</p:sld>
-</file>
-
-<file path=ppt/slides/slide20.xml><?xml version="1.0" encoding="utf-8"?>
+<file path=ppt/slides/slide21.xml><?xml version="1.0" encoding="utf-8"?>
 <p:sld xmlns:a="http://schemas.openxmlformats.org/drawingml/2006/main" xmlns:r="http://schemas.openxmlformats.org/officeDocument/2006/relationships" xmlns:p="http://schemas.openxmlformats.org/presentationml/2006/main">
   <p:cSld>
     <p:spTree>
@@ -5310,128 +5421,6 @@
 </p:sld>
 </file>
 
-<file path=ppt/slides/slide21.xml><?xml version="1.0" encoding="utf-8"?>
-<p:sld xmlns:a="http://schemas.openxmlformats.org/drawingml/2006/main" xmlns:r="http://schemas.openxmlformats.org/officeDocument/2006/relationships" xmlns:p="http://schemas.openxmlformats.org/presentationml/2006/main">
-  <p:cSld>
-    <p:spTree>
-      <p:nvGrpSpPr>
-        <p:cNvPr id="1" name=""/>
-        <p:cNvGrpSpPr/>
-        <p:nvPr/>
-      </p:nvGrpSpPr>
-      <p:grpSpPr>
-        <a:xfrm>
-          <a:off x="0" y="0"/>
-          <a:ext cx="0" cy="0"/>
-          <a:chOff x="0" y="0"/>
-          <a:chExt cx="0" cy="0"/>
-        </a:xfrm>
-      </p:grpSpPr>
-      <p:sp>
-        <p:nvSpPr>
-          <p:cNvPr id="2" name="Title 1"/>
-          <p:cNvSpPr>
-            <a:spLocks noGrp="1"/>
-          </p:cNvSpPr>
-          <p:nvPr>
-            <p:ph type="title"/>
-          </p:nvPr>
-        </p:nvSpPr>
-        <p:spPr/>
-        <p:txBody>
-          <a:bodyPr/>
-          <a:lstStyle/>
-          <a:p>
-            <a:r>
-              <a:rPr lang="en-US"/>
-              <a:t>Agenda</a:t>
-            </a:r>
-            <a:endParaRPr lang="en-US" dirty="0"/>
-          </a:p>
-        </p:txBody>
-      </p:sp>
-      <p:sp>
-        <p:nvSpPr>
-          <p:cNvPr id="3" name="Content Placeholder 2"/>
-          <p:cNvSpPr>
-            <a:spLocks noGrp="1"/>
-          </p:cNvSpPr>
-          <p:nvPr>
-            <p:ph idx="1"/>
-          </p:nvPr>
-        </p:nvSpPr>
-        <p:spPr/>
-        <p:txBody>
-          <a:bodyPr>
-            <a:normAutofit/>
-          </a:bodyPr>
-          <a:lstStyle/>
-          <a:p>
-            <a:pPr lvl="0">
-              <a:buFont typeface="Wingdings" panose="05000000000000000000" pitchFamily="2" charset="2"/>
-              <a:buChar char="ü"/>
-            </a:pPr>
-            <a:r>
-              <a:rPr lang="en-US" sz="2400" dirty="0"/>
-              <a:t>Introduction to Node.JS and NPM</a:t>
-            </a:r>
-          </a:p>
-          <a:p>
-            <a:pPr lvl="0">
-              <a:buFont typeface="Wingdings" panose="05000000000000000000" pitchFamily="2" charset="2"/>
-              <a:buChar char="ü"/>
-            </a:pPr>
-            <a:r>
-              <a:rPr lang="en-US" sz="2400" dirty="0"/>
-              <a:t>Automating Build Tasks using Gulp</a:t>
-            </a:r>
-          </a:p>
-          <a:p>
-            <a:pPr lvl="0">
-              <a:buFont typeface="Wingdings" panose="05000000000000000000" pitchFamily="2" charset="2"/>
-              <a:buChar char="Ø"/>
-            </a:pPr>
-            <a:r>
-              <a:rPr lang="en-US" sz="2400" dirty="0"/>
-              <a:t>Bundling Project Assets using Webpack</a:t>
-            </a:r>
-          </a:p>
-          <a:p>
-            <a:pPr lvl="0"/>
-            <a:r>
-              <a:rPr lang="en-US" sz="2400" dirty="0"/>
-              <a:t>Developing with React.js, TypeScript and Webpack</a:t>
-            </a:r>
-          </a:p>
-          <a:p>
-            <a:pPr lvl="0"/>
-            <a:r>
-              <a:rPr lang="en-US" sz="2400" dirty="0"/>
-              <a:t>Developing with SharePoint Framework</a:t>
-            </a:r>
-          </a:p>
-          <a:p>
-            <a:pPr lvl="0"/>
-            <a:r>
-              <a:rPr lang="en-US" sz="2400" dirty="0"/>
-              <a:t>Developing Custom Visuals for Power BI</a:t>
-            </a:r>
-          </a:p>
-        </p:txBody>
-      </p:sp>
-    </p:spTree>
-    <p:extLst>
-      <p:ext uri="{BB962C8B-B14F-4D97-AF65-F5344CB8AC3E}">
-        <p14:creationId xmlns:p14="http://schemas.microsoft.com/office/powerpoint/2010/main" val="1914803148"/>
-      </p:ext>
-    </p:extLst>
-  </p:cSld>
-  <p:clrMapOvr>
-    <a:masterClrMapping/>
-  </p:clrMapOvr>
-</p:sld>
-</file>
-
 <file path=ppt/slides/slide22.xml><?xml version="1.0" encoding="utf-8"?>
 <p:sld xmlns:a="http://schemas.openxmlformats.org/drawingml/2006/main" xmlns:r="http://schemas.openxmlformats.org/officeDocument/2006/relationships" xmlns:p="http://schemas.openxmlformats.org/presentationml/2006/main">
   <p:cSld>
@@ -5466,6 +5455,128 @@
           <a:p>
             <a:r>
               <a:rPr lang="en-US"/>
+              <a:t>Agenda</a:t>
+            </a:r>
+            <a:endParaRPr lang="en-US" dirty="0"/>
+          </a:p>
+        </p:txBody>
+      </p:sp>
+      <p:sp>
+        <p:nvSpPr>
+          <p:cNvPr id="3" name="Content Placeholder 2"/>
+          <p:cNvSpPr>
+            <a:spLocks noGrp="1"/>
+          </p:cNvSpPr>
+          <p:nvPr>
+            <p:ph idx="1"/>
+          </p:nvPr>
+        </p:nvSpPr>
+        <p:spPr/>
+        <p:txBody>
+          <a:bodyPr>
+            <a:normAutofit/>
+          </a:bodyPr>
+          <a:lstStyle/>
+          <a:p>
+            <a:pPr lvl="0">
+              <a:buFont typeface="Wingdings" panose="05000000000000000000" pitchFamily="2" charset="2"/>
+              <a:buChar char="ü"/>
+            </a:pPr>
+            <a:r>
+              <a:rPr lang="en-US" sz="2400" dirty="0"/>
+              <a:t>Introduction to Node.JS and NPM</a:t>
+            </a:r>
+          </a:p>
+          <a:p>
+            <a:pPr lvl="0">
+              <a:buFont typeface="Wingdings" panose="05000000000000000000" pitchFamily="2" charset="2"/>
+              <a:buChar char="ü"/>
+            </a:pPr>
+            <a:r>
+              <a:rPr lang="en-US" sz="2400" dirty="0"/>
+              <a:t>Automating Build Tasks using Gulp</a:t>
+            </a:r>
+          </a:p>
+          <a:p>
+            <a:pPr lvl="0">
+              <a:buFont typeface="Wingdings" panose="05000000000000000000" pitchFamily="2" charset="2"/>
+              <a:buChar char="Ø"/>
+            </a:pPr>
+            <a:r>
+              <a:rPr lang="en-US" sz="2400" dirty="0"/>
+              <a:t>Bundling Project Assets using Webpack</a:t>
+            </a:r>
+          </a:p>
+          <a:p>
+            <a:pPr lvl="0"/>
+            <a:r>
+              <a:rPr lang="en-US" sz="2400" dirty="0"/>
+              <a:t>Developing with React.js, TypeScript and Webpack</a:t>
+            </a:r>
+          </a:p>
+          <a:p>
+            <a:pPr lvl="0"/>
+            <a:r>
+              <a:rPr lang="en-US" sz="2400" dirty="0"/>
+              <a:t>Developing with SharePoint Framework</a:t>
+            </a:r>
+          </a:p>
+          <a:p>
+            <a:pPr lvl="0"/>
+            <a:r>
+              <a:rPr lang="en-US" sz="2400" dirty="0"/>
+              <a:t>Developing Custom Visuals for Power BI</a:t>
+            </a:r>
+          </a:p>
+        </p:txBody>
+      </p:sp>
+    </p:spTree>
+    <p:extLst>
+      <p:ext uri="{BB962C8B-B14F-4D97-AF65-F5344CB8AC3E}">
+        <p14:creationId xmlns:p14="http://schemas.microsoft.com/office/powerpoint/2010/main" val="1914803148"/>
+      </p:ext>
+    </p:extLst>
+  </p:cSld>
+  <p:clrMapOvr>
+    <a:masterClrMapping/>
+  </p:clrMapOvr>
+</p:sld>
+</file>
+
+<file path=ppt/slides/slide23.xml><?xml version="1.0" encoding="utf-8"?>
+<p:sld xmlns:a="http://schemas.openxmlformats.org/drawingml/2006/main" xmlns:r="http://schemas.openxmlformats.org/officeDocument/2006/relationships" xmlns:p="http://schemas.openxmlformats.org/presentationml/2006/main">
+  <p:cSld>
+    <p:spTree>
+      <p:nvGrpSpPr>
+        <p:cNvPr id="1" name=""/>
+        <p:cNvGrpSpPr/>
+        <p:nvPr/>
+      </p:nvGrpSpPr>
+      <p:grpSpPr>
+        <a:xfrm>
+          <a:off x="0" y="0"/>
+          <a:ext cx="0" cy="0"/>
+          <a:chOff x="0" y="0"/>
+          <a:chExt cx="0" cy="0"/>
+        </a:xfrm>
+      </p:grpSpPr>
+      <p:sp>
+        <p:nvSpPr>
+          <p:cNvPr id="2" name="Title 1"/>
+          <p:cNvSpPr>
+            <a:spLocks noGrp="1"/>
+          </p:cNvSpPr>
+          <p:nvPr>
+            <p:ph type="title"/>
+          </p:nvPr>
+        </p:nvSpPr>
+        <p:spPr/>
+        <p:txBody>
+          <a:bodyPr/>
+          <a:lstStyle/>
+          <a:p>
+            <a:r>
+              <a:rPr lang="en-US"/>
               <a:t>WebPack</a:t>
             </a:r>
             <a:endParaRPr lang="en-US" dirty="0"/>
@@ -5576,7 +5687,7 @@
 </p:sld>
 </file>
 
-<file path=ppt/slides/slide23.xml><?xml version="1.0" encoding="utf-8"?>
+<file path=ppt/slides/slide24.xml><?xml version="1.0" encoding="utf-8"?>
 <p:sld xmlns:a="http://schemas.openxmlformats.org/drawingml/2006/main" xmlns:r="http://schemas.openxmlformats.org/officeDocument/2006/relationships" xmlns:p="http://schemas.openxmlformats.org/presentationml/2006/main">
   <p:cSld>
     <p:spTree>
@@ -5864,139 +5975,6 @@
 </p:sld>
 </file>
 
-<file path=ppt/slides/slide24.xml><?xml version="1.0" encoding="utf-8"?>
-<p:sld xmlns:a="http://schemas.openxmlformats.org/drawingml/2006/main" xmlns:r="http://schemas.openxmlformats.org/officeDocument/2006/relationships" xmlns:p="http://schemas.openxmlformats.org/presentationml/2006/main">
-  <p:cSld>
-    <p:spTree>
-      <p:nvGrpSpPr>
-        <p:cNvPr id="1" name=""/>
-        <p:cNvGrpSpPr/>
-        <p:nvPr/>
-      </p:nvGrpSpPr>
-      <p:grpSpPr>
-        <a:xfrm>
-          <a:off x="0" y="0"/>
-          <a:ext cx="0" cy="0"/>
-          <a:chOff x="0" y="0"/>
-          <a:chExt cx="0" cy="0"/>
-        </a:xfrm>
-      </p:grpSpPr>
-      <p:sp>
-        <p:nvSpPr>
-          <p:cNvPr id="2" name="Title 1"/>
-          <p:cNvSpPr>
-            <a:spLocks noGrp="1"/>
-          </p:cNvSpPr>
-          <p:nvPr>
-            <p:ph type="title"/>
-          </p:nvPr>
-        </p:nvSpPr>
-        <p:spPr/>
-        <p:txBody>
-          <a:bodyPr/>
-          <a:lstStyle/>
-          <a:p>
-            <a:r>
-              <a:rPr lang="en-US" dirty="0"/>
-              <a:t>Webpack Loaders</a:t>
-            </a:r>
-          </a:p>
-        </p:txBody>
-      </p:sp>
-      <p:sp>
-        <p:nvSpPr>
-          <p:cNvPr id="3" name="Content Placeholder 2"/>
-          <p:cNvSpPr>
-            <a:spLocks noGrp="1"/>
-          </p:cNvSpPr>
-          <p:nvPr>
-            <p:ph idx="1"/>
-          </p:nvPr>
-        </p:nvSpPr>
-        <p:spPr/>
-        <p:txBody>
-          <a:bodyPr/>
-          <a:lstStyle/>
-          <a:p>
-            <a:r>
-              <a:rPr lang="en-US" dirty="0"/>
-              <a:t>Loaders do two things</a:t>
-            </a:r>
-          </a:p>
-          <a:p>
-            <a:pPr lvl="1"/>
-            <a:r>
-              <a:rPr lang="en-US" dirty="0"/>
-              <a:t>Identify which file or files should be transformed</a:t>
-            </a:r>
-          </a:p>
-          <a:p>
-            <a:pPr lvl="1"/>
-            <a:r>
-              <a:rPr lang="en-US" dirty="0"/>
-              <a:t>Transform files and ad them to dependency graph</a:t>
-            </a:r>
-          </a:p>
-          <a:p>
-            <a:endParaRPr lang="en-US" dirty="0"/>
-          </a:p>
-          <a:p>
-            <a:r>
-              <a:rPr lang="en-US" dirty="0"/>
-              <a:t>Example loaders</a:t>
-            </a:r>
-          </a:p>
-          <a:p>
-            <a:pPr lvl="1"/>
-            <a:r>
-              <a:rPr lang="en-US" dirty="0"/>
-              <a:t>awesome-typescript-loader</a:t>
-            </a:r>
-          </a:p>
-          <a:p>
-            <a:pPr lvl="1"/>
-            <a:r>
-              <a:rPr lang="en-US" dirty="0"/>
-              <a:t>style-loader</a:t>
-            </a:r>
-          </a:p>
-          <a:p>
-            <a:pPr lvl="1"/>
-            <a:r>
-              <a:rPr lang="en-US" dirty="0" err="1"/>
-              <a:t>css</a:t>
-            </a:r>
-            <a:r>
-              <a:rPr lang="en-US" dirty="0"/>
-              <a:t>-loader</a:t>
-            </a:r>
-          </a:p>
-          <a:p>
-            <a:pPr lvl="1"/>
-            <a:r>
-              <a:rPr lang="en-US" dirty="0" err="1"/>
-              <a:t>url</a:t>
-            </a:r>
-            <a:r>
-              <a:rPr lang="en-US" dirty="0"/>
-              <a:t>-loader</a:t>
-            </a:r>
-          </a:p>
-        </p:txBody>
-      </p:sp>
-    </p:spTree>
-    <p:extLst>
-      <p:ext uri="{BB962C8B-B14F-4D97-AF65-F5344CB8AC3E}">
-        <p14:creationId xmlns:p14="http://schemas.microsoft.com/office/powerpoint/2010/main" val="1944455562"/>
-      </p:ext>
-    </p:extLst>
-  </p:cSld>
-  <p:clrMapOvr>
-    <a:masterClrMapping/>
-  </p:clrMapOvr>
-</p:sld>
-</file>
-
 <file path=ppt/slides/slide25.xml><?xml version="1.0" encoding="utf-8"?>
 <p:sld xmlns:a="http://schemas.openxmlformats.org/drawingml/2006/main" xmlns:r="http://schemas.openxmlformats.org/officeDocument/2006/relationships" xmlns:p="http://schemas.openxmlformats.org/presentationml/2006/main">
   <p:cSld>
@@ -6031,6 +6009,139 @@
           <a:p>
             <a:r>
               <a:rPr lang="en-US" dirty="0"/>
+              <a:t>Webpack Loaders</a:t>
+            </a:r>
+          </a:p>
+        </p:txBody>
+      </p:sp>
+      <p:sp>
+        <p:nvSpPr>
+          <p:cNvPr id="3" name="Content Placeholder 2"/>
+          <p:cNvSpPr>
+            <a:spLocks noGrp="1"/>
+          </p:cNvSpPr>
+          <p:nvPr>
+            <p:ph idx="1"/>
+          </p:nvPr>
+        </p:nvSpPr>
+        <p:spPr/>
+        <p:txBody>
+          <a:bodyPr/>
+          <a:lstStyle/>
+          <a:p>
+            <a:r>
+              <a:rPr lang="en-US" dirty="0"/>
+              <a:t>Loaders do two things</a:t>
+            </a:r>
+          </a:p>
+          <a:p>
+            <a:pPr lvl="1"/>
+            <a:r>
+              <a:rPr lang="en-US" dirty="0"/>
+              <a:t>Identify which file or files should be transformed</a:t>
+            </a:r>
+          </a:p>
+          <a:p>
+            <a:pPr lvl="1"/>
+            <a:r>
+              <a:rPr lang="en-US" dirty="0"/>
+              <a:t>Transform files and ad them to dependency graph</a:t>
+            </a:r>
+          </a:p>
+          <a:p>
+            <a:endParaRPr lang="en-US" dirty="0"/>
+          </a:p>
+          <a:p>
+            <a:r>
+              <a:rPr lang="en-US" dirty="0"/>
+              <a:t>Example loaders</a:t>
+            </a:r>
+          </a:p>
+          <a:p>
+            <a:pPr lvl="1"/>
+            <a:r>
+              <a:rPr lang="en-US" dirty="0"/>
+              <a:t>awesome-typescript-loader</a:t>
+            </a:r>
+          </a:p>
+          <a:p>
+            <a:pPr lvl="1"/>
+            <a:r>
+              <a:rPr lang="en-US" dirty="0"/>
+              <a:t>style-loader</a:t>
+            </a:r>
+          </a:p>
+          <a:p>
+            <a:pPr lvl="1"/>
+            <a:r>
+              <a:rPr lang="en-US" dirty="0" err="1"/>
+              <a:t>css</a:t>
+            </a:r>
+            <a:r>
+              <a:rPr lang="en-US" dirty="0"/>
+              <a:t>-loader</a:t>
+            </a:r>
+          </a:p>
+          <a:p>
+            <a:pPr lvl="1"/>
+            <a:r>
+              <a:rPr lang="en-US" dirty="0" err="1"/>
+              <a:t>url</a:t>
+            </a:r>
+            <a:r>
+              <a:rPr lang="en-US" dirty="0"/>
+              <a:t>-loader</a:t>
+            </a:r>
+          </a:p>
+        </p:txBody>
+      </p:sp>
+    </p:spTree>
+    <p:extLst>
+      <p:ext uri="{BB962C8B-B14F-4D97-AF65-F5344CB8AC3E}">
+        <p14:creationId xmlns:p14="http://schemas.microsoft.com/office/powerpoint/2010/main" val="1944455562"/>
+      </p:ext>
+    </p:extLst>
+  </p:cSld>
+  <p:clrMapOvr>
+    <a:masterClrMapping/>
+  </p:clrMapOvr>
+</p:sld>
+</file>
+
+<file path=ppt/slides/slide26.xml><?xml version="1.0" encoding="utf-8"?>
+<p:sld xmlns:a="http://schemas.openxmlformats.org/drawingml/2006/main" xmlns:r="http://schemas.openxmlformats.org/officeDocument/2006/relationships" xmlns:p="http://schemas.openxmlformats.org/presentationml/2006/main">
+  <p:cSld>
+    <p:spTree>
+      <p:nvGrpSpPr>
+        <p:cNvPr id="1" name=""/>
+        <p:cNvGrpSpPr/>
+        <p:nvPr/>
+      </p:nvGrpSpPr>
+      <p:grpSpPr>
+        <a:xfrm>
+          <a:off x="0" y="0"/>
+          <a:ext cx="0" cy="0"/>
+          <a:chOff x="0" y="0"/>
+          <a:chExt cx="0" cy="0"/>
+        </a:xfrm>
+      </p:grpSpPr>
+      <p:sp>
+        <p:nvSpPr>
+          <p:cNvPr id="2" name="Title 1"/>
+          <p:cNvSpPr>
+            <a:spLocks noGrp="1"/>
+          </p:cNvSpPr>
+          <p:nvPr>
+            <p:ph type="title"/>
+          </p:nvPr>
+        </p:nvSpPr>
+        <p:spPr/>
+        <p:txBody>
+          <a:bodyPr/>
+          <a:lstStyle/>
+          <a:p>
+            <a:r>
+              <a:rPr lang="en-US" dirty="0"/>
               <a:t>Webpack Plugins</a:t>
             </a:r>
           </a:p>
@@ -6122,7 +6233,7 @@
 </p:sld>
 </file>
 
-<file path=ppt/slides/slide26.xml><?xml version="1.0" encoding="utf-8"?>
+<file path=ppt/slides/slide27.xml><?xml version="1.0" encoding="utf-8"?>
 <p:sld xmlns:a="http://schemas.openxmlformats.org/drawingml/2006/main" xmlns:r="http://schemas.openxmlformats.org/officeDocument/2006/relationships" xmlns:p="http://schemas.openxmlformats.org/presentationml/2006/main">
   <p:cSld>
     <p:spTree>
@@ -6244,7 +6355,7 @@
 </p:sld>
 </file>
 
-<file path=ppt/slides/slide27.xml><?xml version="1.0" encoding="utf-8"?>
+<file path=ppt/slides/slide28.xml><?xml version="1.0" encoding="utf-8"?>
 <p:sld xmlns:a="http://schemas.openxmlformats.org/drawingml/2006/main" xmlns:r="http://schemas.openxmlformats.org/officeDocument/2006/relationships" xmlns:p="http://schemas.openxmlformats.org/presentationml/2006/main">
   <p:cSld>
     <p:spTree>
@@ -6369,120 +6480,6 @@
 </p:sld>
 </file>
 
-<file path=ppt/slides/slide28.xml><?xml version="1.0" encoding="utf-8"?>
-<p:sld xmlns:a="http://schemas.openxmlformats.org/drawingml/2006/main" xmlns:r="http://schemas.openxmlformats.org/officeDocument/2006/relationships" xmlns:p="http://schemas.openxmlformats.org/presentationml/2006/main">
-  <p:cSld>
-    <p:spTree>
-      <p:nvGrpSpPr>
-        <p:cNvPr id="1" name=""/>
-        <p:cNvGrpSpPr/>
-        <p:nvPr/>
-      </p:nvGrpSpPr>
-      <p:grpSpPr>
-        <a:xfrm>
-          <a:off x="0" y="0"/>
-          <a:ext cx="0" cy="0"/>
-          <a:chOff x="0" y="0"/>
-          <a:chExt cx="0" cy="0"/>
-        </a:xfrm>
-      </p:grpSpPr>
-      <p:sp>
-        <p:nvSpPr>
-          <p:cNvPr id="2" name="Title 1">
-            <a:extLst>
-              <a:ext uri="{FF2B5EF4-FFF2-40B4-BE49-F238E27FC236}">
-                <a16:creationId xmlns:a16="http://schemas.microsoft.com/office/drawing/2014/main" id="{4D0ABCC0-73A7-490E-B20C-A53B38994FD2}"/>
-              </a:ext>
-            </a:extLst>
-          </p:cNvPr>
-          <p:cNvSpPr>
-            <a:spLocks noGrp="1"/>
-          </p:cNvSpPr>
-          <p:nvPr>
-            <p:ph type="title"/>
-          </p:nvPr>
-        </p:nvSpPr>
-        <p:spPr/>
-        <p:txBody>
-          <a:bodyPr/>
-          <a:lstStyle/>
-          <a:p>
-            <a:r>
-              <a:rPr lang="en-US" dirty="0"/>
-              <a:t>Webpack Dev Server</a:t>
-            </a:r>
-          </a:p>
-        </p:txBody>
-      </p:sp>
-      <p:sp>
-        <p:nvSpPr>
-          <p:cNvPr id="3" name="Content Placeholder 2">
-            <a:extLst>
-              <a:ext uri="{FF2B5EF4-FFF2-40B4-BE49-F238E27FC236}">
-                <a16:creationId xmlns:a16="http://schemas.microsoft.com/office/drawing/2014/main" id="{66996205-9332-4E1A-B5AA-39D87C0BCB63}"/>
-              </a:ext>
-            </a:extLst>
-          </p:cNvPr>
-          <p:cNvSpPr>
-            <a:spLocks noGrp="1"/>
-          </p:cNvSpPr>
-          <p:nvPr>
-            <p:ph idx="1"/>
-          </p:nvPr>
-        </p:nvSpPr>
-        <p:spPr/>
-        <p:txBody>
-          <a:bodyPr/>
-          <a:lstStyle/>
-          <a:p>
-            <a:r>
-              <a:rPr lang="en-US" dirty="0"/>
-              <a:t>Webpack provides its own development server</a:t>
-            </a:r>
-          </a:p>
-          <a:p>
-            <a:pPr lvl="1"/>
-            <a:r>
-              <a:rPr lang="en-US" dirty="0"/>
-              <a:t>Install the webpack dev server package</a:t>
-            </a:r>
-          </a:p>
-          <a:p>
-            <a:pPr lvl="2"/>
-            <a:r>
-              <a:rPr lang="en-US" dirty="0"/>
-              <a:t>npm install webpack-dev-server --save-dev</a:t>
-            </a:r>
-          </a:p>
-          <a:p>
-            <a:pPr lvl="1"/>
-            <a:r>
-              <a:rPr lang="en-US" dirty="0"/>
-              <a:t>Run your project using the webpack dev server CLI</a:t>
-            </a:r>
-          </a:p>
-          <a:p>
-            <a:pPr lvl="2"/>
-            <a:r>
-              <a:rPr lang="en-US" dirty="0"/>
-              <a:t>webpack-dev-server --open</a:t>
-            </a:r>
-          </a:p>
-        </p:txBody>
-      </p:sp>
-    </p:spTree>
-    <p:extLst>
-      <p:ext uri="{BB962C8B-B14F-4D97-AF65-F5344CB8AC3E}">
-        <p14:creationId xmlns:p14="http://schemas.microsoft.com/office/powerpoint/2010/main" val="2230094902"/>
-      </p:ext>
-    </p:extLst>
-  </p:cSld>
-  <p:clrMapOvr>
-    <a:masterClrMapping/>
-  </p:clrMapOvr>
-</p:sld>
-</file>
-
 <file path=ppt/slides/slide29.xml><?xml version="1.0" encoding="utf-8"?>
 <p:sld xmlns:a="http://schemas.openxmlformats.org/drawingml/2006/main" xmlns:r="http://schemas.openxmlformats.org/officeDocument/2006/relationships" xmlns:p="http://schemas.openxmlformats.org/presentationml/2006/main">
   <p:cSld>
@@ -6502,7 +6499,13 @@
       </p:grpSpPr>
       <p:sp>
         <p:nvSpPr>
-          <p:cNvPr id="2" name="Title 1"/>
+          <p:cNvPr id="2" name="Title 1">
+            <a:extLst>
+              <a:ext uri="{FF2B5EF4-FFF2-40B4-BE49-F238E27FC236}">
+                <a16:creationId xmlns:a16="http://schemas.microsoft.com/office/drawing/2014/main" id="{4D0ABCC0-73A7-490E-B20C-A53B38994FD2}"/>
+              </a:ext>
+            </a:extLst>
+          </p:cNvPr>
           <p:cNvSpPr>
             <a:spLocks noGrp="1"/>
           </p:cNvSpPr>
@@ -6516,16 +6519,21 @@
           <a:lstStyle/>
           <a:p>
             <a:r>
-              <a:rPr lang="en-US"/>
-              <a:t>Agenda</a:t>
-            </a:r>
-            <a:endParaRPr lang="en-US" dirty="0"/>
-          </a:p>
-        </p:txBody>
-      </p:sp>
-      <p:sp>
-        <p:nvSpPr>
-          <p:cNvPr id="3" name="Content Placeholder 2"/>
+              <a:rPr lang="en-US" dirty="0"/>
+              <a:t>Webpack Dev Server</a:t>
+            </a:r>
+          </a:p>
+        </p:txBody>
+      </p:sp>
+      <p:sp>
+        <p:nvSpPr>
+          <p:cNvPr id="3" name="Content Placeholder 2">
+            <a:extLst>
+              <a:ext uri="{FF2B5EF4-FFF2-40B4-BE49-F238E27FC236}">
+                <a16:creationId xmlns:a16="http://schemas.microsoft.com/office/drawing/2014/main" id="{66996205-9332-4E1A-B5AA-39D87C0BCB63}"/>
+              </a:ext>
+            </a:extLst>
+          </p:cNvPr>
           <p:cNvSpPr>
             <a:spLocks noGrp="1"/>
           </p:cNvSpPr>
@@ -6535,62 +6543,40 @@
         </p:nvSpPr>
         <p:spPr/>
         <p:txBody>
-          <a:bodyPr>
-            <a:normAutofit/>
-          </a:bodyPr>
+          <a:bodyPr/>
           <a:lstStyle/>
           <a:p>
-            <a:pPr lvl="0">
-              <a:buFont typeface="Wingdings" panose="05000000000000000000" pitchFamily="2" charset="2"/>
-              <a:buChar char="ü"/>
-            </a:pPr>
-            <a:r>
-              <a:rPr lang="en-US" sz="2400" dirty="0"/>
-              <a:t>Introduction to Node.JS and NPM</a:t>
-            </a:r>
-          </a:p>
-          <a:p>
-            <a:pPr lvl="0">
-              <a:buFont typeface="Wingdings" panose="05000000000000000000" pitchFamily="2" charset="2"/>
-              <a:buChar char="ü"/>
-            </a:pPr>
-            <a:r>
-              <a:rPr lang="en-US" sz="2400" dirty="0"/>
-              <a:t>Automating Build Tasks using Gulp</a:t>
-            </a:r>
-          </a:p>
-          <a:p>
-            <a:pPr lvl="0">
-              <a:buFont typeface="Wingdings" panose="05000000000000000000" pitchFamily="2" charset="2"/>
-              <a:buChar char="ü"/>
-            </a:pPr>
-            <a:r>
-              <a:rPr lang="en-US" sz="2400" dirty="0"/>
-              <a:t>Bundling Project Assets using Webpack</a:t>
-            </a:r>
-          </a:p>
-          <a:p>
-            <a:pPr lvl="0">
-              <a:buFont typeface="Wingdings" panose="05000000000000000000" pitchFamily="2" charset="2"/>
-              <a:buChar char="Ø"/>
-            </a:pPr>
-            <a:r>
-              <a:rPr lang="en-US" sz="2400" dirty="0"/>
-              <a:t>Developing with React.js, TypeScript and Webpack</a:t>
-            </a:r>
-          </a:p>
-          <a:p>
-            <a:pPr lvl="0"/>
-            <a:r>
-              <a:rPr lang="en-US" sz="2400" dirty="0"/>
-              <a:t>Developing with SharePoint Framework</a:t>
-            </a:r>
-          </a:p>
-          <a:p>
-            <a:pPr lvl="0"/>
-            <a:r>
-              <a:rPr lang="en-US" sz="2400" dirty="0"/>
-              <a:t>Developing Custom Visuals for Power BI</a:t>
+            <a:r>
+              <a:rPr lang="en-US" dirty="0"/>
+              <a:t>Webpack provides its own development server</a:t>
+            </a:r>
+          </a:p>
+          <a:p>
+            <a:pPr lvl="1"/>
+            <a:r>
+              <a:rPr lang="en-US" dirty="0"/>
+              <a:t>Install the webpack dev server package</a:t>
+            </a:r>
+          </a:p>
+          <a:p>
+            <a:pPr lvl="2"/>
+            <a:r>
+              <a:rPr lang="en-US" dirty="0"/>
+              <a:t>npm install webpack-dev-server --save-dev</a:t>
+            </a:r>
+          </a:p>
+          <a:p>
+            <a:pPr lvl="1"/>
+            <a:r>
+              <a:rPr lang="en-US" dirty="0"/>
+              <a:t>Run your project using the webpack dev server CLI</a:t>
+            </a:r>
+          </a:p>
+          <a:p>
+            <a:pPr lvl="2"/>
+            <a:r>
+              <a:rPr lang="en-US" dirty="0"/>
+              <a:t>webpack-dev-server --open</a:t>
             </a:r>
           </a:p>
         </p:txBody>
@@ -6598,7 +6584,7 @@
     </p:spTree>
     <p:extLst>
       <p:ext uri="{BB962C8B-B14F-4D97-AF65-F5344CB8AC3E}">
-        <p14:creationId xmlns:p14="http://schemas.microsoft.com/office/powerpoint/2010/main" val="2493451010"/>
+        <p14:creationId xmlns:p14="http://schemas.microsoft.com/office/powerpoint/2010/main" val="2230094902"/>
       </p:ext>
     </p:extLst>
   </p:cSld>
@@ -6627,13 +6613,7 @@
       </p:grpSpPr>
       <p:sp>
         <p:nvSpPr>
-          <p:cNvPr id="2" name="Title 1">
-            <a:extLst>
-              <a:ext uri="{FF2B5EF4-FFF2-40B4-BE49-F238E27FC236}">
-                <a16:creationId xmlns:a16="http://schemas.microsoft.com/office/drawing/2014/main" id="{AF8E468F-C789-42CB-A9E4-755E1403EEDA}"/>
-              </a:ext>
-            </a:extLst>
-          </p:cNvPr>
+          <p:cNvPr id="2" name="Title 1"/>
           <p:cNvSpPr>
             <a:spLocks noGrp="1"/>
           </p:cNvSpPr>
@@ -6641,32 +6621,22 @@
             <p:ph type="title"/>
           </p:nvPr>
         </p:nvSpPr>
-        <p:spPr>
-          <a:xfrm>
-            <a:off x="990600" y="76200"/>
-            <a:ext cx="7772400" cy="838200"/>
-          </a:xfrm>
-        </p:spPr>
+        <p:spPr/>
         <p:txBody>
           <a:bodyPr/>
           <a:lstStyle/>
           <a:p>
             <a:r>
-              <a:rPr lang="en-US" dirty="0"/>
-              <a:t>What is Node.js</a:t>
-            </a:r>
-          </a:p>
-        </p:txBody>
-      </p:sp>
-      <p:sp>
-        <p:nvSpPr>
-          <p:cNvPr id="3" name="Content Placeholder 2">
-            <a:extLst>
-              <a:ext uri="{FF2B5EF4-FFF2-40B4-BE49-F238E27FC236}">
-                <a16:creationId xmlns:a16="http://schemas.microsoft.com/office/drawing/2014/main" id="{086952A9-3F17-451E-B2EC-5FF570D9F9D4}"/>
-              </a:ext>
-            </a:extLst>
-          </p:cNvPr>
+              <a:rPr lang="en-US"/>
+              <a:t>Agenda</a:t>
+            </a:r>
+            <a:endParaRPr lang="en-US" dirty="0"/>
+          </a:p>
+        </p:txBody>
+      </p:sp>
+      <p:sp>
+        <p:nvSpPr>
+          <p:cNvPr id="3" name="Content Placeholder 2"/>
           <p:cNvSpPr>
             <a:spLocks noGrp="1"/>
           </p:cNvSpPr>
@@ -6677,169 +6647,57 @@
         <p:spPr/>
         <p:txBody>
           <a:bodyPr>
-            <a:noAutofit/>
+            <a:normAutofit/>
           </a:bodyPr>
           <a:lstStyle/>
           <a:p>
-            <a:r>
-              <a:rPr lang="en-US" sz="2000" dirty="0"/>
-              <a:t>Node.js was created to develop server-side applications in JavaScript</a:t>
-            </a:r>
-          </a:p>
-          <a:p>
-            <a:pPr lvl="1"/>
-            <a:r>
-              <a:rPr lang="en-US" sz="1600" dirty="0"/>
-              <a:t>Node.js was initially created by Ryan Dahl in 2009</a:t>
-            </a:r>
-          </a:p>
-          <a:p>
-            <a:pPr lvl="1"/>
-            <a:r>
-              <a:rPr lang="en-US" sz="1600" dirty="0"/>
-              <a:t>Built using Google's V8 JavaScript engine</a:t>
-            </a:r>
-          </a:p>
-          <a:p>
-            <a:pPr lvl="1"/>
-            <a:r>
-              <a:rPr lang="en-US" sz="1600" dirty="0"/>
-              <a:t>Created to solve Apache HTTP Server's inability to deal with concurrency</a:t>
-            </a:r>
-          </a:p>
-          <a:p>
-            <a:pPr lvl="1"/>
-            <a:r>
-              <a:rPr lang="en-US" sz="1600" dirty="0"/>
-              <a:t>Node.js offers single-threaded, non-blocking, asynchronously programming</a:t>
-            </a:r>
-          </a:p>
-          <a:p>
-            <a:pPr>
-              <a:lnSpc>
-                <a:spcPct val="200000"/>
-              </a:lnSpc>
-            </a:pPr>
-            <a:r>
-              <a:rPr lang="en-US" sz="2000" dirty="0"/>
-              <a:t>JavaScript run-time environment based on Google V8 engine</a:t>
-            </a:r>
-          </a:p>
-          <a:p>
-            <a:pPr lvl="1"/>
-            <a:r>
-              <a:rPr lang="en-US" sz="1600" dirty="0"/>
-              <a:t>JavaScript execution environment for web servers and development machines</a:t>
-            </a:r>
-          </a:p>
-          <a:p>
-            <a:pPr lvl="1"/>
-            <a:r>
-              <a:rPr lang="en-US" sz="1600" dirty="0"/>
-              <a:t>It's free, cross-platform and open-source</a:t>
-            </a:r>
-          </a:p>
-          <a:p>
-            <a:pPr lvl="1"/>
-            <a:r>
-              <a:rPr lang="en-US" sz="1600" dirty="0"/>
-              <a:t>Includes Node Package Manager (</a:t>
-            </a:r>
-            <a:r>
-              <a:rPr lang="en-US" sz="1600" dirty="0" err="1"/>
-              <a:t>npm</a:t>
-            </a:r>
-            <a:r>
-              <a:rPr lang="en-US" sz="1600" dirty="0"/>
-              <a:t>) and lots of available packages</a:t>
-            </a:r>
-          </a:p>
-          <a:p>
-            <a:pPr>
-              <a:lnSpc>
-                <a:spcPct val="200000"/>
-              </a:lnSpc>
-            </a:pPr>
-            <a:r>
-              <a:rPr lang="en-US" sz="2000" dirty="0"/>
-              <a:t>What are the primary motivations for using Node.js</a:t>
-            </a:r>
-          </a:p>
-          <a:p>
-            <a:pPr lvl="1"/>
-            <a:r>
-              <a:rPr lang="en-US" sz="1600" dirty="0"/>
-              <a:t>Server-side development with web applications and web services</a:t>
-            </a:r>
-          </a:p>
-          <a:p>
-            <a:pPr lvl="1"/>
-            <a:r>
-              <a:rPr lang="en-US" sz="1600" dirty="0"/>
-              <a:t>Development environment with package management</a:t>
-            </a:r>
-          </a:p>
-          <a:p>
-            <a:pPr lvl="1"/>
-            <a:r>
-              <a:rPr lang="en-US" sz="1600" dirty="0"/>
-              <a:t>Development with SharePoint Framework (SPX) of Power BI custom visuals</a:t>
-            </a:r>
-          </a:p>
-          <a:p>
-            <a:endParaRPr lang="en-US" sz="2000" dirty="0"/>
-          </a:p>
-        </p:txBody>
-      </p:sp>
-      <p:pic>
-        <p:nvPicPr>
-          <p:cNvPr id="4" name="Picture 2" descr="https://upload.wikimedia.org/wikipedia/commons/thumb/b/b2/Ryan_Dahl.jpg/220px-Ryan_Dahl.jpg">
-            <a:extLst>
-              <a:ext uri="{FF2B5EF4-FFF2-40B4-BE49-F238E27FC236}">
-                <a16:creationId xmlns:a16="http://schemas.microsoft.com/office/drawing/2014/main" id="{1C4BCBF6-09E8-4B73-86C7-87935C7844DD}"/>
-              </a:ext>
-            </a:extLst>
-          </p:cNvPr>
-          <p:cNvPicPr>
-            <a:picLocks noChangeAspect="1" noChangeArrowheads="1"/>
-          </p:cNvPicPr>
-          <p:nvPr/>
-        </p:nvPicPr>
-        <p:blipFill rotWithShape="1">
-          <a:blip r:embed="rId2" cstate="print">
-            <a:extLst>
-              <a:ext uri="{28A0092B-C50C-407E-A947-70E740481C1C}">
-                <a14:useLocalDpi xmlns:a14="http://schemas.microsoft.com/office/drawing/2010/main" val="0"/>
-              </a:ext>
-            </a:extLst>
-          </a:blip>
-          <a:srcRect b="26667"/>
-          <a:stretch/>
-        </p:blipFill>
-        <p:spPr bwMode="auto">
-          <a:xfrm>
-            <a:off x="76200" y="76200"/>
-            <a:ext cx="762000" cy="838200"/>
-          </a:xfrm>
-          <a:prstGeom prst="rect">
-            <a:avLst/>
-          </a:prstGeom>
-          <a:noFill/>
-          <a:extLst>
-            <a:ext uri="{909E8E84-426E-40DD-AFC4-6F175D3DCCD1}">
-              <a14:hiddenFill xmlns:a14="http://schemas.microsoft.com/office/drawing/2010/main">
-                <a:solidFill>
-                  <a:srgbClr val="FFFFFF"/>
-                </a:solidFill>
-              </a14:hiddenFill>
-            </a:ext>
-          </a:extLst>
-        </p:spPr>
-      </p:pic>
+            <a:pPr lvl="0"/>
+            <a:r>
+              <a:rPr lang="en-US" sz="2400" dirty="0"/>
+              <a:t>Introduction to Node.JS and NPM</a:t>
+            </a:r>
+          </a:p>
+          <a:p>
+            <a:pPr lvl="0"/>
+            <a:r>
+              <a:rPr lang="en-US" sz="2400" dirty="0"/>
+              <a:t>Automating Build Tasks using Gulp</a:t>
+            </a:r>
+          </a:p>
+          <a:p>
+            <a:pPr lvl="0"/>
+            <a:r>
+              <a:rPr lang="en-US" sz="2400" dirty="0"/>
+              <a:t>Bundling Project Assets using Webpack</a:t>
+            </a:r>
+          </a:p>
+          <a:p>
+            <a:pPr lvl="0"/>
+            <a:r>
+              <a:rPr lang="en-US" sz="2400" dirty="0"/>
+              <a:t>Developing with React.js, TypeScript and Webpack</a:t>
+            </a:r>
+          </a:p>
+          <a:p>
+            <a:pPr lvl="0"/>
+            <a:r>
+              <a:rPr lang="en-US" sz="2400" dirty="0"/>
+              <a:t>Developing with SharePoint Framework</a:t>
+            </a:r>
+          </a:p>
+          <a:p>
+            <a:pPr lvl="0"/>
+            <a:r>
+              <a:rPr lang="en-US" sz="2400" dirty="0"/>
+              <a:t>Developing Custom Visuals for Power BI</a:t>
+            </a:r>
+          </a:p>
+        </p:txBody>
+      </p:sp>
     </p:spTree>
     <p:extLst>
       <p:ext uri="{BB962C8B-B14F-4D97-AF65-F5344CB8AC3E}">
-        <p14:creationId xmlns:p14="http://schemas.microsoft.com/office/powerpoint/2010/main" val="2804110131"/>
+        <p14:creationId xmlns:p14="http://schemas.microsoft.com/office/powerpoint/2010/main" val="1619929893"/>
       </p:ext>
     </p:extLst>
   </p:cSld>
@@ -6883,6 +6741,131 @@
           <a:p>
             <a:r>
               <a:rPr lang="en-US"/>
+              <a:t>Agenda</a:t>
+            </a:r>
+            <a:endParaRPr lang="en-US" dirty="0"/>
+          </a:p>
+        </p:txBody>
+      </p:sp>
+      <p:sp>
+        <p:nvSpPr>
+          <p:cNvPr id="3" name="Content Placeholder 2"/>
+          <p:cNvSpPr>
+            <a:spLocks noGrp="1"/>
+          </p:cNvSpPr>
+          <p:nvPr>
+            <p:ph idx="1"/>
+          </p:nvPr>
+        </p:nvSpPr>
+        <p:spPr/>
+        <p:txBody>
+          <a:bodyPr>
+            <a:normAutofit/>
+          </a:bodyPr>
+          <a:lstStyle/>
+          <a:p>
+            <a:pPr lvl="0">
+              <a:buFont typeface="Wingdings" panose="05000000000000000000" pitchFamily="2" charset="2"/>
+              <a:buChar char="ü"/>
+            </a:pPr>
+            <a:r>
+              <a:rPr lang="en-US" sz="2400" dirty="0"/>
+              <a:t>Introduction to Node.JS and NPM</a:t>
+            </a:r>
+          </a:p>
+          <a:p>
+            <a:pPr lvl="0">
+              <a:buFont typeface="Wingdings" panose="05000000000000000000" pitchFamily="2" charset="2"/>
+              <a:buChar char="ü"/>
+            </a:pPr>
+            <a:r>
+              <a:rPr lang="en-US" sz="2400" dirty="0"/>
+              <a:t>Automating Build Tasks using Gulp</a:t>
+            </a:r>
+          </a:p>
+          <a:p>
+            <a:pPr lvl="0">
+              <a:buFont typeface="Wingdings" panose="05000000000000000000" pitchFamily="2" charset="2"/>
+              <a:buChar char="ü"/>
+            </a:pPr>
+            <a:r>
+              <a:rPr lang="en-US" sz="2400" dirty="0"/>
+              <a:t>Bundling Project Assets using Webpack</a:t>
+            </a:r>
+          </a:p>
+          <a:p>
+            <a:pPr lvl="0">
+              <a:buFont typeface="Wingdings" panose="05000000000000000000" pitchFamily="2" charset="2"/>
+              <a:buChar char="Ø"/>
+            </a:pPr>
+            <a:r>
+              <a:rPr lang="en-US" sz="2400" dirty="0"/>
+              <a:t>Developing with React.js, TypeScript and Webpack</a:t>
+            </a:r>
+          </a:p>
+          <a:p>
+            <a:pPr lvl="0"/>
+            <a:r>
+              <a:rPr lang="en-US" sz="2400" dirty="0"/>
+              <a:t>Developing with SharePoint Framework</a:t>
+            </a:r>
+          </a:p>
+          <a:p>
+            <a:pPr lvl="0"/>
+            <a:r>
+              <a:rPr lang="en-US" sz="2400" dirty="0"/>
+              <a:t>Developing Custom Visuals for Power BI</a:t>
+            </a:r>
+          </a:p>
+        </p:txBody>
+      </p:sp>
+    </p:spTree>
+    <p:extLst>
+      <p:ext uri="{BB962C8B-B14F-4D97-AF65-F5344CB8AC3E}">
+        <p14:creationId xmlns:p14="http://schemas.microsoft.com/office/powerpoint/2010/main" val="2493451010"/>
+      </p:ext>
+    </p:extLst>
+  </p:cSld>
+  <p:clrMapOvr>
+    <a:masterClrMapping/>
+  </p:clrMapOvr>
+</p:sld>
+</file>
+
+<file path=ppt/slides/slide31.xml><?xml version="1.0" encoding="utf-8"?>
+<p:sld xmlns:a="http://schemas.openxmlformats.org/drawingml/2006/main" xmlns:r="http://schemas.openxmlformats.org/officeDocument/2006/relationships" xmlns:p="http://schemas.openxmlformats.org/presentationml/2006/main">
+  <p:cSld>
+    <p:spTree>
+      <p:nvGrpSpPr>
+        <p:cNvPr id="1" name=""/>
+        <p:cNvGrpSpPr/>
+        <p:nvPr/>
+      </p:nvGrpSpPr>
+      <p:grpSpPr>
+        <a:xfrm>
+          <a:off x="0" y="0"/>
+          <a:ext cx="0" cy="0"/>
+          <a:chOff x="0" y="0"/>
+          <a:chExt cx="0" cy="0"/>
+        </a:xfrm>
+      </p:grpSpPr>
+      <p:sp>
+        <p:nvSpPr>
+          <p:cNvPr id="2" name="Title 1"/>
+          <p:cNvSpPr>
+            <a:spLocks noGrp="1"/>
+          </p:cNvSpPr>
+          <p:nvPr>
+            <p:ph type="title"/>
+          </p:nvPr>
+        </p:nvSpPr>
+        <p:spPr/>
+        <p:txBody>
+          <a:bodyPr/>
+          <a:lstStyle/>
+          <a:p>
+            <a:r>
+              <a:rPr lang="en-US"/>
               <a:t>Introducing React</a:t>
             </a:r>
             <a:endParaRPr lang="en-US" dirty="0"/>
@@ -6983,7 +6966,7 @@
 </p:sld>
 </file>
 
-<file path=ppt/slides/slide31.xml><?xml version="1.0" encoding="utf-8"?>
+<file path=ppt/slides/slide32.xml><?xml version="1.0" encoding="utf-8"?>
 <p:sld xmlns:a="http://schemas.openxmlformats.org/drawingml/2006/main" xmlns:r="http://schemas.openxmlformats.org/officeDocument/2006/relationships" xmlns:p="http://schemas.openxmlformats.org/presentationml/2006/main">
   <p:cSld>
     <p:spTree>
@@ -7164,7 +7147,7 @@
 </p:sld>
 </file>
 
-<file path=ppt/slides/slide32.xml><?xml version="1.0" encoding="utf-8"?>
+<file path=ppt/slides/slide33.xml><?xml version="1.0" encoding="utf-8"?>
 <p:sld xmlns:a="http://schemas.openxmlformats.org/drawingml/2006/main" xmlns:r="http://schemas.openxmlformats.org/officeDocument/2006/relationships" xmlns:p="http://schemas.openxmlformats.org/presentationml/2006/main">
   <p:cSld>
     <p:spTree>
@@ -7350,7 +7333,7 @@
 </p:sld>
 </file>
 
-<file path=ppt/slides/slide33.xml><?xml version="1.0" encoding="utf-8"?>
+<file path=ppt/slides/slide34.xml><?xml version="1.0" encoding="utf-8"?>
 <p:sld xmlns:a="http://schemas.openxmlformats.org/drawingml/2006/main" xmlns:r="http://schemas.openxmlformats.org/officeDocument/2006/relationships" xmlns:p="http://schemas.openxmlformats.org/presentationml/2006/main">
   <p:cSld>
     <p:spTree>
@@ -7467,7 +7450,7 @@
 </p:sld>
 </file>
 
-<file path=ppt/slides/slide34.xml><?xml version="1.0" encoding="utf-8"?>
+<file path=ppt/slides/slide35.xml><?xml version="1.0" encoding="utf-8"?>
 <p:sld xmlns:a="http://schemas.openxmlformats.org/drawingml/2006/main" xmlns:r="http://schemas.openxmlformats.org/officeDocument/2006/relationships" xmlns:p="http://schemas.openxmlformats.org/presentationml/2006/main">
   <p:cSld>
     <p:spTree>
@@ -7803,7 +7786,7 @@
 </p:sld>
 </file>
 
-<file path=ppt/slides/slide35.xml><?xml version="1.0" encoding="utf-8"?>
+<file path=ppt/slides/slide36.xml><?xml version="1.0" encoding="utf-8"?>
 <p:sld xmlns:a="http://schemas.openxmlformats.org/drawingml/2006/main" xmlns:r="http://schemas.openxmlformats.org/officeDocument/2006/relationships" xmlns:p="http://schemas.openxmlformats.org/presentationml/2006/main">
   <p:cSld>
     <p:spTree>
@@ -7930,7 +7913,7 @@
 </p:sld>
 </file>
 
-<file path=ppt/slides/slide36.xml><?xml version="1.0" encoding="utf-8"?>
+<file path=ppt/slides/slide37.xml><?xml version="1.0" encoding="utf-8"?>
 <p:sld xmlns:a="http://schemas.openxmlformats.org/drawingml/2006/main" xmlns:r="http://schemas.openxmlformats.org/officeDocument/2006/relationships" xmlns:p="http://schemas.openxmlformats.org/presentationml/2006/main">
   <p:cSld>
     <p:spTree>
@@ -8010,7 +7993,100 @@
 </p:sld>
 </file>
 
-<file path=ppt/slides/slide37.xml><?xml version="1.0" encoding="utf-8"?>
+<file path=ppt/slides/slide38.xml><?xml version="1.0" encoding="utf-8"?>
+<p:sld xmlns:a="http://schemas.openxmlformats.org/drawingml/2006/main" xmlns:r="http://schemas.openxmlformats.org/officeDocument/2006/relationships" xmlns:p="http://schemas.openxmlformats.org/presentationml/2006/main">
+  <p:cSld>
+    <p:spTree>
+      <p:nvGrpSpPr>
+        <p:cNvPr id="1" name=""/>
+        <p:cNvGrpSpPr/>
+        <p:nvPr/>
+      </p:nvGrpSpPr>
+      <p:grpSpPr>
+        <a:xfrm>
+          <a:off x="0" y="0"/>
+          <a:ext cx="0" cy="0"/>
+          <a:chOff x="0" y="0"/>
+          <a:chExt cx="0" cy="0"/>
+        </a:xfrm>
+      </p:grpSpPr>
+      <p:sp>
+        <p:nvSpPr>
+          <p:cNvPr id="2" name="Title 1">
+            <a:extLst>
+              <a:ext uri="{FF2B5EF4-FFF2-40B4-BE49-F238E27FC236}">
+                <a16:creationId xmlns:a16="http://schemas.microsoft.com/office/drawing/2014/main" id="{D1E611DD-45F9-4034-8D8F-40784AE4D57B}"/>
+              </a:ext>
+            </a:extLst>
+          </p:cNvPr>
+          <p:cNvSpPr>
+            <a:spLocks noGrp="1"/>
+          </p:cNvSpPr>
+          <p:nvPr>
+            <p:ph type="title"/>
+          </p:nvPr>
+        </p:nvSpPr>
+        <p:spPr/>
+        <p:txBody>
+          <a:bodyPr/>
+          <a:lstStyle/>
+          <a:p>
+            <a:r>
+              <a:rPr lang="en-US" dirty="0"/>
+              <a:t>Chrome Developers Tools for React</a:t>
+            </a:r>
+          </a:p>
+        </p:txBody>
+      </p:sp>
+      <p:pic>
+        <p:nvPicPr>
+          <p:cNvPr id="3" name="Picture 2">
+            <a:extLst>
+              <a:ext uri="{FF2B5EF4-FFF2-40B4-BE49-F238E27FC236}">
+                <a16:creationId xmlns:a16="http://schemas.microsoft.com/office/drawing/2014/main" id="{59E68890-83E4-4AB3-9199-76FF7B6F4CCF}"/>
+              </a:ext>
+            </a:extLst>
+          </p:cNvPr>
+          <p:cNvPicPr>
+            <a:picLocks noChangeAspect="1"/>
+          </p:cNvPicPr>
+          <p:nvPr/>
+        </p:nvPicPr>
+        <p:blipFill>
+          <a:blip r:embed="rId2"/>
+          <a:stretch>
+            <a:fillRect/>
+          </a:stretch>
+        </p:blipFill>
+        <p:spPr>
+          <a:xfrm>
+            <a:off x="276880" y="1295400"/>
+            <a:ext cx="8590240" cy="3962400"/>
+          </a:xfrm>
+          <a:prstGeom prst="rect">
+            <a:avLst/>
+          </a:prstGeom>
+          <a:ln>
+            <a:solidFill>
+              <a:schemeClr val="tx1"/>
+            </a:solidFill>
+          </a:ln>
+        </p:spPr>
+      </p:pic>
+    </p:spTree>
+    <p:extLst>
+      <p:ext uri="{BB962C8B-B14F-4D97-AF65-F5344CB8AC3E}">
+        <p14:creationId xmlns:p14="http://schemas.microsoft.com/office/powerpoint/2010/main" val="162281185"/>
+      </p:ext>
+    </p:extLst>
+  </p:cSld>
+  <p:clrMapOvr>
+    <a:masterClrMapping/>
+  </p:clrMapOvr>
+</p:sld>
+</file>
+
+<file path=ppt/slides/slide39.xml><?xml version="1.0" encoding="utf-8"?>
 <p:sld xmlns:a="http://schemas.openxmlformats.org/drawingml/2006/main" xmlns:r="http://schemas.openxmlformats.org/officeDocument/2006/relationships" xmlns:p="http://schemas.openxmlformats.org/presentationml/2006/main">
   <p:cSld>
     <p:spTree>
@@ -8182,7 +8258,562 @@
 </p:sld>
 </file>
 
-<file path=ppt/slides/slide38.xml><?xml version="1.0" encoding="utf-8"?>
+<file path=ppt/slides/slide4.xml><?xml version="1.0" encoding="utf-8"?>
+<p:sld xmlns:a="http://schemas.openxmlformats.org/drawingml/2006/main" xmlns:r="http://schemas.openxmlformats.org/officeDocument/2006/relationships" xmlns:p="http://schemas.openxmlformats.org/presentationml/2006/main">
+  <p:cSld>
+    <p:spTree>
+      <p:nvGrpSpPr>
+        <p:cNvPr id="1" name=""/>
+        <p:cNvGrpSpPr/>
+        <p:nvPr/>
+      </p:nvGrpSpPr>
+      <p:grpSpPr>
+        <a:xfrm>
+          <a:off x="0" y="0"/>
+          <a:ext cx="0" cy="0"/>
+          <a:chOff x="0" y="0"/>
+          <a:chExt cx="0" cy="0"/>
+        </a:xfrm>
+      </p:grpSpPr>
+      <p:sp>
+        <p:nvSpPr>
+          <p:cNvPr id="2" name="Title 1">
+            <a:extLst>
+              <a:ext uri="{FF2B5EF4-FFF2-40B4-BE49-F238E27FC236}">
+                <a16:creationId xmlns:a16="http://schemas.microsoft.com/office/drawing/2014/main" id="{AF8E468F-C789-42CB-A9E4-755E1403EEDA}"/>
+              </a:ext>
+            </a:extLst>
+          </p:cNvPr>
+          <p:cNvSpPr>
+            <a:spLocks noGrp="1"/>
+          </p:cNvSpPr>
+          <p:nvPr>
+            <p:ph type="title"/>
+          </p:nvPr>
+        </p:nvSpPr>
+        <p:spPr>
+          <a:xfrm>
+            <a:off x="990600" y="76200"/>
+            <a:ext cx="7772400" cy="838200"/>
+          </a:xfrm>
+        </p:spPr>
+        <p:txBody>
+          <a:bodyPr/>
+          <a:lstStyle/>
+          <a:p>
+            <a:r>
+              <a:rPr lang="en-US" dirty="0"/>
+              <a:t>What is Node.js</a:t>
+            </a:r>
+          </a:p>
+        </p:txBody>
+      </p:sp>
+      <p:sp>
+        <p:nvSpPr>
+          <p:cNvPr id="3" name="Content Placeholder 2">
+            <a:extLst>
+              <a:ext uri="{FF2B5EF4-FFF2-40B4-BE49-F238E27FC236}">
+                <a16:creationId xmlns:a16="http://schemas.microsoft.com/office/drawing/2014/main" id="{086952A9-3F17-451E-B2EC-5FF570D9F9D4}"/>
+              </a:ext>
+            </a:extLst>
+          </p:cNvPr>
+          <p:cNvSpPr>
+            <a:spLocks noGrp="1"/>
+          </p:cNvSpPr>
+          <p:nvPr>
+            <p:ph idx="1"/>
+          </p:nvPr>
+        </p:nvSpPr>
+        <p:spPr/>
+        <p:txBody>
+          <a:bodyPr>
+            <a:noAutofit/>
+          </a:bodyPr>
+          <a:lstStyle/>
+          <a:p>
+            <a:r>
+              <a:rPr lang="en-US" sz="2000" dirty="0"/>
+              <a:t>Node.js was created to develop server-side applications in JavaScript</a:t>
+            </a:r>
+          </a:p>
+          <a:p>
+            <a:pPr lvl="1"/>
+            <a:r>
+              <a:rPr lang="en-US" sz="1600" dirty="0"/>
+              <a:t>Node.js was initially created by Ryan Dahl in 2009</a:t>
+            </a:r>
+          </a:p>
+          <a:p>
+            <a:pPr lvl="1"/>
+            <a:r>
+              <a:rPr lang="en-US" sz="1600" dirty="0"/>
+              <a:t>Built using Google's V8 JavaScript engine</a:t>
+            </a:r>
+          </a:p>
+          <a:p>
+            <a:pPr lvl="1"/>
+            <a:r>
+              <a:rPr lang="en-US" sz="1600" dirty="0"/>
+              <a:t>Created to solve Apache HTTP Server's inability to deal with concurrency</a:t>
+            </a:r>
+          </a:p>
+          <a:p>
+            <a:pPr lvl="1"/>
+            <a:r>
+              <a:rPr lang="en-US" sz="1600" dirty="0"/>
+              <a:t>Node.js offers single-threaded, non-blocking, asynchronously programming</a:t>
+            </a:r>
+          </a:p>
+          <a:p>
+            <a:pPr>
+              <a:lnSpc>
+                <a:spcPct val="200000"/>
+              </a:lnSpc>
+            </a:pPr>
+            <a:r>
+              <a:rPr lang="en-US" sz="2000" dirty="0"/>
+              <a:t>JavaScript run-time environment based on Google V8 engine</a:t>
+            </a:r>
+          </a:p>
+          <a:p>
+            <a:pPr lvl="1"/>
+            <a:r>
+              <a:rPr lang="en-US" sz="1600" dirty="0"/>
+              <a:t>JavaScript execution environment for web servers and development machines</a:t>
+            </a:r>
+          </a:p>
+          <a:p>
+            <a:pPr lvl="1"/>
+            <a:r>
+              <a:rPr lang="en-US" sz="1600" dirty="0"/>
+              <a:t>It's free, cross-platform and open-source</a:t>
+            </a:r>
+          </a:p>
+          <a:p>
+            <a:pPr lvl="1"/>
+            <a:r>
+              <a:rPr lang="en-US" sz="1600" dirty="0"/>
+              <a:t>Includes Node Package Manager (</a:t>
+            </a:r>
+            <a:r>
+              <a:rPr lang="en-US" sz="1600" dirty="0" err="1"/>
+              <a:t>npm</a:t>
+            </a:r>
+            <a:r>
+              <a:rPr lang="en-US" sz="1600" dirty="0"/>
+              <a:t>) and lots of available packages</a:t>
+            </a:r>
+          </a:p>
+          <a:p>
+            <a:pPr>
+              <a:lnSpc>
+                <a:spcPct val="200000"/>
+              </a:lnSpc>
+            </a:pPr>
+            <a:r>
+              <a:rPr lang="en-US" sz="2000" dirty="0"/>
+              <a:t>What are the primary motivations for using Node.js</a:t>
+            </a:r>
+          </a:p>
+          <a:p>
+            <a:pPr lvl="1"/>
+            <a:r>
+              <a:rPr lang="en-US" sz="1600" dirty="0"/>
+              <a:t>Server-side development with web applications and web services</a:t>
+            </a:r>
+          </a:p>
+          <a:p>
+            <a:pPr lvl="1"/>
+            <a:r>
+              <a:rPr lang="en-US" sz="1600" dirty="0"/>
+              <a:t>Development environment with package management</a:t>
+            </a:r>
+          </a:p>
+          <a:p>
+            <a:pPr lvl="1"/>
+            <a:r>
+              <a:rPr lang="en-US" sz="1600" dirty="0"/>
+              <a:t>Development with SharePoint Framework (SPX) of Power BI custom visuals</a:t>
+            </a:r>
+          </a:p>
+          <a:p>
+            <a:endParaRPr lang="en-US" sz="2000" dirty="0"/>
+          </a:p>
+        </p:txBody>
+      </p:sp>
+      <p:pic>
+        <p:nvPicPr>
+          <p:cNvPr id="4" name="Picture 2" descr="https://upload.wikimedia.org/wikipedia/commons/thumb/b/b2/Ryan_Dahl.jpg/220px-Ryan_Dahl.jpg">
+            <a:extLst>
+              <a:ext uri="{FF2B5EF4-FFF2-40B4-BE49-F238E27FC236}">
+                <a16:creationId xmlns:a16="http://schemas.microsoft.com/office/drawing/2014/main" id="{1C4BCBF6-09E8-4B73-86C7-87935C7844DD}"/>
+              </a:ext>
+            </a:extLst>
+          </p:cNvPr>
+          <p:cNvPicPr>
+            <a:picLocks noChangeAspect="1" noChangeArrowheads="1"/>
+          </p:cNvPicPr>
+          <p:nvPr/>
+        </p:nvPicPr>
+        <p:blipFill rotWithShape="1">
+          <a:blip r:embed="rId2" cstate="print">
+            <a:extLst>
+              <a:ext uri="{28A0092B-C50C-407E-A947-70E740481C1C}">
+                <a14:useLocalDpi xmlns:a14="http://schemas.microsoft.com/office/drawing/2010/main" val="0"/>
+              </a:ext>
+            </a:extLst>
+          </a:blip>
+          <a:srcRect b="26667"/>
+          <a:stretch/>
+        </p:blipFill>
+        <p:spPr bwMode="auto">
+          <a:xfrm>
+            <a:off x="76200" y="76200"/>
+            <a:ext cx="762000" cy="838200"/>
+          </a:xfrm>
+          <a:prstGeom prst="rect">
+            <a:avLst/>
+          </a:prstGeom>
+          <a:noFill/>
+          <a:extLst>
+            <a:ext uri="{909E8E84-426E-40DD-AFC4-6F175D3DCCD1}">
+              <a14:hiddenFill xmlns:a14="http://schemas.microsoft.com/office/drawing/2010/main">
+                <a:solidFill>
+                  <a:srgbClr val="FFFFFF"/>
+                </a:solidFill>
+              </a14:hiddenFill>
+            </a:ext>
+          </a:extLst>
+        </p:spPr>
+      </p:pic>
+    </p:spTree>
+    <p:extLst>
+      <p:ext uri="{BB962C8B-B14F-4D97-AF65-F5344CB8AC3E}">
+        <p14:creationId xmlns:p14="http://schemas.microsoft.com/office/powerpoint/2010/main" val="2804110131"/>
+      </p:ext>
+    </p:extLst>
+  </p:cSld>
+  <p:clrMapOvr>
+    <a:masterClrMapping/>
+  </p:clrMapOvr>
+  <p:timing>
+    <p:tnLst>
+      <p:par>
+        <p:cTn id="1" dur="indefinite" restart="never" nodeType="tmRoot">
+          <p:childTnLst>
+            <p:seq concurrent="1" nextAc="seek">
+              <p:cTn id="2" dur="indefinite" nodeType="mainSeq">
+                <p:childTnLst>
+                  <p:par>
+                    <p:cTn id="3" fill="hold">
+                      <p:stCondLst>
+                        <p:cond delay="indefinite"/>
+                      </p:stCondLst>
+                      <p:childTnLst>
+                        <p:par>
+                          <p:cTn id="4" fill="hold">
+                            <p:stCondLst>
+                              <p:cond delay="0"/>
+                            </p:stCondLst>
+                            <p:childTnLst>
+                              <p:par>
+                                <p:cTn id="5" presetID="1" presetClass="entr" presetSubtype="0" fill="hold" nodeType="clickEffect">
+                                  <p:stCondLst>
+                                    <p:cond delay="0"/>
+                                  </p:stCondLst>
+                                  <p:childTnLst>
+                                    <p:set>
+                                      <p:cBhvr>
+                                        <p:cTn id="6" dur="1" fill="hold">
+                                          <p:stCondLst>
+                                            <p:cond delay="0"/>
+                                          </p:stCondLst>
+                                        </p:cTn>
+                                        <p:tgtEl>
+                                          <p:spTgt spid="3">
+                                            <p:txEl>
+                                              <p:pRg st="5" end="5"/>
+                                            </p:txEl>
+                                          </p:spTgt>
+                                        </p:tgtEl>
+                                        <p:attrNameLst>
+                                          <p:attrName>style.visibility</p:attrName>
+                                        </p:attrNameLst>
+                                      </p:cBhvr>
+                                      <p:to>
+                                        <p:strVal val="visible"/>
+                                      </p:to>
+                                    </p:set>
+                                  </p:childTnLst>
+                                </p:cTn>
+                              </p:par>
+                              <p:par>
+                                <p:cTn id="7" presetID="1" presetClass="entr" presetSubtype="0" fill="hold" nodeType="withEffect">
+                                  <p:stCondLst>
+                                    <p:cond delay="0"/>
+                                  </p:stCondLst>
+                                  <p:childTnLst>
+                                    <p:set>
+                                      <p:cBhvr>
+                                        <p:cTn id="8" dur="1" fill="hold">
+                                          <p:stCondLst>
+                                            <p:cond delay="0"/>
+                                          </p:stCondLst>
+                                        </p:cTn>
+                                        <p:tgtEl>
+                                          <p:spTgt spid="3">
+                                            <p:txEl>
+                                              <p:pRg st="6" end="6"/>
+                                            </p:txEl>
+                                          </p:spTgt>
+                                        </p:tgtEl>
+                                        <p:attrNameLst>
+                                          <p:attrName>style.visibility</p:attrName>
+                                        </p:attrNameLst>
+                                      </p:cBhvr>
+                                      <p:to>
+                                        <p:strVal val="visible"/>
+                                      </p:to>
+                                    </p:set>
+                                  </p:childTnLst>
+                                </p:cTn>
+                              </p:par>
+                              <p:par>
+                                <p:cTn id="9" presetID="1" presetClass="entr" presetSubtype="0" fill="hold" nodeType="withEffect">
+                                  <p:stCondLst>
+                                    <p:cond delay="0"/>
+                                  </p:stCondLst>
+                                  <p:childTnLst>
+                                    <p:set>
+                                      <p:cBhvr>
+                                        <p:cTn id="10" dur="1" fill="hold">
+                                          <p:stCondLst>
+                                            <p:cond delay="0"/>
+                                          </p:stCondLst>
+                                        </p:cTn>
+                                        <p:tgtEl>
+                                          <p:spTgt spid="3">
+                                            <p:txEl>
+                                              <p:pRg st="7" end="7"/>
+                                            </p:txEl>
+                                          </p:spTgt>
+                                        </p:tgtEl>
+                                        <p:attrNameLst>
+                                          <p:attrName>style.visibility</p:attrName>
+                                        </p:attrNameLst>
+                                      </p:cBhvr>
+                                      <p:to>
+                                        <p:strVal val="visible"/>
+                                      </p:to>
+                                    </p:set>
+                                  </p:childTnLst>
+                                </p:cTn>
+                              </p:par>
+                              <p:par>
+                                <p:cTn id="11" presetID="1" presetClass="entr" presetSubtype="0" fill="hold" nodeType="withEffect">
+                                  <p:stCondLst>
+                                    <p:cond delay="0"/>
+                                  </p:stCondLst>
+                                  <p:childTnLst>
+                                    <p:set>
+                                      <p:cBhvr>
+                                        <p:cTn id="12" dur="1" fill="hold">
+                                          <p:stCondLst>
+                                            <p:cond delay="0"/>
+                                          </p:stCondLst>
+                                        </p:cTn>
+                                        <p:tgtEl>
+                                          <p:spTgt spid="3">
+                                            <p:txEl>
+                                              <p:pRg st="8" end="8"/>
+                                            </p:txEl>
+                                          </p:spTgt>
+                                        </p:tgtEl>
+                                        <p:attrNameLst>
+                                          <p:attrName>style.visibility</p:attrName>
+                                        </p:attrNameLst>
+                                      </p:cBhvr>
+                                      <p:to>
+                                        <p:strVal val="visible"/>
+                                      </p:to>
+                                    </p:set>
+                                  </p:childTnLst>
+                                </p:cTn>
+                              </p:par>
+                            </p:childTnLst>
+                          </p:cTn>
+                        </p:par>
+                      </p:childTnLst>
+                    </p:cTn>
+                  </p:par>
+                  <p:par>
+                    <p:cTn id="13" fill="hold">
+                      <p:stCondLst>
+                        <p:cond delay="indefinite"/>
+                      </p:stCondLst>
+                      <p:childTnLst>
+                        <p:par>
+                          <p:cTn id="14" fill="hold">
+                            <p:stCondLst>
+                              <p:cond delay="0"/>
+                            </p:stCondLst>
+                            <p:childTnLst>
+                              <p:par>
+                                <p:cTn id="15" presetID="1" presetClass="entr" presetSubtype="0" fill="hold" nodeType="clickEffect">
+                                  <p:stCondLst>
+                                    <p:cond delay="0"/>
+                                  </p:stCondLst>
+                                  <p:childTnLst>
+                                    <p:set>
+                                      <p:cBhvr>
+                                        <p:cTn id="16" dur="1" fill="hold">
+                                          <p:stCondLst>
+                                            <p:cond delay="0"/>
+                                          </p:stCondLst>
+                                        </p:cTn>
+                                        <p:tgtEl>
+                                          <p:spTgt spid="3">
+                                            <p:txEl>
+                                              <p:pRg st="9" end="9"/>
+                                            </p:txEl>
+                                          </p:spTgt>
+                                        </p:tgtEl>
+                                        <p:attrNameLst>
+                                          <p:attrName>style.visibility</p:attrName>
+                                        </p:attrNameLst>
+                                      </p:cBhvr>
+                                      <p:to>
+                                        <p:strVal val="visible"/>
+                                      </p:to>
+                                    </p:set>
+                                  </p:childTnLst>
+                                </p:cTn>
+                              </p:par>
+                              <p:par>
+                                <p:cTn id="17" presetID="1" presetClass="entr" presetSubtype="0" fill="hold" nodeType="withEffect">
+                                  <p:stCondLst>
+                                    <p:cond delay="0"/>
+                                  </p:stCondLst>
+                                  <p:childTnLst>
+                                    <p:set>
+                                      <p:cBhvr>
+                                        <p:cTn id="18" dur="1" fill="hold">
+                                          <p:stCondLst>
+                                            <p:cond delay="0"/>
+                                          </p:stCondLst>
+                                        </p:cTn>
+                                        <p:tgtEl>
+                                          <p:spTgt spid="3">
+                                            <p:txEl>
+                                              <p:pRg st="10" end="10"/>
+                                            </p:txEl>
+                                          </p:spTgt>
+                                        </p:tgtEl>
+                                        <p:attrNameLst>
+                                          <p:attrName>style.visibility</p:attrName>
+                                        </p:attrNameLst>
+                                      </p:cBhvr>
+                                      <p:to>
+                                        <p:strVal val="visible"/>
+                                      </p:to>
+                                    </p:set>
+                                  </p:childTnLst>
+                                </p:cTn>
+                              </p:par>
+                              <p:par>
+                                <p:cTn id="19" presetID="1" presetClass="entr" presetSubtype="0" fill="hold" nodeType="withEffect">
+                                  <p:stCondLst>
+                                    <p:cond delay="0"/>
+                                  </p:stCondLst>
+                                  <p:childTnLst>
+                                    <p:set>
+                                      <p:cBhvr>
+                                        <p:cTn id="20" dur="1" fill="hold">
+                                          <p:stCondLst>
+                                            <p:cond delay="0"/>
+                                          </p:stCondLst>
+                                        </p:cTn>
+                                        <p:tgtEl>
+                                          <p:spTgt spid="3">
+                                            <p:txEl>
+                                              <p:pRg st="11" end="11"/>
+                                            </p:txEl>
+                                          </p:spTgt>
+                                        </p:tgtEl>
+                                        <p:attrNameLst>
+                                          <p:attrName>style.visibility</p:attrName>
+                                        </p:attrNameLst>
+                                      </p:cBhvr>
+                                      <p:to>
+                                        <p:strVal val="visible"/>
+                                      </p:to>
+                                    </p:set>
+                                  </p:childTnLst>
+                                </p:cTn>
+                              </p:par>
+                              <p:par>
+                                <p:cTn id="21" presetID="1" presetClass="entr" presetSubtype="0" fill="hold" nodeType="withEffect">
+                                  <p:stCondLst>
+                                    <p:cond delay="0"/>
+                                  </p:stCondLst>
+                                  <p:childTnLst>
+                                    <p:set>
+                                      <p:cBhvr>
+                                        <p:cTn id="22" dur="1" fill="hold">
+                                          <p:stCondLst>
+                                            <p:cond delay="0"/>
+                                          </p:stCondLst>
+                                        </p:cTn>
+                                        <p:tgtEl>
+                                          <p:spTgt spid="3">
+                                            <p:txEl>
+                                              <p:pRg st="12" end="12"/>
+                                            </p:txEl>
+                                          </p:spTgt>
+                                        </p:tgtEl>
+                                        <p:attrNameLst>
+                                          <p:attrName>style.visibility</p:attrName>
+                                        </p:attrNameLst>
+                                      </p:cBhvr>
+                                      <p:to>
+                                        <p:strVal val="visible"/>
+                                      </p:to>
+                                    </p:set>
+                                  </p:childTnLst>
+                                </p:cTn>
+                              </p:par>
+                            </p:childTnLst>
+                          </p:cTn>
+                        </p:par>
+                      </p:childTnLst>
+                    </p:cTn>
+                  </p:par>
+                </p:childTnLst>
+              </p:cTn>
+              <p:prevCondLst>
+                <p:cond evt="onPrev" delay="0">
+                  <p:tgtEl>
+                    <p:sldTgt/>
+                  </p:tgtEl>
+                </p:cond>
+              </p:prevCondLst>
+              <p:nextCondLst>
+                <p:cond evt="onNext" delay="0">
+                  <p:tgtEl>
+                    <p:sldTgt/>
+                  </p:tgtEl>
+                </p:cond>
+              </p:nextCondLst>
+            </p:seq>
+          </p:childTnLst>
+        </p:cTn>
+      </p:par>
+    </p:tnLst>
+  </p:timing>
+</p:sld>
+</file>
+
+<file path=ppt/slides/slide40.xml><?xml version="1.0" encoding="utf-8"?>
 <p:sld xmlns:a="http://schemas.openxmlformats.org/drawingml/2006/main" xmlns:r="http://schemas.openxmlformats.org/officeDocument/2006/relationships" xmlns:p="http://schemas.openxmlformats.org/presentationml/2006/main">
   <p:cSld>
     <p:spTree>
@@ -8351,7 +8982,7 @@
 </p:sld>
 </file>
 
-<file path=ppt/slides/slide39.xml><?xml version="1.0" encoding="utf-8"?>
+<file path=ppt/slides/slide41.xml><?xml version="1.0" encoding="utf-8"?>
 <p:sld xmlns:a="http://schemas.openxmlformats.org/drawingml/2006/main" xmlns:r="http://schemas.openxmlformats.org/officeDocument/2006/relationships" xmlns:p="http://schemas.openxmlformats.org/presentationml/2006/main">
   <p:cSld>
     <p:spTree>
@@ -8447,7 +9078,1467 @@
 </p:sld>
 </file>
 
-<file path=ppt/slides/slide4.xml><?xml version="1.0" encoding="utf-8"?>
+<file path=ppt/slides/slide42.xml><?xml version="1.0" encoding="utf-8"?>
+<p:sld xmlns:a="http://schemas.openxmlformats.org/drawingml/2006/main" xmlns:r="http://schemas.openxmlformats.org/officeDocument/2006/relationships" xmlns:p="http://schemas.openxmlformats.org/presentationml/2006/main">
+  <p:cSld>
+    <p:spTree>
+      <p:nvGrpSpPr>
+        <p:cNvPr id="1" name=""/>
+        <p:cNvGrpSpPr/>
+        <p:nvPr/>
+      </p:nvGrpSpPr>
+      <p:grpSpPr>
+        <a:xfrm>
+          <a:off x="0" y="0"/>
+          <a:ext cx="0" cy="0"/>
+          <a:chOff x="0" y="0"/>
+          <a:chExt cx="0" cy="0"/>
+        </a:xfrm>
+      </p:grpSpPr>
+      <p:sp>
+        <p:nvSpPr>
+          <p:cNvPr id="2" name="Title 1">
+            <a:extLst>
+              <a:ext uri="{FF2B5EF4-FFF2-40B4-BE49-F238E27FC236}">
+                <a16:creationId xmlns:a16="http://schemas.microsoft.com/office/drawing/2014/main" id="{C7C636D4-D2CF-43B5-B824-0241E85EF367}"/>
+              </a:ext>
+            </a:extLst>
+          </p:cNvPr>
+          <p:cNvSpPr>
+            <a:spLocks noGrp="1"/>
+          </p:cNvSpPr>
+          <p:nvPr>
+            <p:ph type="title"/>
+          </p:nvPr>
+        </p:nvSpPr>
+        <p:spPr/>
+        <p:txBody>
+          <a:bodyPr/>
+          <a:lstStyle/>
+          <a:p>
+            <a:r>
+              <a:rPr lang="en-US" dirty="0"/>
+              <a:t>Bootstrapping the App Component</a:t>
+            </a:r>
+          </a:p>
+        </p:txBody>
+      </p:sp>
+      <p:pic>
+        <p:nvPicPr>
+          <p:cNvPr id="4" name="Picture 3">
+            <a:extLst>
+              <a:ext uri="{FF2B5EF4-FFF2-40B4-BE49-F238E27FC236}">
+                <a16:creationId xmlns:a16="http://schemas.microsoft.com/office/drawing/2014/main" id="{8D89571B-0BB3-4607-819A-50EADA449E2B}"/>
+              </a:ext>
+            </a:extLst>
+          </p:cNvPr>
+          <p:cNvPicPr>
+            <a:picLocks noChangeAspect="1"/>
+          </p:cNvPicPr>
+          <p:nvPr/>
+        </p:nvPicPr>
+        <p:blipFill>
+          <a:blip r:embed="rId2"/>
+          <a:stretch>
+            <a:fillRect/>
+          </a:stretch>
+        </p:blipFill>
+        <p:spPr>
+          <a:xfrm>
+            <a:off x="671281" y="1447800"/>
+            <a:ext cx="7801437" cy="4149079"/>
+          </a:xfrm>
+          <a:prstGeom prst="rect">
+            <a:avLst/>
+          </a:prstGeom>
+          <a:ln>
+            <a:solidFill>
+              <a:schemeClr val="tx1">
+                <a:lumMod val="50000"/>
+                <a:lumOff val="50000"/>
+              </a:schemeClr>
+            </a:solidFill>
+          </a:ln>
+        </p:spPr>
+      </p:pic>
+    </p:spTree>
+    <p:extLst>
+      <p:ext uri="{BB962C8B-B14F-4D97-AF65-F5344CB8AC3E}">
+        <p14:creationId xmlns:p14="http://schemas.microsoft.com/office/powerpoint/2010/main" val="2700606361"/>
+      </p:ext>
+    </p:extLst>
+  </p:cSld>
+  <p:clrMapOvr>
+    <a:masterClrMapping/>
+  </p:clrMapOvr>
+</p:sld>
+</file>
+
+<file path=ppt/slides/slide43.xml><?xml version="1.0" encoding="utf-8"?>
+<p:sld xmlns:a="http://schemas.openxmlformats.org/drawingml/2006/main" xmlns:r="http://schemas.openxmlformats.org/officeDocument/2006/relationships" xmlns:p="http://schemas.openxmlformats.org/presentationml/2006/main">
+  <p:cSld>
+    <p:spTree>
+      <p:nvGrpSpPr>
+        <p:cNvPr id="1" name=""/>
+        <p:cNvGrpSpPr/>
+        <p:nvPr/>
+      </p:nvGrpSpPr>
+      <p:grpSpPr>
+        <a:xfrm>
+          <a:off x="0" y="0"/>
+          <a:ext cx="0" cy="0"/>
+          <a:chOff x="0" y="0"/>
+          <a:chExt cx="0" cy="0"/>
+        </a:xfrm>
+      </p:grpSpPr>
+      <p:sp>
+        <p:nvSpPr>
+          <p:cNvPr id="2" name="Title 1">
+            <a:extLst>
+              <a:ext uri="{FF2B5EF4-FFF2-40B4-BE49-F238E27FC236}">
+                <a16:creationId xmlns:a16="http://schemas.microsoft.com/office/drawing/2014/main" id="{3ABE6438-B581-4EFA-8399-FE8B230F5E2D}"/>
+              </a:ext>
+            </a:extLst>
+          </p:cNvPr>
+          <p:cNvSpPr>
+            <a:spLocks noGrp="1"/>
+          </p:cNvSpPr>
+          <p:nvPr>
+            <p:ph type="title"/>
+          </p:nvPr>
+        </p:nvSpPr>
+        <p:spPr/>
+        <p:txBody>
+          <a:bodyPr/>
+          <a:lstStyle/>
+          <a:p>
+            <a:r>
+              <a:rPr lang="en-US" dirty="0"/>
+              <a:t>React Component Hierarchies</a:t>
+            </a:r>
+          </a:p>
+        </p:txBody>
+      </p:sp>
+      <p:pic>
+        <p:nvPicPr>
+          <p:cNvPr id="3" name="Picture 2">
+            <a:extLst>
+              <a:ext uri="{FF2B5EF4-FFF2-40B4-BE49-F238E27FC236}">
+                <a16:creationId xmlns:a16="http://schemas.microsoft.com/office/drawing/2014/main" id="{533A7C2D-7E07-4E01-A905-90FED20A819D}"/>
+              </a:ext>
+            </a:extLst>
+          </p:cNvPr>
+          <p:cNvPicPr>
+            <a:picLocks noChangeAspect="1"/>
+          </p:cNvPicPr>
+          <p:nvPr/>
+        </p:nvPicPr>
+        <p:blipFill>
+          <a:blip r:embed="rId2"/>
+          <a:stretch>
+            <a:fillRect/>
+          </a:stretch>
+        </p:blipFill>
+        <p:spPr>
+          <a:xfrm>
+            <a:off x="152400" y="1173084"/>
+            <a:ext cx="7474610" cy="4084716"/>
+          </a:xfrm>
+          <a:prstGeom prst="rect">
+            <a:avLst/>
+          </a:prstGeom>
+          <a:ln>
+            <a:solidFill>
+              <a:schemeClr val="tx1">
+                <a:lumMod val="50000"/>
+                <a:lumOff val="50000"/>
+              </a:schemeClr>
+            </a:solidFill>
+          </a:ln>
+        </p:spPr>
+      </p:pic>
+      <p:sp>
+        <p:nvSpPr>
+          <p:cNvPr id="4" name="Rectangle 3">
+            <a:extLst>
+              <a:ext uri="{FF2B5EF4-FFF2-40B4-BE49-F238E27FC236}">
+                <a16:creationId xmlns:a16="http://schemas.microsoft.com/office/drawing/2014/main" id="{A7A88F4F-A313-4559-9871-08C28C8D9288}"/>
+              </a:ext>
+            </a:extLst>
+          </p:cNvPr>
+          <p:cNvSpPr/>
+          <p:nvPr/>
+        </p:nvSpPr>
+        <p:spPr>
+          <a:xfrm>
+            <a:off x="4876800" y="4267200"/>
+            <a:ext cx="4114800" cy="2438400"/>
+          </a:xfrm>
+          <a:prstGeom prst="rect">
+            <a:avLst/>
+          </a:prstGeom>
+          <a:ln>
+            <a:solidFill>
+              <a:schemeClr val="tx1"/>
+            </a:solidFill>
+          </a:ln>
+        </p:spPr>
+        <p:style>
+          <a:lnRef idx="2">
+            <a:schemeClr val="accent1">
+              <a:shade val="50000"/>
+            </a:schemeClr>
+          </a:lnRef>
+          <a:fillRef idx="1">
+            <a:schemeClr val="accent1"/>
+          </a:fillRef>
+          <a:effectRef idx="0">
+            <a:schemeClr val="accent1"/>
+          </a:effectRef>
+          <a:fontRef idx="minor">
+            <a:schemeClr val="lt1"/>
+          </a:fontRef>
+        </p:style>
+        <p:txBody>
+          <a:bodyPr rtlCol="0" anchor="t"/>
+          <a:lstStyle/>
+          <a:p>
+            <a:r>
+              <a:rPr lang="en-US" sz="2000" dirty="0"/>
+              <a:t>App</a:t>
+            </a:r>
+          </a:p>
+        </p:txBody>
+      </p:sp>
+      <p:sp>
+        <p:nvSpPr>
+          <p:cNvPr id="5" name="Rectangle 4">
+            <a:extLst>
+              <a:ext uri="{FF2B5EF4-FFF2-40B4-BE49-F238E27FC236}">
+                <a16:creationId xmlns:a16="http://schemas.microsoft.com/office/drawing/2014/main" id="{1F714D18-AE93-47E0-9393-F5206FAF5C58}"/>
+              </a:ext>
+            </a:extLst>
+          </p:cNvPr>
+          <p:cNvSpPr/>
+          <p:nvPr/>
+        </p:nvSpPr>
+        <p:spPr>
+          <a:xfrm>
+            <a:off x="5042244" y="4687766"/>
+            <a:ext cx="3772446" cy="722434"/>
+          </a:xfrm>
+          <a:prstGeom prst="rect">
+            <a:avLst/>
+          </a:prstGeom>
+          <a:solidFill>
+            <a:schemeClr val="accent3">
+              <a:lumMod val="50000"/>
+            </a:schemeClr>
+          </a:solidFill>
+          <a:ln>
+            <a:solidFill>
+              <a:schemeClr val="tx1"/>
+            </a:solidFill>
+          </a:ln>
+        </p:spPr>
+        <p:style>
+          <a:lnRef idx="2">
+            <a:schemeClr val="accent1">
+              <a:shade val="50000"/>
+            </a:schemeClr>
+          </a:lnRef>
+          <a:fillRef idx="1">
+            <a:schemeClr val="accent1"/>
+          </a:fillRef>
+          <a:effectRef idx="0">
+            <a:schemeClr val="accent1"/>
+          </a:effectRef>
+          <a:fontRef idx="minor">
+            <a:schemeClr val="lt1"/>
+          </a:fontRef>
+        </p:style>
+        <p:txBody>
+          <a:bodyPr rtlCol="0" anchor="ctr"/>
+          <a:lstStyle/>
+          <a:p>
+            <a:r>
+              <a:rPr lang="en-US" sz="2000" dirty="0"/>
+              <a:t>Banner</a:t>
+            </a:r>
+          </a:p>
+        </p:txBody>
+      </p:sp>
+      <p:sp>
+        <p:nvSpPr>
+          <p:cNvPr id="6" name="Rectangle 5">
+            <a:extLst>
+              <a:ext uri="{FF2B5EF4-FFF2-40B4-BE49-F238E27FC236}">
+                <a16:creationId xmlns:a16="http://schemas.microsoft.com/office/drawing/2014/main" id="{C6CB6002-C761-496E-B8D3-54A387DDEB3B}"/>
+              </a:ext>
+            </a:extLst>
+          </p:cNvPr>
+          <p:cNvSpPr/>
+          <p:nvPr/>
+        </p:nvSpPr>
+        <p:spPr>
+          <a:xfrm>
+            <a:off x="6249492" y="4801201"/>
+            <a:ext cx="2388288" cy="526194"/>
+          </a:xfrm>
+          <a:prstGeom prst="rect">
+            <a:avLst/>
+          </a:prstGeom>
+          <a:solidFill>
+            <a:schemeClr val="accent5">
+              <a:lumMod val="50000"/>
+            </a:schemeClr>
+          </a:solidFill>
+          <a:ln>
+            <a:solidFill>
+              <a:schemeClr val="tx1"/>
+            </a:solidFill>
+          </a:ln>
+        </p:spPr>
+        <p:style>
+          <a:lnRef idx="2">
+            <a:schemeClr val="accent1">
+              <a:shade val="50000"/>
+            </a:schemeClr>
+          </a:lnRef>
+          <a:fillRef idx="1">
+            <a:schemeClr val="accent1"/>
+          </a:fillRef>
+          <a:effectRef idx="0">
+            <a:schemeClr val="accent1"/>
+          </a:effectRef>
+          <a:fontRef idx="minor">
+            <a:schemeClr val="lt1"/>
+          </a:fontRef>
+        </p:style>
+        <p:txBody>
+          <a:bodyPr rtlCol="0" anchor="ctr"/>
+          <a:lstStyle/>
+          <a:p>
+            <a:pPr algn="ctr"/>
+            <a:r>
+              <a:rPr lang="en-US" sz="2000" dirty="0" err="1"/>
+              <a:t>Topnav</a:t>
+            </a:r>
+            <a:endParaRPr lang="en-US" sz="2000" dirty="0"/>
+          </a:p>
+        </p:txBody>
+      </p:sp>
+      <p:sp>
+        <p:nvSpPr>
+          <p:cNvPr id="7" name="Rectangle 6">
+            <a:extLst>
+              <a:ext uri="{FF2B5EF4-FFF2-40B4-BE49-F238E27FC236}">
+                <a16:creationId xmlns:a16="http://schemas.microsoft.com/office/drawing/2014/main" id="{8DD771E2-E398-4327-8DC9-486C22F3F981}"/>
+              </a:ext>
+            </a:extLst>
+          </p:cNvPr>
+          <p:cNvSpPr/>
+          <p:nvPr/>
+        </p:nvSpPr>
+        <p:spPr>
+          <a:xfrm>
+            <a:off x="5070466" y="5479795"/>
+            <a:ext cx="3772446" cy="1133472"/>
+          </a:xfrm>
+          <a:prstGeom prst="rect">
+            <a:avLst/>
+          </a:prstGeom>
+          <a:solidFill>
+            <a:srgbClr val="7030A0"/>
+          </a:solidFill>
+          <a:ln>
+            <a:solidFill>
+              <a:schemeClr val="tx1"/>
+            </a:solidFill>
+          </a:ln>
+        </p:spPr>
+        <p:style>
+          <a:lnRef idx="2">
+            <a:schemeClr val="accent1">
+              <a:shade val="50000"/>
+            </a:schemeClr>
+          </a:lnRef>
+          <a:fillRef idx="1">
+            <a:schemeClr val="accent1"/>
+          </a:fillRef>
+          <a:effectRef idx="0">
+            <a:schemeClr val="accent1"/>
+          </a:effectRef>
+          <a:fontRef idx="minor">
+            <a:schemeClr val="lt1"/>
+          </a:fontRef>
+        </p:style>
+        <p:txBody>
+          <a:bodyPr rtlCol="0" anchor="t"/>
+          <a:lstStyle/>
+          <a:p>
+            <a:r>
+              <a:rPr lang="en-US" sz="2000" dirty="0" err="1"/>
+              <a:t>MainView</a:t>
+            </a:r>
+            <a:endParaRPr lang="en-US" sz="2000" dirty="0"/>
+          </a:p>
+        </p:txBody>
+      </p:sp>
+    </p:spTree>
+    <p:extLst>
+      <p:ext uri="{BB962C8B-B14F-4D97-AF65-F5344CB8AC3E}">
+        <p14:creationId xmlns:p14="http://schemas.microsoft.com/office/powerpoint/2010/main" val="3454056369"/>
+      </p:ext>
+    </p:extLst>
+  </p:cSld>
+  <p:clrMapOvr>
+    <a:masterClrMapping/>
+  </p:clrMapOvr>
+</p:sld>
+</file>
+
+<file path=ppt/slides/slide44.xml><?xml version="1.0" encoding="utf-8"?>
+<p:sld xmlns:a="http://schemas.openxmlformats.org/drawingml/2006/main" xmlns:r="http://schemas.openxmlformats.org/officeDocument/2006/relationships" xmlns:p="http://schemas.openxmlformats.org/presentationml/2006/main">
+  <p:cSld>
+    <p:spTree>
+      <p:nvGrpSpPr>
+        <p:cNvPr id="1" name=""/>
+        <p:cNvGrpSpPr/>
+        <p:nvPr/>
+      </p:nvGrpSpPr>
+      <p:grpSpPr>
+        <a:xfrm>
+          <a:off x="0" y="0"/>
+          <a:ext cx="0" cy="0"/>
+          <a:chOff x="0" y="0"/>
+          <a:chExt cx="0" cy="0"/>
+        </a:xfrm>
+      </p:grpSpPr>
+      <p:sp>
+        <p:nvSpPr>
+          <p:cNvPr id="2" name="Title 1">
+            <a:extLst>
+              <a:ext uri="{FF2B5EF4-FFF2-40B4-BE49-F238E27FC236}">
+                <a16:creationId xmlns:a16="http://schemas.microsoft.com/office/drawing/2014/main" id="{B6C4C97C-570E-41E5-A008-5E76C9C35AA8}"/>
+              </a:ext>
+            </a:extLst>
+          </p:cNvPr>
+          <p:cNvSpPr>
+            <a:spLocks noGrp="1"/>
+          </p:cNvSpPr>
+          <p:nvPr>
+            <p:ph type="title"/>
+          </p:nvPr>
+        </p:nvSpPr>
+        <p:spPr/>
+        <p:txBody>
+          <a:bodyPr/>
+          <a:lstStyle/>
+          <a:p>
+            <a:r>
+              <a:rPr lang="en-US" dirty="0"/>
+              <a:t>React Router</a:t>
+            </a:r>
+          </a:p>
+        </p:txBody>
+      </p:sp>
+      <p:sp>
+        <p:nvSpPr>
+          <p:cNvPr id="3" name="Content Placeholder 2">
+            <a:extLst>
+              <a:ext uri="{FF2B5EF4-FFF2-40B4-BE49-F238E27FC236}">
+                <a16:creationId xmlns:a16="http://schemas.microsoft.com/office/drawing/2014/main" id="{4EE6D33A-691F-4760-BF4D-24BD78D17A3F}"/>
+              </a:ext>
+            </a:extLst>
+          </p:cNvPr>
+          <p:cNvSpPr>
+            <a:spLocks noGrp="1"/>
+          </p:cNvSpPr>
+          <p:nvPr>
+            <p:ph idx="1"/>
+          </p:nvPr>
+        </p:nvSpPr>
+        <p:spPr/>
+        <p:txBody>
+          <a:bodyPr>
+            <a:normAutofit/>
+          </a:bodyPr>
+          <a:lstStyle/>
+          <a:p>
+            <a:r>
+              <a:rPr lang="en-US" sz="2400" dirty="0"/>
+              <a:t>Used to create route map in single page application (SPA)</a:t>
+            </a:r>
+          </a:p>
+          <a:p>
+            <a:pPr lvl="1"/>
+            <a:r>
+              <a:rPr lang="en-US" sz="2000" dirty="0"/>
+              <a:t>Installed as a pair of npm packages</a:t>
+            </a:r>
+          </a:p>
+          <a:p>
+            <a:pPr lvl="2"/>
+            <a:r>
+              <a:rPr lang="en-US" sz="1400" b="1" dirty="0"/>
+              <a:t>npm install react-router @types/react-router --save-dev</a:t>
+            </a:r>
+          </a:p>
+          <a:p>
+            <a:pPr lvl="2"/>
+            <a:r>
+              <a:rPr lang="en-US" sz="1400" b="1" dirty="0"/>
+              <a:t>npm install react-router-</a:t>
+            </a:r>
+            <a:r>
+              <a:rPr lang="en-US" sz="1400" b="1" dirty="0" err="1"/>
+              <a:t>dom</a:t>
+            </a:r>
+            <a:r>
+              <a:rPr lang="en-US" sz="1400" b="1" dirty="0"/>
+              <a:t> @types/react-router-</a:t>
+            </a:r>
+            <a:r>
+              <a:rPr lang="en-US" sz="1400" b="1" dirty="0" err="1"/>
+              <a:t>dom</a:t>
+            </a:r>
+            <a:r>
+              <a:rPr lang="en-US" sz="1400" b="1" dirty="0"/>
+              <a:t> --save-dev</a:t>
+            </a:r>
+          </a:p>
+          <a:p>
+            <a:pPr lvl="1"/>
+            <a:endParaRPr lang="en-US" sz="1800" dirty="0"/>
+          </a:p>
+          <a:p>
+            <a:r>
+              <a:rPr lang="en-US" sz="2200" dirty="0"/>
+              <a:t>Router must be added in as top-level component above App</a:t>
+            </a:r>
+          </a:p>
+          <a:p>
+            <a:pPr lvl="1"/>
+            <a:endParaRPr lang="en-US" sz="1800" dirty="0"/>
+          </a:p>
+        </p:txBody>
+      </p:sp>
+      <p:pic>
+        <p:nvPicPr>
+          <p:cNvPr id="6" name="Picture 5">
+            <a:extLst>
+              <a:ext uri="{FF2B5EF4-FFF2-40B4-BE49-F238E27FC236}">
+                <a16:creationId xmlns:a16="http://schemas.microsoft.com/office/drawing/2014/main" id="{EE866712-F883-4BE9-BEAA-2C8A46FBB14B}"/>
+              </a:ext>
+            </a:extLst>
+          </p:cNvPr>
+          <p:cNvPicPr>
+            <a:picLocks noChangeAspect="1"/>
+          </p:cNvPicPr>
+          <p:nvPr/>
+        </p:nvPicPr>
+        <p:blipFill>
+          <a:blip r:embed="rId2"/>
+          <a:stretch>
+            <a:fillRect/>
+          </a:stretch>
+        </p:blipFill>
+        <p:spPr>
+          <a:xfrm>
+            <a:off x="838200" y="3689088"/>
+            <a:ext cx="4572000" cy="2864112"/>
+          </a:xfrm>
+          <a:prstGeom prst="rect">
+            <a:avLst/>
+          </a:prstGeom>
+        </p:spPr>
+      </p:pic>
+    </p:spTree>
+    <p:extLst>
+      <p:ext uri="{BB962C8B-B14F-4D97-AF65-F5344CB8AC3E}">
+        <p14:creationId xmlns:p14="http://schemas.microsoft.com/office/powerpoint/2010/main" val="951127768"/>
+      </p:ext>
+    </p:extLst>
+  </p:cSld>
+  <p:clrMapOvr>
+    <a:masterClrMapping/>
+  </p:clrMapOvr>
+</p:sld>
+</file>
+
+<file path=ppt/slides/slide45.xml><?xml version="1.0" encoding="utf-8"?>
+<p:sld xmlns:a="http://schemas.openxmlformats.org/drawingml/2006/main" xmlns:r="http://schemas.openxmlformats.org/officeDocument/2006/relationships" xmlns:p="http://schemas.openxmlformats.org/presentationml/2006/main">
+  <p:cSld>
+    <p:spTree>
+      <p:nvGrpSpPr>
+        <p:cNvPr id="1" name=""/>
+        <p:cNvGrpSpPr/>
+        <p:nvPr/>
+      </p:nvGrpSpPr>
+      <p:grpSpPr>
+        <a:xfrm>
+          <a:off x="0" y="0"/>
+          <a:ext cx="0" cy="0"/>
+          <a:chOff x="0" y="0"/>
+          <a:chExt cx="0" cy="0"/>
+        </a:xfrm>
+      </p:grpSpPr>
+      <p:sp>
+        <p:nvSpPr>
+          <p:cNvPr id="2" name="Title 1">
+            <a:extLst>
+              <a:ext uri="{FF2B5EF4-FFF2-40B4-BE49-F238E27FC236}">
+                <a16:creationId xmlns:a16="http://schemas.microsoft.com/office/drawing/2014/main" id="{B6C4C97C-570E-41E5-A008-5E76C9C35AA8}"/>
+              </a:ext>
+            </a:extLst>
+          </p:cNvPr>
+          <p:cNvSpPr>
+            <a:spLocks noGrp="1"/>
+          </p:cNvSpPr>
+          <p:nvPr>
+            <p:ph type="title"/>
+          </p:nvPr>
+        </p:nvSpPr>
+        <p:spPr/>
+        <p:txBody>
+          <a:bodyPr/>
+          <a:lstStyle/>
+          <a:p>
+            <a:r>
+              <a:rPr lang="en-US" dirty="0"/>
+              <a:t>Using React Router</a:t>
+            </a:r>
+          </a:p>
+        </p:txBody>
+      </p:sp>
+      <p:sp>
+        <p:nvSpPr>
+          <p:cNvPr id="3" name="Content Placeholder 2">
+            <a:extLst>
+              <a:ext uri="{FF2B5EF4-FFF2-40B4-BE49-F238E27FC236}">
+                <a16:creationId xmlns:a16="http://schemas.microsoft.com/office/drawing/2014/main" id="{4EE6D33A-691F-4760-BF4D-24BD78D17A3F}"/>
+              </a:ext>
+            </a:extLst>
+          </p:cNvPr>
+          <p:cNvSpPr>
+            <a:spLocks noGrp="1"/>
+          </p:cNvSpPr>
+          <p:nvPr>
+            <p:ph idx="1"/>
+          </p:nvPr>
+        </p:nvSpPr>
+        <p:spPr/>
+        <p:txBody>
+          <a:bodyPr>
+            <a:normAutofit/>
+          </a:bodyPr>
+          <a:lstStyle/>
+          <a:p>
+            <a:r>
+              <a:rPr lang="en-US" sz="2000" dirty="0"/>
+              <a:t>Import Route and Switch components</a:t>
+            </a:r>
+          </a:p>
+          <a:p>
+            <a:endParaRPr lang="en-US" sz="2000" dirty="0"/>
+          </a:p>
+          <a:p>
+            <a:endParaRPr lang="en-US" sz="2000" dirty="0"/>
+          </a:p>
+          <a:p>
+            <a:r>
+              <a:rPr lang="en-US" sz="2000" dirty="0"/>
+              <a:t>Create route map in HTML output</a:t>
+            </a:r>
+          </a:p>
+        </p:txBody>
+      </p:sp>
+      <p:pic>
+        <p:nvPicPr>
+          <p:cNvPr id="4" name="Picture 3">
+            <a:extLst>
+              <a:ext uri="{FF2B5EF4-FFF2-40B4-BE49-F238E27FC236}">
+                <a16:creationId xmlns:a16="http://schemas.microsoft.com/office/drawing/2014/main" id="{80352616-BC0D-439F-BA18-85B937E9E4AC}"/>
+              </a:ext>
+            </a:extLst>
+          </p:cNvPr>
+          <p:cNvPicPr>
+            <a:picLocks noChangeAspect="1"/>
+          </p:cNvPicPr>
+          <p:nvPr/>
+        </p:nvPicPr>
+        <p:blipFill>
+          <a:blip r:embed="rId2"/>
+          <a:stretch>
+            <a:fillRect/>
+          </a:stretch>
+        </p:blipFill>
+        <p:spPr>
+          <a:xfrm>
+            <a:off x="838200" y="1981200"/>
+            <a:ext cx="5200650" cy="571500"/>
+          </a:xfrm>
+          <a:prstGeom prst="rect">
+            <a:avLst/>
+          </a:prstGeom>
+        </p:spPr>
+      </p:pic>
+      <p:pic>
+        <p:nvPicPr>
+          <p:cNvPr id="5" name="Picture 4">
+            <a:extLst>
+              <a:ext uri="{FF2B5EF4-FFF2-40B4-BE49-F238E27FC236}">
+                <a16:creationId xmlns:a16="http://schemas.microsoft.com/office/drawing/2014/main" id="{8B4989E0-E1CB-4A96-B022-424D23466B56}"/>
+              </a:ext>
+            </a:extLst>
+          </p:cNvPr>
+          <p:cNvPicPr>
+            <a:picLocks noChangeAspect="1"/>
+          </p:cNvPicPr>
+          <p:nvPr/>
+        </p:nvPicPr>
+        <p:blipFill>
+          <a:blip r:embed="rId3"/>
+          <a:stretch>
+            <a:fillRect/>
+          </a:stretch>
+        </p:blipFill>
+        <p:spPr>
+          <a:xfrm>
+            <a:off x="838201" y="3200401"/>
+            <a:ext cx="6324600" cy="3486070"/>
+          </a:xfrm>
+          <a:prstGeom prst="rect">
+            <a:avLst/>
+          </a:prstGeom>
+        </p:spPr>
+      </p:pic>
+    </p:spTree>
+    <p:extLst>
+      <p:ext uri="{BB962C8B-B14F-4D97-AF65-F5344CB8AC3E}">
+        <p14:creationId xmlns:p14="http://schemas.microsoft.com/office/powerpoint/2010/main" val="1712723497"/>
+      </p:ext>
+    </p:extLst>
+  </p:cSld>
+  <p:clrMapOvr>
+    <a:masterClrMapping/>
+  </p:clrMapOvr>
+</p:sld>
+</file>
+
+<file path=ppt/slides/slide46.xml><?xml version="1.0" encoding="utf-8"?>
+<p:sld xmlns:a="http://schemas.openxmlformats.org/drawingml/2006/main" xmlns:r="http://schemas.openxmlformats.org/officeDocument/2006/relationships" xmlns:p="http://schemas.openxmlformats.org/presentationml/2006/main">
+  <p:cSld>
+    <p:spTree>
+      <p:nvGrpSpPr>
+        <p:cNvPr id="1" name=""/>
+        <p:cNvGrpSpPr/>
+        <p:nvPr/>
+      </p:nvGrpSpPr>
+      <p:grpSpPr>
+        <a:xfrm>
+          <a:off x="0" y="0"/>
+          <a:ext cx="0" cy="0"/>
+          <a:chOff x="0" y="0"/>
+          <a:chExt cx="0" cy="0"/>
+        </a:xfrm>
+      </p:grpSpPr>
+      <p:pic>
+        <p:nvPicPr>
+          <p:cNvPr id="5" name="Picture 4">
+            <a:extLst>
+              <a:ext uri="{FF2B5EF4-FFF2-40B4-BE49-F238E27FC236}">
+                <a16:creationId xmlns:a16="http://schemas.microsoft.com/office/drawing/2014/main" id="{C6E386F3-9491-41C5-972D-C247DC45AEE3}"/>
+              </a:ext>
+            </a:extLst>
+          </p:cNvPr>
+          <p:cNvPicPr/>
+          <p:nvPr/>
+        </p:nvPicPr>
+        <p:blipFill>
+          <a:blip r:embed="rId2" cstate="print">
+            <a:extLst>
+              <a:ext uri="{28A0092B-C50C-407E-A947-70E740481C1C}">
+                <a14:useLocalDpi xmlns:a14="http://schemas.microsoft.com/office/drawing/2010/main" val="0"/>
+              </a:ext>
+            </a:extLst>
+          </a:blip>
+          <a:srcRect/>
+          <a:stretch>
+            <a:fillRect/>
+          </a:stretch>
+        </p:blipFill>
+        <p:spPr bwMode="auto">
+          <a:xfrm>
+            <a:off x="135467" y="1130074"/>
+            <a:ext cx="3903134" cy="2285873"/>
+          </a:xfrm>
+          <a:prstGeom prst="rect">
+            <a:avLst/>
+          </a:prstGeom>
+          <a:noFill/>
+          <a:ln>
+            <a:solidFill>
+              <a:schemeClr val="tx1">
+                <a:lumMod val="65000"/>
+                <a:lumOff val="35000"/>
+              </a:schemeClr>
+            </a:solidFill>
+          </a:ln>
+        </p:spPr>
+      </p:pic>
+      <p:sp>
+        <p:nvSpPr>
+          <p:cNvPr id="2" name="Title 1">
+            <a:extLst>
+              <a:ext uri="{FF2B5EF4-FFF2-40B4-BE49-F238E27FC236}">
+                <a16:creationId xmlns:a16="http://schemas.microsoft.com/office/drawing/2014/main" id="{2F0B0384-8E80-4308-8689-C5CAC5E240B4}"/>
+              </a:ext>
+            </a:extLst>
+          </p:cNvPr>
+          <p:cNvSpPr>
+            <a:spLocks noGrp="1"/>
+          </p:cNvSpPr>
+          <p:nvPr>
+            <p:ph type="title"/>
+          </p:nvPr>
+        </p:nvSpPr>
+        <p:spPr/>
+        <p:txBody>
+          <a:bodyPr/>
+          <a:lstStyle/>
+          <a:p>
+            <a:r>
+              <a:rPr lang="en-US" dirty="0"/>
+              <a:t>Creating Route Links</a:t>
+            </a:r>
+          </a:p>
+        </p:txBody>
+      </p:sp>
+      <p:pic>
+        <p:nvPicPr>
+          <p:cNvPr id="4" name="Picture 3">
+            <a:extLst>
+              <a:ext uri="{FF2B5EF4-FFF2-40B4-BE49-F238E27FC236}">
+                <a16:creationId xmlns:a16="http://schemas.microsoft.com/office/drawing/2014/main" id="{5192503C-E948-45FD-9199-9DAAA7A2B952}"/>
+              </a:ext>
+            </a:extLst>
+          </p:cNvPr>
+          <p:cNvPicPr>
+            <a:picLocks noChangeAspect="1"/>
+          </p:cNvPicPr>
+          <p:nvPr/>
+        </p:nvPicPr>
+        <p:blipFill>
+          <a:blip r:embed="rId3"/>
+          <a:stretch>
+            <a:fillRect/>
+          </a:stretch>
+        </p:blipFill>
+        <p:spPr>
+          <a:xfrm>
+            <a:off x="1921935" y="3046638"/>
+            <a:ext cx="7010400" cy="3588505"/>
+          </a:xfrm>
+          <a:prstGeom prst="rect">
+            <a:avLst/>
+          </a:prstGeom>
+        </p:spPr>
+      </p:pic>
+      <p:sp>
+        <p:nvSpPr>
+          <p:cNvPr id="6" name="Rectangle 5">
+            <a:extLst>
+              <a:ext uri="{FF2B5EF4-FFF2-40B4-BE49-F238E27FC236}">
+                <a16:creationId xmlns:a16="http://schemas.microsoft.com/office/drawing/2014/main" id="{7D7BCCE2-35F8-4277-BE5C-325BCCB49B3D}"/>
+              </a:ext>
+            </a:extLst>
+          </p:cNvPr>
+          <p:cNvSpPr/>
+          <p:nvPr/>
+        </p:nvSpPr>
+        <p:spPr>
+          <a:xfrm>
+            <a:off x="2074335" y="3351438"/>
+            <a:ext cx="3581400" cy="304800"/>
+          </a:xfrm>
+          <a:prstGeom prst="rect">
+            <a:avLst/>
+          </a:prstGeom>
+          <a:noFill/>
+          <a:ln w="28575">
+            <a:solidFill>
+              <a:srgbClr val="FF0000"/>
+            </a:solidFill>
+            <a:prstDash val="sysDot"/>
+          </a:ln>
+        </p:spPr>
+        <p:style>
+          <a:lnRef idx="2">
+            <a:schemeClr val="accent1">
+              <a:shade val="50000"/>
+            </a:schemeClr>
+          </a:lnRef>
+          <a:fillRef idx="1">
+            <a:schemeClr val="accent1"/>
+          </a:fillRef>
+          <a:effectRef idx="0">
+            <a:schemeClr val="accent1"/>
+          </a:effectRef>
+          <a:fontRef idx="minor">
+            <a:schemeClr val="lt1"/>
+          </a:fontRef>
+        </p:style>
+        <p:txBody>
+          <a:bodyPr rtlCol="0" anchor="ctr"/>
+          <a:lstStyle/>
+          <a:p>
+            <a:pPr algn="ctr"/>
+            <a:endParaRPr lang="en-US"/>
+          </a:p>
+        </p:txBody>
+      </p:sp>
+      <p:sp>
+        <p:nvSpPr>
+          <p:cNvPr id="7" name="Rectangle 6">
+            <a:extLst>
+              <a:ext uri="{FF2B5EF4-FFF2-40B4-BE49-F238E27FC236}">
+                <a16:creationId xmlns:a16="http://schemas.microsoft.com/office/drawing/2014/main" id="{BD848E98-5AD6-4C5F-8170-98E22BFF1708}"/>
+              </a:ext>
+            </a:extLst>
+          </p:cNvPr>
+          <p:cNvSpPr/>
+          <p:nvPr/>
+        </p:nvSpPr>
+        <p:spPr>
+          <a:xfrm>
+            <a:off x="3064935" y="5246913"/>
+            <a:ext cx="5562600" cy="485776"/>
+          </a:xfrm>
+          <a:prstGeom prst="rect">
+            <a:avLst/>
+          </a:prstGeom>
+          <a:noFill/>
+          <a:ln w="28575">
+            <a:solidFill>
+              <a:srgbClr val="FF0000"/>
+            </a:solidFill>
+            <a:prstDash val="sysDot"/>
+          </a:ln>
+        </p:spPr>
+        <p:style>
+          <a:lnRef idx="2">
+            <a:schemeClr val="accent1">
+              <a:shade val="50000"/>
+            </a:schemeClr>
+          </a:lnRef>
+          <a:fillRef idx="1">
+            <a:schemeClr val="accent1"/>
+          </a:fillRef>
+          <a:effectRef idx="0">
+            <a:schemeClr val="accent1"/>
+          </a:effectRef>
+          <a:fontRef idx="minor">
+            <a:schemeClr val="lt1"/>
+          </a:fontRef>
+        </p:style>
+        <p:txBody>
+          <a:bodyPr rtlCol="0" anchor="ctr"/>
+          <a:lstStyle/>
+          <a:p>
+            <a:pPr algn="ctr"/>
+            <a:endParaRPr lang="en-US"/>
+          </a:p>
+        </p:txBody>
+      </p:sp>
+      <p:sp>
+        <p:nvSpPr>
+          <p:cNvPr id="8" name="Rectangle 7">
+            <a:extLst>
+              <a:ext uri="{FF2B5EF4-FFF2-40B4-BE49-F238E27FC236}">
+                <a16:creationId xmlns:a16="http://schemas.microsoft.com/office/drawing/2014/main" id="{6D3FC7EF-A1F1-4D75-BC94-873015680B30}"/>
+              </a:ext>
+            </a:extLst>
+          </p:cNvPr>
+          <p:cNvSpPr/>
+          <p:nvPr/>
+        </p:nvSpPr>
+        <p:spPr>
+          <a:xfrm>
+            <a:off x="3036360" y="6004150"/>
+            <a:ext cx="5805488" cy="485776"/>
+          </a:xfrm>
+          <a:prstGeom prst="rect">
+            <a:avLst/>
+          </a:prstGeom>
+          <a:noFill/>
+          <a:ln w="28575">
+            <a:solidFill>
+              <a:srgbClr val="FF0000"/>
+            </a:solidFill>
+            <a:prstDash val="sysDot"/>
+          </a:ln>
+        </p:spPr>
+        <p:style>
+          <a:lnRef idx="2">
+            <a:schemeClr val="accent1">
+              <a:shade val="50000"/>
+            </a:schemeClr>
+          </a:lnRef>
+          <a:fillRef idx="1">
+            <a:schemeClr val="accent1"/>
+          </a:fillRef>
+          <a:effectRef idx="0">
+            <a:schemeClr val="accent1"/>
+          </a:effectRef>
+          <a:fontRef idx="minor">
+            <a:schemeClr val="lt1"/>
+          </a:fontRef>
+        </p:style>
+        <p:txBody>
+          <a:bodyPr rtlCol="0" anchor="ctr"/>
+          <a:lstStyle/>
+          <a:p>
+            <a:pPr algn="ctr"/>
+            <a:endParaRPr lang="en-US"/>
+          </a:p>
+        </p:txBody>
+      </p:sp>
+    </p:spTree>
+    <p:extLst>
+      <p:ext uri="{BB962C8B-B14F-4D97-AF65-F5344CB8AC3E}">
+        <p14:creationId xmlns:p14="http://schemas.microsoft.com/office/powerpoint/2010/main" val="3667989627"/>
+      </p:ext>
+    </p:extLst>
+  </p:cSld>
+  <p:clrMapOvr>
+    <a:masterClrMapping/>
+  </p:clrMapOvr>
+</p:sld>
+</file>
+
+<file path=ppt/slides/slide47.xml><?xml version="1.0" encoding="utf-8"?>
+<p:sld xmlns:a="http://schemas.openxmlformats.org/drawingml/2006/main" xmlns:r="http://schemas.openxmlformats.org/officeDocument/2006/relationships" xmlns:p="http://schemas.openxmlformats.org/presentationml/2006/main">
+  <p:cSld>
+    <p:spTree>
+      <p:nvGrpSpPr>
+        <p:cNvPr id="1" name=""/>
+        <p:cNvGrpSpPr/>
+        <p:nvPr/>
+      </p:nvGrpSpPr>
+      <p:grpSpPr>
+        <a:xfrm>
+          <a:off x="0" y="0"/>
+          <a:ext cx="0" cy="0"/>
+          <a:chOff x="0" y="0"/>
+          <a:chExt cx="0" cy="0"/>
+        </a:xfrm>
+      </p:grpSpPr>
+      <p:sp>
+        <p:nvSpPr>
+          <p:cNvPr id="2" name="Title 1"/>
+          <p:cNvSpPr>
+            <a:spLocks noGrp="1"/>
+          </p:cNvSpPr>
+          <p:nvPr>
+            <p:ph type="title"/>
+          </p:nvPr>
+        </p:nvSpPr>
+        <p:spPr/>
+        <p:txBody>
+          <a:bodyPr/>
+          <a:lstStyle/>
+          <a:p>
+            <a:r>
+              <a:rPr lang="en-US"/>
+              <a:t>Component Lifecycle</a:t>
+            </a:r>
+            <a:endParaRPr lang="en-US" dirty="0"/>
+          </a:p>
+        </p:txBody>
+      </p:sp>
+      <p:sp>
+        <p:nvSpPr>
+          <p:cNvPr id="3" name="Content Placeholder 2"/>
+          <p:cNvSpPr>
+            <a:spLocks noGrp="1"/>
+          </p:cNvSpPr>
+          <p:nvPr>
+            <p:ph idx="1"/>
+          </p:nvPr>
+        </p:nvSpPr>
+        <p:spPr/>
+        <p:txBody>
+          <a:bodyPr>
+            <a:normAutofit/>
+          </a:bodyPr>
+          <a:lstStyle/>
+          <a:p>
+            <a:r>
+              <a:rPr lang="en-US" sz="2000" dirty="0" err="1"/>
+              <a:t>componentWillUpdate</a:t>
+            </a:r>
+            <a:endParaRPr lang="en-US" sz="2000" dirty="0"/>
+          </a:p>
+          <a:p>
+            <a:pPr lvl="1"/>
+            <a:r>
+              <a:rPr lang="en-US" sz="1800" dirty="0"/>
+              <a:t>executed before component is rendered</a:t>
+            </a:r>
+          </a:p>
+          <a:p>
+            <a:r>
+              <a:rPr lang="en-US" sz="2000" dirty="0" err="1"/>
+              <a:t>componentDidUpdate</a:t>
+            </a:r>
+            <a:endParaRPr lang="en-US" sz="2000" dirty="0"/>
+          </a:p>
+          <a:p>
+            <a:pPr lvl="1"/>
+            <a:r>
+              <a:rPr lang="en-US" sz="1800" dirty="0"/>
+              <a:t>executed after component is rendered</a:t>
+            </a:r>
+          </a:p>
+          <a:p>
+            <a:r>
+              <a:rPr lang="en-US" sz="2000" dirty="0" err="1"/>
+              <a:t>componentWillMount</a:t>
+            </a:r>
+            <a:endParaRPr lang="en-US" sz="2000" dirty="0"/>
+          </a:p>
+          <a:p>
+            <a:pPr lvl="1"/>
+            <a:r>
+              <a:rPr lang="en-US" sz="1800" dirty="0"/>
+              <a:t>executed before node is added to the DOM</a:t>
+            </a:r>
+          </a:p>
+          <a:p>
+            <a:r>
+              <a:rPr lang="en-US" sz="2000" dirty="0" err="1"/>
+              <a:t>componentDidMount</a:t>
+            </a:r>
+            <a:endParaRPr lang="en-US" sz="2000" dirty="0"/>
+          </a:p>
+          <a:p>
+            <a:pPr lvl="1"/>
+            <a:r>
+              <a:rPr lang="en-US" sz="1800" dirty="0"/>
+              <a:t>executed after node is added to the DOM</a:t>
+            </a:r>
+          </a:p>
+          <a:p>
+            <a:r>
+              <a:rPr lang="en-US" sz="2000" dirty="0" err="1"/>
+              <a:t>componentWillUnmount</a:t>
+            </a:r>
+            <a:endParaRPr lang="en-US" sz="2000" dirty="0"/>
+          </a:p>
+          <a:p>
+            <a:pPr lvl="1"/>
+            <a:r>
+              <a:rPr lang="en-US" sz="1800" dirty="0"/>
+              <a:t>executed before node is removed from the DOM</a:t>
+            </a:r>
+          </a:p>
+          <a:p>
+            <a:r>
+              <a:rPr lang="en-US" sz="2000" dirty="0" err="1"/>
+              <a:t>shouldComponentUpdate</a:t>
+            </a:r>
+            <a:r>
+              <a:rPr lang="en-US" sz="2000" dirty="0"/>
+              <a:t>(</a:t>
+            </a:r>
+            <a:r>
+              <a:rPr lang="en-US" sz="2000" dirty="0" err="1"/>
+              <a:t>newProps</a:t>
+            </a:r>
+            <a:r>
+              <a:rPr lang="en-US" sz="2000" dirty="0"/>
+              <a:t>, </a:t>
+            </a:r>
+            <a:r>
+              <a:rPr lang="en-US" sz="2000" dirty="0" err="1"/>
+              <a:t>newState</a:t>
+            </a:r>
+            <a:r>
+              <a:rPr lang="en-US" sz="2000" dirty="0"/>
+              <a:t>)</a:t>
+            </a:r>
+          </a:p>
+          <a:p>
+            <a:pPr lvl="1"/>
+            <a:r>
+              <a:rPr lang="en-US" sz="1800" dirty="0"/>
+              <a:t>executed before component is updated</a:t>
+            </a:r>
+          </a:p>
+        </p:txBody>
+      </p:sp>
+    </p:spTree>
+    <p:extLst>
+      <p:ext uri="{BB962C8B-B14F-4D97-AF65-F5344CB8AC3E}">
+        <p14:creationId xmlns:p14="http://schemas.microsoft.com/office/powerpoint/2010/main" val="4131638449"/>
+      </p:ext>
+    </p:extLst>
+  </p:cSld>
+  <p:clrMapOvr>
+    <a:masterClrMapping/>
+  </p:clrMapOvr>
+</p:sld>
+</file>
+
+<file path=ppt/slides/slide48.xml><?xml version="1.0" encoding="utf-8"?>
+<p:sld xmlns:a="http://schemas.openxmlformats.org/drawingml/2006/main" xmlns:r="http://schemas.openxmlformats.org/officeDocument/2006/relationships" xmlns:p="http://schemas.openxmlformats.org/presentationml/2006/main">
+  <p:cSld>
+    <p:spTree>
+      <p:nvGrpSpPr>
+        <p:cNvPr id="1" name=""/>
+        <p:cNvGrpSpPr/>
+        <p:nvPr/>
+      </p:nvGrpSpPr>
+      <p:grpSpPr>
+        <a:xfrm>
+          <a:off x="0" y="0"/>
+          <a:ext cx="0" cy="0"/>
+          <a:chOff x="0" y="0"/>
+          <a:chExt cx="0" cy="0"/>
+        </a:xfrm>
+      </p:grpSpPr>
+      <p:sp>
+        <p:nvSpPr>
+          <p:cNvPr id="2" name="Title 1">
+            <a:extLst>
+              <a:ext uri="{FF2B5EF4-FFF2-40B4-BE49-F238E27FC236}">
+                <a16:creationId xmlns:a16="http://schemas.microsoft.com/office/drawing/2014/main" id="{B885D460-23C5-4479-800C-6A7AC0149C5B}"/>
+              </a:ext>
+            </a:extLst>
+          </p:cNvPr>
+          <p:cNvSpPr>
+            <a:spLocks noGrp="1"/>
+          </p:cNvSpPr>
+          <p:nvPr>
+            <p:ph type="title"/>
+          </p:nvPr>
+        </p:nvSpPr>
+        <p:spPr/>
+        <p:txBody>
+          <a:bodyPr/>
+          <a:lstStyle/>
+          <a:p>
+            <a:r>
+              <a:rPr lang="en-US" dirty="0"/>
+              <a:t>Calling a Web Service using the Fetch API</a:t>
+            </a:r>
+          </a:p>
+        </p:txBody>
+      </p:sp>
+      <p:pic>
+        <p:nvPicPr>
+          <p:cNvPr id="3" name="Picture 2">
+            <a:extLst>
+              <a:ext uri="{FF2B5EF4-FFF2-40B4-BE49-F238E27FC236}">
+                <a16:creationId xmlns:a16="http://schemas.microsoft.com/office/drawing/2014/main" id="{B8E09573-E2CB-485F-AD8E-EC398BE55073}"/>
+              </a:ext>
+            </a:extLst>
+          </p:cNvPr>
+          <p:cNvPicPr>
+            <a:picLocks noChangeAspect="1"/>
+          </p:cNvPicPr>
+          <p:nvPr/>
+        </p:nvPicPr>
+        <p:blipFill>
+          <a:blip r:embed="rId2"/>
+          <a:stretch>
+            <a:fillRect/>
+          </a:stretch>
+        </p:blipFill>
+        <p:spPr>
+          <a:xfrm>
+            <a:off x="304800" y="1270660"/>
+            <a:ext cx="8153400" cy="2660036"/>
+          </a:xfrm>
+          <a:prstGeom prst="rect">
+            <a:avLst/>
+          </a:prstGeom>
+        </p:spPr>
+      </p:pic>
+      <p:pic>
+        <p:nvPicPr>
+          <p:cNvPr id="5" name="Picture 4">
+            <a:extLst>
+              <a:ext uri="{FF2B5EF4-FFF2-40B4-BE49-F238E27FC236}">
+                <a16:creationId xmlns:a16="http://schemas.microsoft.com/office/drawing/2014/main" id="{553E71C8-0976-4751-8C6F-D46A7A82757A}"/>
+              </a:ext>
+            </a:extLst>
+          </p:cNvPr>
+          <p:cNvPicPr>
+            <a:picLocks noChangeAspect="1"/>
+          </p:cNvPicPr>
+          <p:nvPr/>
+        </p:nvPicPr>
+        <p:blipFill>
+          <a:blip r:embed="rId3"/>
+          <a:stretch>
+            <a:fillRect/>
+          </a:stretch>
+        </p:blipFill>
+        <p:spPr>
+          <a:xfrm>
+            <a:off x="304800" y="4246892"/>
+            <a:ext cx="8153400" cy="1957516"/>
+          </a:xfrm>
+          <a:prstGeom prst="rect">
+            <a:avLst/>
+          </a:prstGeom>
+        </p:spPr>
+      </p:pic>
+    </p:spTree>
+    <p:extLst>
+      <p:ext uri="{BB962C8B-B14F-4D97-AF65-F5344CB8AC3E}">
+        <p14:creationId xmlns:p14="http://schemas.microsoft.com/office/powerpoint/2010/main" val="3766093505"/>
+      </p:ext>
+    </p:extLst>
+  </p:cSld>
+  <p:clrMapOvr>
+    <a:masterClrMapping/>
+  </p:clrMapOvr>
+</p:sld>
+</file>
+
+<file path=ppt/slides/slide49.xml><?xml version="1.0" encoding="utf-8"?>
+<p:sld xmlns:a="http://schemas.openxmlformats.org/drawingml/2006/main" xmlns:r="http://schemas.openxmlformats.org/officeDocument/2006/relationships" xmlns:p="http://schemas.openxmlformats.org/presentationml/2006/main">
+  <p:cSld>
+    <p:spTree>
+      <p:nvGrpSpPr>
+        <p:cNvPr id="1" name=""/>
+        <p:cNvGrpSpPr/>
+        <p:nvPr/>
+      </p:nvGrpSpPr>
+      <p:grpSpPr>
+        <a:xfrm>
+          <a:off x="0" y="0"/>
+          <a:ext cx="0" cy="0"/>
+          <a:chOff x="0" y="0"/>
+          <a:chExt cx="0" cy="0"/>
+        </a:xfrm>
+      </p:grpSpPr>
+      <p:sp>
+        <p:nvSpPr>
+          <p:cNvPr id="2" name="Title 1"/>
+          <p:cNvSpPr>
+            <a:spLocks noGrp="1"/>
+          </p:cNvSpPr>
+          <p:nvPr>
+            <p:ph type="title"/>
+          </p:nvPr>
+        </p:nvSpPr>
+        <p:spPr/>
+        <p:txBody>
+          <a:bodyPr/>
+          <a:lstStyle/>
+          <a:p>
+            <a:r>
+              <a:rPr lang="en-US"/>
+              <a:t>Agenda</a:t>
+            </a:r>
+            <a:endParaRPr lang="en-US" dirty="0"/>
+          </a:p>
+        </p:txBody>
+      </p:sp>
+      <p:sp>
+        <p:nvSpPr>
+          <p:cNvPr id="3" name="Content Placeholder 2"/>
+          <p:cNvSpPr>
+            <a:spLocks noGrp="1"/>
+          </p:cNvSpPr>
+          <p:nvPr>
+            <p:ph idx="1"/>
+          </p:nvPr>
+        </p:nvSpPr>
+        <p:spPr/>
+        <p:txBody>
+          <a:bodyPr>
+            <a:normAutofit/>
+          </a:bodyPr>
+          <a:lstStyle/>
+          <a:p>
+            <a:pPr lvl="0">
+              <a:buFont typeface="Wingdings" panose="05000000000000000000" pitchFamily="2" charset="2"/>
+              <a:buChar char="ü"/>
+            </a:pPr>
+            <a:r>
+              <a:rPr lang="en-US" sz="2400" dirty="0"/>
+              <a:t>Introduction to Node.JS and NPM</a:t>
+            </a:r>
+          </a:p>
+          <a:p>
+            <a:pPr lvl="0">
+              <a:buFont typeface="Wingdings" panose="05000000000000000000" pitchFamily="2" charset="2"/>
+              <a:buChar char="ü"/>
+            </a:pPr>
+            <a:r>
+              <a:rPr lang="en-US" sz="2400" dirty="0"/>
+              <a:t>Automating Build Tasks using Gulp</a:t>
+            </a:r>
+          </a:p>
+          <a:p>
+            <a:pPr lvl="0">
+              <a:buFont typeface="Wingdings" panose="05000000000000000000" pitchFamily="2" charset="2"/>
+              <a:buChar char="ü"/>
+            </a:pPr>
+            <a:r>
+              <a:rPr lang="en-US" sz="2400" dirty="0"/>
+              <a:t>Bundling Project Assets using Webpack</a:t>
+            </a:r>
+          </a:p>
+          <a:p>
+            <a:pPr lvl="0">
+              <a:buFont typeface="Wingdings" panose="05000000000000000000" pitchFamily="2" charset="2"/>
+              <a:buChar char="ü"/>
+            </a:pPr>
+            <a:r>
+              <a:rPr lang="en-US" sz="2400" dirty="0"/>
+              <a:t>Developing with React.js, TypeScript and Webpack</a:t>
+            </a:r>
+          </a:p>
+          <a:p>
+            <a:pPr lvl="0">
+              <a:buFont typeface="Wingdings" panose="05000000000000000000" pitchFamily="2" charset="2"/>
+              <a:buChar char="Ø"/>
+            </a:pPr>
+            <a:r>
+              <a:rPr lang="en-US" sz="2400" dirty="0"/>
+              <a:t>Developing with SharePoint Framework</a:t>
+            </a:r>
+          </a:p>
+          <a:p>
+            <a:pPr lvl="0"/>
+            <a:r>
+              <a:rPr lang="en-US" sz="2400" dirty="0"/>
+              <a:t>Developing Custom Visuals for Power BI</a:t>
+            </a:r>
+          </a:p>
+        </p:txBody>
+      </p:sp>
+    </p:spTree>
+    <p:extLst>
+      <p:ext uri="{BB962C8B-B14F-4D97-AF65-F5344CB8AC3E}">
+        <p14:creationId xmlns:p14="http://schemas.microsoft.com/office/powerpoint/2010/main" val="167443082"/>
+      </p:ext>
+    </p:extLst>
+  </p:cSld>
+  <p:clrMapOvr>
+    <a:masterClrMapping/>
+  </p:clrMapOvr>
+</p:sld>
+</file>
+
+<file path=ppt/slides/slide5.xml><?xml version="1.0" encoding="utf-8"?>
 <p:sld xmlns:a="http://schemas.openxmlformats.org/drawingml/2006/main" xmlns:r="http://schemas.openxmlformats.org/officeDocument/2006/relationships" xmlns:p="http://schemas.openxmlformats.org/presentationml/2006/main">
   <p:cSld>
     <p:spTree>
@@ -8793,1467 +10884,7 @@
 </p:sld>
 </file>
 
-<file path=ppt/slides/slide40.xml><?xml version="1.0" encoding="utf-8"?>
-<p:sld xmlns:a="http://schemas.openxmlformats.org/drawingml/2006/main" xmlns:r="http://schemas.openxmlformats.org/officeDocument/2006/relationships" xmlns:p="http://schemas.openxmlformats.org/presentationml/2006/main">
-  <p:cSld>
-    <p:spTree>
-      <p:nvGrpSpPr>
-        <p:cNvPr id="1" name=""/>
-        <p:cNvGrpSpPr/>
-        <p:nvPr/>
-      </p:nvGrpSpPr>
-      <p:grpSpPr>
-        <a:xfrm>
-          <a:off x="0" y="0"/>
-          <a:ext cx="0" cy="0"/>
-          <a:chOff x="0" y="0"/>
-          <a:chExt cx="0" cy="0"/>
-        </a:xfrm>
-      </p:grpSpPr>
-      <p:sp>
-        <p:nvSpPr>
-          <p:cNvPr id="2" name="Title 1">
-            <a:extLst>
-              <a:ext uri="{FF2B5EF4-FFF2-40B4-BE49-F238E27FC236}">
-                <a16:creationId xmlns:a16="http://schemas.microsoft.com/office/drawing/2014/main" id="{C7C636D4-D2CF-43B5-B824-0241E85EF367}"/>
-              </a:ext>
-            </a:extLst>
-          </p:cNvPr>
-          <p:cNvSpPr>
-            <a:spLocks noGrp="1"/>
-          </p:cNvSpPr>
-          <p:nvPr>
-            <p:ph type="title"/>
-          </p:nvPr>
-        </p:nvSpPr>
-        <p:spPr/>
-        <p:txBody>
-          <a:bodyPr/>
-          <a:lstStyle/>
-          <a:p>
-            <a:r>
-              <a:rPr lang="en-US" dirty="0"/>
-              <a:t>Bootstrapping the App Component</a:t>
-            </a:r>
-          </a:p>
-        </p:txBody>
-      </p:sp>
-      <p:pic>
-        <p:nvPicPr>
-          <p:cNvPr id="4" name="Picture 3">
-            <a:extLst>
-              <a:ext uri="{FF2B5EF4-FFF2-40B4-BE49-F238E27FC236}">
-                <a16:creationId xmlns:a16="http://schemas.microsoft.com/office/drawing/2014/main" id="{8D89571B-0BB3-4607-819A-50EADA449E2B}"/>
-              </a:ext>
-            </a:extLst>
-          </p:cNvPr>
-          <p:cNvPicPr>
-            <a:picLocks noChangeAspect="1"/>
-          </p:cNvPicPr>
-          <p:nvPr/>
-        </p:nvPicPr>
-        <p:blipFill>
-          <a:blip r:embed="rId2"/>
-          <a:stretch>
-            <a:fillRect/>
-          </a:stretch>
-        </p:blipFill>
-        <p:spPr>
-          <a:xfrm>
-            <a:off x="671281" y="1447800"/>
-            <a:ext cx="7801437" cy="4149079"/>
-          </a:xfrm>
-          <a:prstGeom prst="rect">
-            <a:avLst/>
-          </a:prstGeom>
-          <a:ln>
-            <a:solidFill>
-              <a:schemeClr val="tx1">
-                <a:lumMod val="50000"/>
-                <a:lumOff val="50000"/>
-              </a:schemeClr>
-            </a:solidFill>
-          </a:ln>
-        </p:spPr>
-      </p:pic>
-    </p:spTree>
-    <p:extLst>
-      <p:ext uri="{BB962C8B-B14F-4D97-AF65-F5344CB8AC3E}">
-        <p14:creationId xmlns:p14="http://schemas.microsoft.com/office/powerpoint/2010/main" val="2700606361"/>
-      </p:ext>
-    </p:extLst>
-  </p:cSld>
-  <p:clrMapOvr>
-    <a:masterClrMapping/>
-  </p:clrMapOvr>
-</p:sld>
-</file>
-
-<file path=ppt/slides/slide41.xml><?xml version="1.0" encoding="utf-8"?>
-<p:sld xmlns:a="http://schemas.openxmlformats.org/drawingml/2006/main" xmlns:r="http://schemas.openxmlformats.org/officeDocument/2006/relationships" xmlns:p="http://schemas.openxmlformats.org/presentationml/2006/main">
-  <p:cSld>
-    <p:spTree>
-      <p:nvGrpSpPr>
-        <p:cNvPr id="1" name=""/>
-        <p:cNvGrpSpPr/>
-        <p:nvPr/>
-      </p:nvGrpSpPr>
-      <p:grpSpPr>
-        <a:xfrm>
-          <a:off x="0" y="0"/>
-          <a:ext cx="0" cy="0"/>
-          <a:chOff x="0" y="0"/>
-          <a:chExt cx="0" cy="0"/>
-        </a:xfrm>
-      </p:grpSpPr>
-      <p:sp>
-        <p:nvSpPr>
-          <p:cNvPr id="2" name="Title 1">
-            <a:extLst>
-              <a:ext uri="{FF2B5EF4-FFF2-40B4-BE49-F238E27FC236}">
-                <a16:creationId xmlns:a16="http://schemas.microsoft.com/office/drawing/2014/main" id="{3ABE6438-B581-4EFA-8399-FE8B230F5E2D}"/>
-              </a:ext>
-            </a:extLst>
-          </p:cNvPr>
-          <p:cNvSpPr>
-            <a:spLocks noGrp="1"/>
-          </p:cNvSpPr>
-          <p:nvPr>
-            <p:ph type="title"/>
-          </p:nvPr>
-        </p:nvSpPr>
-        <p:spPr/>
-        <p:txBody>
-          <a:bodyPr/>
-          <a:lstStyle/>
-          <a:p>
-            <a:r>
-              <a:rPr lang="en-US" dirty="0"/>
-              <a:t>React Component Hierarchies</a:t>
-            </a:r>
-          </a:p>
-        </p:txBody>
-      </p:sp>
-      <p:pic>
-        <p:nvPicPr>
-          <p:cNvPr id="3" name="Picture 2">
-            <a:extLst>
-              <a:ext uri="{FF2B5EF4-FFF2-40B4-BE49-F238E27FC236}">
-                <a16:creationId xmlns:a16="http://schemas.microsoft.com/office/drawing/2014/main" id="{533A7C2D-7E07-4E01-A905-90FED20A819D}"/>
-              </a:ext>
-            </a:extLst>
-          </p:cNvPr>
-          <p:cNvPicPr>
-            <a:picLocks noChangeAspect="1"/>
-          </p:cNvPicPr>
-          <p:nvPr/>
-        </p:nvPicPr>
-        <p:blipFill>
-          <a:blip r:embed="rId2"/>
-          <a:stretch>
-            <a:fillRect/>
-          </a:stretch>
-        </p:blipFill>
-        <p:spPr>
-          <a:xfrm>
-            <a:off x="152400" y="1173084"/>
-            <a:ext cx="7474610" cy="4084716"/>
-          </a:xfrm>
-          <a:prstGeom prst="rect">
-            <a:avLst/>
-          </a:prstGeom>
-          <a:ln>
-            <a:solidFill>
-              <a:schemeClr val="tx1">
-                <a:lumMod val="50000"/>
-                <a:lumOff val="50000"/>
-              </a:schemeClr>
-            </a:solidFill>
-          </a:ln>
-        </p:spPr>
-      </p:pic>
-      <p:sp>
-        <p:nvSpPr>
-          <p:cNvPr id="4" name="Rectangle 3">
-            <a:extLst>
-              <a:ext uri="{FF2B5EF4-FFF2-40B4-BE49-F238E27FC236}">
-                <a16:creationId xmlns:a16="http://schemas.microsoft.com/office/drawing/2014/main" id="{A7A88F4F-A313-4559-9871-08C28C8D9288}"/>
-              </a:ext>
-            </a:extLst>
-          </p:cNvPr>
-          <p:cNvSpPr/>
-          <p:nvPr/>
-        </p:nvSpPr>
-        <p:spPr>
-          <a:xfrm>
-            <a:off x="4876800" y="4267200"/>
-            <a:ext cx="4114800" cy="2438400"/>
-          </a:xfrm>
-          <a:prstGeom prst="rect">
-            <a:avLst/>
-          </a:prstGeom>
-          <a:ln>
-            <a:solidFill>
-              <a:schemeClr val="tx1"/>
-            </a:solidFill>
-          </a:ln>
-        </p:spPr>
-        <p:style>
-          <a:lnRef idx="2">
-            <a:schemeClr val="accent1">
-              <a:shade val="50000"/>
-            </a:schemeClr>
-          </a:lnRef>
-          <a:fillRef idx="1">
-            <a:schemeClr val="accent1"/>
-          </a:fillRef>
-          <a:effectRef idx="0">
-            <a:schemeClr val="accent1"/>
-          </a:effectRef>
-          <a:fontRef idx="minor">
-            <a:schemeClr val="lt1"/>
-          </a:fontRef>
-        </p:style>
-        <p:txBody>
-          <a:bodyPr rtlCol="0" anchor="t"/>
-          <a:lstStyle/>
-          <a:p>
-            <a:r>
-              <a:rPr lang="en-US" sz="2000" dirty="0"/>
-              <a:t>App</a:t>
-            </a:r>
-          </a:p>
-        </p:txBody>
-      </p:sp>
-      <p:sp>
-        <p:nvSpPr>
-          <p:cNvPr id="5" name="Rectangle 4">
-            <a:extLst>
-              <a:ext uri="{FF2B5EF4-FFF2-40B4-BE49-F238E27FC236}">
-                <a16:creationId xmlns:a16="http://schemas.microsoft.com/office/drawing/2014/main" id="{1F714D18-AE93-47E0-9393-F5206FAF5C58}"/>
-              </a:ext>
-            </a:extLst>
-          </p:cNvPr>
-          <p:cNvSpPr/>
-          <p:nvPr/>
-        </p:nvSpPr>
-        <p:spPr>
-          <a:xfrm>
-            <a:off x="5042244" y="4687766"/>
-            <a:ext cx="3772446" cy="722434"/>
-          </a:xfrm>
-          <a:prstGeom prst="rect">
-            <a:avLst/>
-          </a:prstGeom>
-          <a:solidFill>
-            <a:schemeClr val="accent3">
-              <a:lumMod val="50000"/>
-            </a:schemeClr>
-          </a:solidFill>
-          <a:ln>
-            <a:solidFill>
-              <a:schemeClr val="tx1"/>
-            </a:solidFill>
-          </a:ln>
-        </p:spPr>
-        <p:style>
-          <a:lnRef idx="2">
-            <a:schemeClr val="accent1">
-              <a:shade val="50000"/>
-            </a:schemeClr>
-          </a:lnRef>
-          <a:fillRef idx="1">
-            <a:schemeClr val="accent1"/>
-          </a:fillRef>
-          <a:effectRef idx="0">
-            <a:schemeClr val="accent1"/>
-          </a:effectRef>
-          <a:fontRef idx="minor">
-            <a:schemeClr val="lt1"/>
-          </a:fontRef>
-        </p:style>
-        <p:txBody>
-          <a:bodyPr rtlCol="0" anchor="ctr"/>
-          <a:lstStyle/>
-          <a:p>
-            <a:r>
-              <a:rPr lang="en-US" sz="2000" dirty="0"/>
-              <a:t>Banner</a:t>
-            </a:r>
-          </a:p>
-        </p:txBody>
-      </p:sp>
-      <p:sp>
-        <p:nvSpPr>
-          <p:cNvPr id="6" name="Rectangle 5">
-            <a:extLst>
-              <a:ext uri="{FF2B5EF4-FFF2-40B4-BE49-F238E27FC236}">
-                <a16:creationId xmlns:a16="http://schemas.microsoft.com/office/drawing/2014/main" id="{C6CB6002-C761-496E-B8D3-54A387DDEB3B}"/>
-              </a:ext>
-            </a:extLst>
-          </p:cNvPr>
-          <p:cNvSpPr/>
-          <p:nvPr/>
-        </p:nvSpPr>
-        <p:spPr>
-          <a:xfrm>
-            <a:off x="6249492" y="4801201"/>
-            <a:ext cx="2388288" cy="526194"/>
-          </a:xfrm>
-          <a:prstGeom prst="rect">
-            <a:avLst/>
-          </a:prstGeom>
-          <a:solidFill>
-            <a:schemeClr val="accent5">
-              <a:lumMod val="50000"/>
-            </a:schemeClr>
-          </a:solidFill>
-          <a:ln>
-            <a:solidFill>
-              <a:schemeClr val="tx1"/>
-            </a:solidFill>
-          </a:ln>
-        </p:spPr>
-        <p:style>
-          <a:lnRef idx="2">
-            <a:schemeClr val="accent1">
-              <a:shade val="50000"/>
-            </a:schemeClr>
-          </a:lnRef>
-          <a:fillRef idx="1">
-            <a:schemeClr val="accent1"/>
-          </a:fillRef>
-          <a:effectRef idx="0">
-            <a:schemeClr val="accent1"/>
-          </a:effectRef>
-          <a:fontRef idx="minor">
-            <a:schemeClr val="lt1"/>
-          </a:fontRef>
-        </p:style>
-        <p:txBody>
-          <a:bodyPr rtlCol="0" anchor="ctr"/>
-          <a:lstStyle/>
-          <a:p>
-            <a:pPr algn="ctr"/>
-            <a:r>
-              <a:rPr lang="en-US" sz="2000" dirty="0" err="1"/>
-              <a:t>Topnav</a:t>
-            </a:r>
-            <a:endParaRPr lang="en-US" sz="2000" dirty="0"/>
-          </a:p>
-        </p:txBody>
-      </p:sp>
-      <p:sp>
-        <p:nvSpPr>
-          <p:cNvPr id="7" name="Rectangle 6">
-            <a:extLst>
-              <a:ext uri="{FF2B5EF4-FFF2-40B4-BE49-F238E27FC236}">
-                <a16:creationId xmlns:a16="http://schemas.microsoft.com/office/drawing/2014/main" id="{8DD771E2-E398-4327-8DC9-486C22F3F981}"/>
-              </a:ext>
-            </a:extLst>
-          </p:cNvPr>
-          <p:cNvSpPr/>
-          <p:nvPr/>
-        </p:nvSpPr>
-        <p:spPr>
-          <a:xfrm>
-            <a:off x="5070466" y="5479795"/>
-            <a:ext cx="3772446" cy="1133472"/>
-          </a:xfrm>
-          <a:prstGeom prst="rect">
-            <a:avLst/>
-          </a:prstGeom>
-          <a:solidFill>
-            <a:srgbClr val="7030A0"/>
-          </a:solidFill>
-          <a:ln>
-            <a:solidFill>
-              <a:schemeClr val="tx1"/>
-            </a:solidFill>
-          </a:ln>
-        </p:spPr>
-        <p:style>
-          <a:lnRef idx="2">
-            <a:schemeClr val="accent1">
-              <a:shade val="50000"/>
-            </a:schemeClr>
-          </a:lnRef>
-          <a:fillRef idx="1">
-            <a:schemeClr val="accent1"/>
-          </a:fillRef>
-          <a:effectRef idx="0">
-            <a:schemeClr val="accent1"/>
-          </a:effectRef>
-          <a:fontRef idx="minor">
-            <a:schemeClr val="lt1"/>
-          </a:fontRef>
-        </p:style>
-        <p:txBody>
-          <a:bodyPr rtlCol="0" anchor="t"/>
-          <a:lstStyle/>
-          <a:p>
-            <a:r>
-              <a:rPr lang="en-US" sz="2000" dirty="0" err="1"/>
-              <a:t>MainView</a:t>
-            </a:r>
-            <a:endParaRPr lang="en-US" sz="2000" dirty="0"/>
-          </a:p>
-        </p:txBody>
-      </p:sp>
-    </p:spTree>
-    <p:extLst>
-      <p:ext uri="{BB962C8B-B14F-4D97-AF65-F5344CB8AC3E}">
-        <p14:creationId xmlns:p14="http://schemas.microsoft.com/office/powerpoint/2010/main" val="3454056369"/>
-      </p:ext>
-    </p:extLst>
-  </p:cSld>
-  <p:clrMapOvr>
-    <a:masterClrMapping/>
-  </p:clrMapOvr>
-</p:sld>
-</file>
-
-<file path=ppt/slides/slide42.xml><?xml version="1.0" encoding="utf-8"?>
-<p:sld xmlns:a="http://schemas.openxmlformats.org/drawingml/2006/main" xmlns:r="http://schemas.openxmlformats.org/officeDocument/2006/relationships" xmlns:p="http://schemas.openxmlformats.org/presentationml/2006/main">
-  <p:cSld>
-    <p:spTree>
-      <p:nvGrpSpPr>
-        <p:cNvPr id="1" name=""/>
-        <p:cNvGrpSpPr/>
-        <p:nvPr/>
-      </p:nvGrpSpPr>
-      <p:grpSpPr>
-        <a:xfrm>
-          <a:off x="0" y="0"/>
-          <a:ext cx="0" cy="0"/>
-          <a:chOff x="0" y="0"/>
-          <a:chExt cx="0" cy="0"/>
-        </a:xfrm>
-      </p:grpSpPr>
-      <p:sp>
-        <p:nvSpPr>
-          <p:cNvPr id="2" name="Title 1">
-            <a:extLst>
-              <a:ext uri="{FF2B5EF4-FFF2-40B4-BE49-F238E27FC236}">
-                <a16:creationId xmlns:a16="http://schemas.microsoft.com/office/drawing/2014/main" id="{B6C4C97C-570E-41E5-A008-5E76C9C35AA8}"/>
-              </a:ext>
-            </a:extLst>
-          </p:cNvPr>
-          <p:cNvSpPr>
-            <a:spLocks noGrp="1"/>
-          </p:cNvSpPr>
-          <p:nvPr>
-            <p:ph type="title"/>
-          </p:nvPr>
-        </p:nvSpPr>
-        <p:spPr/>
-        <p:txBody>
-          <a:bodyPr/>
-          <a:lstStyle/>
-          <a:p>
-            <a:r>
-              <a:rPr lang="en-US" dirty="0"/>
-              <a:t>React Router</a:t>
-            </a:r>
-          </a:p>
-        </p:txBody>
-      </p:sp>
-      <p:sp>
-        <p:nvSpPr>
-          <p:cNvPr id="3" name="Content Placeholder 2">
-            <a:extLst>
-              <a:ext uri="{FF2B5EF4-FFF2-40B4-BE49-F238E27FC236}">
-                <a16:creationId xmlns:a16="http://schemas.microsoft.com/office/drawing/2014/main" id="{4EE6D33A-691F-4760-BF4D-24BD78D17A3F}"/>
-              </a:ext>
-            </a:extLst>
-          </p:cNvPr>
-          <p:cNvSpPr>
-            <a:spLocks noGrp="1"/>
-          </p:cNvSpPr>
-          <p:nvPr>
-            <p:ph idx="1"/>
-          </p:nvPr>
-        </p:nvSpPr>
-        <p:spPr/>
-        <p:txBody>
-          <a:bodyPr>
-            <a:normAutofit/>
-          </a:bodyPr>
-          <a:lstStyle/>
-          <a:p>
-            <a:r>
-              <a:rPr lang="en-US" sz="2400" dirty="0"/>
-              <a:t>Used to create route map in single page application (SPA)</a:t>
-            </a:r>
-          </a:p>
-          <a:p>
-            <a:pPr lvl="1"/>
-            <a:r>
-              <a:rPr lang="en-US" sz="2000" dirty="0"/>
-              <a:t>Installed as a pair of npm packages</a:t>
-            </a:r>
-          </a:p>
-          <a:p>
-            <a:pPr lvl="2"/>
-            <a:r>
-              <a:rPr lang="en-US" sz="1400" b="1" dirty="0"/>
-              <a:t>npm install react-router @types/react-router --save-dev</a:t>
-            </a:r>
-          </a:p>
-          <a:p>
-            <a:pPr lvl="2"/>
-            <a:r>
-              <a:rPr lang="en-US" sz="1400" b="1" dirty="0"/>
-              <a:t>npm install react-router-</a:t>
-            </a:r>
-            <a:r>
-              <a:rPr lang="en-US" sz="1400" b="1" dirty="0" err="1"/>
-              <a:t>dom</a:t>
-            </a:r>
-            <a:r>
-              <a:rPr lang="en-US" sz="1400" b="1" dirty="0"/>
-              <a:t> @types/react-router-</a:t>
-            </a:r>
-            <a:r>
-              <a:rPr lang="en-US" sz="1400" b="1" dirty="0" err="1"/>
-              <a:t>dom</a:t>
-            </a:r>
-            <a:r>
-              <a:rPr lang="en-US" sz="1400" b="1" dirty="0"/>
-              <a:t> --save-dev</a:t>
-            </a:r>
-          </a:p>
-          <a:p>
-            <a:pPr lvl="1"/>
-            <a:endParaRPr lang="en-US" sz="1800" dirty="0"/>
-          </a:p>
-          <a:p>
-            <a:r>
-              <a:rPr lang="en-US" sz="2200" dirty="0"/>
-              <a:t>Router must be added in as top-level component above App</a:t>
-            </a:r>
-          </a:p>
-          <a:p>
-            <a:pPr lvl="1"/>
-            <a:endParaRPr lang="en-US" sz="1800" dirty="0"/>
-          </a:p>
-        </p:txBody>
-      </p:sp>
-      <p:pic>
-        <p:nvPicPr>
-          <p:cNvPr id="6" name="Picture 5">
-            <a:extLst>
-              <a:ext uri="{FF2B5EF4-FFF2-40B4-BE49-F238E27FC236}">
-                <a16:creationId xmlns:a16="http://schemas.microsoft.com/office/drawing/2014/main" id="{EE866712-F883-4BE9-BEAA-2C8A46FBB14B}"/>
-              </a:ext>
-            </a:extLst>
-          </p:cNvPr>
-          <p:cNvPicPr>
-            <a:picLocks noChangeAspect="1"/>
-          </p:cNvPicPr>
-          <p:nvPr/>
-        </p:nvPicPr>
-        <p:blipFill>
-          <a:blip r:embed="rId2"/>
-          <a:stretch>
-            <a:fillRect/>
-          </a:stretch>
-        </p:blipFill>
-        <p:spPr>
-          <a:xfrm>
-            <a:off x="838200" y="3689088"/>
-            <a:ext cx="4572000" cy="2864112"/>
-          </a:xfrm>
-          <a:prstGeom prst="rect">
-            <a:avLst/>
-          </a:prstGeom>
-        </p:spPr>
-      </p:pic>
-    </p:spTree>
-    <p:extLst>
-      <p:ext uri="{BB962C8B-B14F-4D97-AF65-F5344CB8AC3E}">
-        <p14:creationId xmlns:p14="http://schemas.microsoft.com/office/powerpoint/2010/main" val="951127768"/>
-      </p:ext>
-    </p:extLst>
-  </p:cSld>
-  <p:clrMapOvr>
-    <a:masterClrMapping/>
-  </p:clrMapOvr>
-</p:sld>
-</file>
-
-<file path=ppt/slides/slide43.xml><?xml version="1.0" encoding="utf-8"?>
-<p:sld xmlns:a="http://schemas.openxmlformats.org/drawingml/2006/main" xmlns:r="http://schemas.openxmlformats.org/officeDocument/2006/relationships" xmlns:p="http://schemas.openxmlformats.org/presentationml/2006/main">
-  <p:cSld>
-    <p:spTree>
-      <p:nvGrpSpPr>
-        <p:cNvPr id="1" name=""/>
-        <p:cNvGrpSpPr/>
-        <p:nvPr/>
-      </p:nvGrpSpPr>
-      <p:grpSpPr>
-        <a:xfrm>
-          <a:off x="0" y="0"/>
-          <a:ext cx="0" cy="0"/>
-          <a:chOff x="0" y="0"/>
-          <a:chExt cx="0" cy="0"/>
-        </a:xfrm>
-      </p:grpSpPr>
-      <p:sp>
-        <p:nvSpPr>
-          <p:cNvPr id="2" name="Title 1">
-            <a:extLst>
-              <a:ext uri="{FF2B5EF4-FFF2-40B4-BE49-F238E27FC236}">
-                <a16:creationId xmlns:a16="http://schemas.microsoft.com/office/drawing/2014/main" id="{B6C4C97C-570E-41E5-A008-5E76C9C35AA8}"/>
-              </a:ext>
-            </a:extLst>
-          </p:cNvPr>
-          <p:cNvSpPr>
-            <a:spLocks noGrp="1"/>
-          </p:cNvSpPr>
-          <p:nvPr>
-            <p:ph type="title"/>
-          </p:nvPr>
-        </p:nvSpPr>
-        <p:spPr/>
-        <p:txBody>
-          <a:bodyPr/>
-          <a:lstStyle/>
-          <a:p>
-            <a:r>
-              <a:rPr lang="en-US" dirty="0"/>
-              <a:t>Using React Router</a:t>
-            </a:r>
-          </a:p>
-        </p:txBody>
-      </p:sp>
-      <p:sp>
-        <p:nvSpPr>
-          <p:cNvPr id="3" name="Content Placeholder 2">
-            <a:extLst>
-              <a:ext uri="{FF2B5EF4-FFF2-40B4-BE49-F238E27FC236}">
-                <a16:creationId xmlns:a16="http://schemas.microsoft.com/office/drawing/2014/main" id="{4EE6D33A-691F-4760-BF4D-24BD78D17A3F}"/>
-              </a:ext>
-            </a:extLst>
-          </p:cNvPr>
-          <p:cNvSpPr>
-            <a:spLocks noGrp="1"/>
-          </p:cNvSpPr>
-          <p:nvPr>
-            <p:ph idx="1"/>
-          </p:nvPr>
-        </p:nvSpPr>
-        <p:spPr/>
-        <p:txBody>
-          <a:bodyPr>
-            <a:normAutofit/>
-          </a:bodyPr>
-          <a:lstStyle/>
-          <a:p>
-            <a:r>
-              <a:rPr lang="en-US" sz="2000" dirty="0"/>
-              <a:t>Import Route and Switch components</a:t>
-            </a:r>
-          </a:p>
-          <a:p>
-            <a:endParaRPr lang="en-US" sz="2000" dirty="0"/>
-          </a:p>
-          <a:p>
-            <a:endParaRPr lang="en-US" sz="2000" dirty="0"/>
-          </a:p>
-          <a:p>
-            <a:r>
-              <a:rPr lang="en-US" sz="2000" dirty="0"/>
-              <a:t>Create route map in HTML output</a:t>
-            </a:r>
-          </a:p>
-        </p:txBody>
-      </p:sp>
-      <p:pic>
-        <p:nvPicPr>
-          <p:cNvPr id="4" name="Picture 3">
-            <a:extLst>
-              <a:ext uri="{FF2B5EF4-FFF2-40B4-BE49-F238E27FC236}">
-                <a16:creationId xmlns:a16="http://schemas.microsoft.com/office/drawing/2014/main" id="{80352616-BC0D-439F-BA18-85B937E9E4AC}"/>
-              </a:ext>
-            </a:extLst>
-          </p:cNvPr>
-          <p:cNvPicPr>
-            <a:picLocks noChangeAspect="1"/>
-          </p:cNvPicPr>
-          <p:nvPr/>
-        </p:nvPicPr>
-        <p:blipFill>
-          <a:blip r:embed="rId2"/>
-          <a:stretch>
-            <a:fillRect/>
-          </a:stretch>
-        </p:blipFill>
-        <p:spPr>
-          <a:xfrm>
-            <a:off x="838200" y="1981200"/>
-            <a:ext cx="5200650" cy="571500"/>
-          </a:xfrm>
-          <a:prstGeom prst="rect">
-            <a:avLst/>
-          </a:prstGeom>
-        </p:spPr>
-      </p:pic>
-      <p:pic>
-        <p:nvPicPr>
-          <p:cNvPr id="5" name="Picture 4">
-            <a:extLst>
-              <a:ext uri="{FF2B5EF4-FFF2-40B4-BE49-F238E27FC236}">
-                <a16:creationId xmlns:a16="http://schemas.microsoft.com/office/drawing/2014/main" id="{8B4989E0-E1CB-4A96-B022-424D23466B56}"/>
-              </a:ext>
-            </a:extLst>
-          </p:cNvPr>
-          <p:cNvPicPr>
-            <a:picLocks noChangeAspect="1"/>
-          </p:cNvPicPr>
-          <p:nvPr/>
-        </p:nvPicPr>
-        <p:blipFill>
-          <a:blip r:embed="rId3"/>
-          <a:stretch>
-            <a:fillRect/>
-          </a:stretch>
-        </p:blipFill>
-        <p:spPr>
-          <a:xfrm>
-            <a:off x="838201" y="3200401"/>
-            <a:ext cx="6324600" cy="3486070"/>
-          </a:xfrm>
-          <a:prstGeom prst="rect">
-            <a:avLst/>
-          </a:prstGeom>
-        </p:spPr>
-      </p:pic>
-    </p:spTree>
-    <p:extLst>
-      <p:ext uri="{BB962C8B-B14F-4D97-AF65-F5344CB8AC3E}">
-        <p14:creationId xmlns:p14="http://schemas.microsoft.com/office/powerpoint/2010/main" val="1712723497"/>
-      </p:ext>
-    </p:extLst>
-  </p:cSld>
-  <p:clrMapOvr>
-    <a:masterClrMapping/>
-  </p:clrMapOvr>
-</p:sld>
-</file>
-
-<file path=ppt/slides/slide44.xml><?xml version="1.0" encoding="utf-8"?>
-<p:sld xmlns:a="http://schemas.openxmlformats.org/drawingml/2006/main" xmlns:r="http://schemas.openxmlformats.org/officeDocument/2006/relationships" xmlns:p="http://schemas.openxmlformats.org/presentationml/2006/main">
-  <p:cSld>
-    <p:spTree>
-      <p:nvGrpSpPr>
-        <p:cNvPr id="1" name=""/>
-        <p:cNvGrpSpPr/>
-        <p:nvPr/>
-      </p:nvGrpSpPr>
-      <p:grpSpPr>
-        <a:xfrm>
-          <a:off x="0" y="0"/>
-          <a:ext cx="0" cy="0"/>
-          <a:chOff x="0" y="0"/>
-          <a:chExt cx="0" cy="0"/>
-        </a:xfrm>
-      </p:grpSpPr>
-      <p:pic>
-        <p:nvPicPr>
-          <p:cNvPr id="5" name="Picture 4">
-            <a:extLst>
-              <a:ext uri="{FF2B5EF4-FFF2-40B4-BE49-F238E27FC236}">
-                <a16:creationId xmlns:a16="http://schemas.microsoft.com/office/drawing/2014/main" id="{C6E386F3-9491-41C5-972D-C247DC45AEE3}"/>
-              </a:ext>
-            </a:extLst>
-          </p:cNvPr>
-          <p:cNvPicPr/>
-          <p:nvPr/>
-        </p:nvPicPr>
-        <p:blipFill>
-          <a:blip r:embed="rId2" cstate="print">
-            <a:extLst>
-              <a:ext uri="{28A0092B-C50C-407E-A947-70E740481C1C}">
-                <a14:useLocalDpi xmlns:a14="http://schemas.microsoft.com/office/drawing/2010/main" val="0"/>
-              </a:ext>
-            </a:extLst>
-          </a:blip>
-          <a:srcRect/>
-          <a:stretch>
-            <a:fillRect/>
-          </a:stretch>
-        </p:blipFill>
-        <p:spPr bwMode="auto">
-          <a:xfrm>
-            <a:off x="135467" y="1130074"/>
-            <a:ext cx="3903134" cy="2285873"/>
-          </a:xfrm>
-          <a:prstGeom prst="rect">
-            <a:avLst/>
-          </a:prstGeom>
-          <a:noFill/>
-          <a:ln>
-            <a:solidFill>
-              <a:schemeClr val="tx1">
-                <a:lumMod val="65000"/>
-                <a:lumOff val="35000"/>
-              </a:schemeClr>
-            </a:solidFill>
-          </a:ln>
-        </p:spPr>
-      </p:pic>
-      <p:sp>
-        <p:nvSpPr>
-          <p:cNvPr id="2" name="Title 1">
-            <a:extLst>
-              <a:ext uri="{FF2B5EF4-FFF2-40B4-BE49-F238E27FC236}">
-                <a16:creationId xmlns:a16="http://schemas.microsoft.com/office/drawing/2014/main" id="{2F0B0384-8E80-4308-8689-C5CAC5E240B4}"/>
-              </a:ext>
-            </a:extLst>
-          </p:cNvPr>
-          <p:cNvSpPr>
-            <a:spLocks noGrp="1"/>
-          </p:cNvSpPr>
-          <p:nvPr>
-            <p:ph type="title"/>
-          </p:nvPr>
-        </p:nvSpPr>
-        <p:spPr/>
-        <p:txBody>
-          <a:bodyPr/>
-          <a:lstStyle/>
-          <a:p>
-            <a:r>
-              <a:rPr lang="en-US" dirty="0"/>
-              <a:t>Creating Route Links</a:t>
-            </a:r>
-          </a:p>
-        </p:txBody>
-      </p:sp>
-      <p:pic>
-        <p:nvPicPr>
-          <p:cNvPr id="4" name="Picture 3">
-            <a:extLst>
-              <a:ext uri="{FF2B5EF4-FFF2-40B4-BE49-F238E27FC236}">
-                <a16:creationId xmlns:a16="http://schemas.microsoft.com/office/drawing/2014/main" id="{5192503C-E948-45FD-9199-9DAAA7A2B952}"/>
-              </a:ext>
-            </a:extLst>
-          </p:cNvPr>
-          <p:cNvPicPr>
-            <a:picLocks noChangeAspect="1"/>
-          </p:cNvPicPr>
-          <p:nvPr/>
-        </p:nvPicPr>
-        <p:blipFill>
-          <a:blip r:embed="rId3"/>
-          <a:stretch>
-            <a:fillRect/>
-          </a:stretch>
-        </p:blipFill>
-        <p:spPr>
-          <a:xfrm>
-            <a:off x="1921935" y="3046638"/>
-            <a:ext cx="7010400" cy="3588505"/>
-          </a:xfrm>
-          <a:prstGeom prst="rect">
-            <a:avLst/>
-          </a:prstGeom>
-        </p:spPr>
-      </p:pic>
-      <p:sp>
-        <p:nvSpPr>
-          <p:cNvPr id="6" name="Rectangle 5">
-            <a:extLst>
-              <a:ext uri="{FF2B5EF4-FFF2-40B4-BE49-F238E27FC236}">
-                <a16:creationId xmlns:a16="http://schemas.microsoft.com/office/drawing/2014/main" id="{7D7BCCE2-35F8-4277-BE5C-325BCCB49B3D}"/>
-              </a:ext>
-            </a:extLst>
-          </p:cNvPr>
-          <p:cNvSpPr/>
-          <p:nvPr/>
-        </p:nvSpPr>
-        <p:spPr>
-          <a:xfrm>
-            <a:off x="2074335" y="3351438"/>
-            <a:ext cx="3581400" cy="304800"/>
-          </a:xfrm>
-          <a:prstGeom prst="rect">
-            <a:avLst/>
-          </a:prstGeom>
-          <a:noFill/>
-          <a:ln w="28575">
-            <a:solidFill>
-              <a:srgbClr val="FF0000"/>
-            </a:solidFill>
-            <a:prstDash val="sysDot"/>
-          </a:ln>
-        </p:spPr>
-        <p:style>
-          <a:lnRef idx="2">
-            <a:schemeClr val="accent1">
-              <a:shade val="50000"/>
-            </a:schemeClr>
-          </a:lnRef>
-          <a:fillRef idx="1">
-            <a:schemeClr val="accent1"/>
-          </a:fillRef>
-          <a:effectRef idx="0">
-            <a:schemeClr val="accent1"/>
-          </a:effectRef>
-          <a:fontRef idx="minor">
-            <a:schemeClr val="lt1"/>
-          </a:fontRef>
-        </p:style>
-        <p:txBody>
-          <a:bodyPr rtlCol="0" anchor="ctr"/>
-          <a:lstStyle/>
-          <a:p>
-            <a:pPr algn="ctr"/>
-            <a:endParaRPr lang="en-US"/>
-          </a:p>
-        </p:txBody>
-      </p:sp>
-      <p:sp>
-        <p:nvSpPr>
-          <p:cNvPr id="7" name="Rectangle 6">
-            <a:extLst>
-              <a:ext uri="{FF2B5EF4-FFF2-40B4-BE49-F238E27FC236}">
-                <a16:creationId xmlns:a16="http://schemas.microsoft.com/office/drawing/2014/main" id="{BD848E98-5AD6-4C5F-8170-98E22BFF1708}"/>
-              </a:ext>
-            </a:extLst>
-          </p:cNvPr>
-          <p:cNvSpPr/>
-          <p:nvPr/>
-        </p:nvSpPr>
-        <p:spPr>
-          <a:xfrm>
-            <a:off x="3064935" y="5246913"/>
-            <a:ext cx="5562600" cy="485776"/>
-          </a:xfrm>
-          <a:prstGeom prst="rect">
-            <a:avLst/>
-          </a:prstGeom>
-          <a:noFill/>
-          <a:ln w="28575">
-            <a:solidFill>
-              <a:srgbClr val="FF0000"/>
-            </a:solidFill>
-            <a:prstDash val="sysDot"/>
-          </a:ln>
-        </p:spPr>
-        <p:style>
-          <a:lnRef idx="2">
-            <a:schemeClr val="accent1">
-              <a:shade val="50000"/>
-            </a:schemeClr>
-          </a:lnRef>
-          <a:fillRef idx="1">
-            <a:schemeClr val="accent1"/>
-          </a:fillRef>
-          <a:effectRef idx="0">
-            <a:schemeClr val="accent1"/>
-          </a:effectRef>
-          <a:fontRef idx="minor">
-            <a:schemeClr val="lt1"/>
-          </a:fontRef>
-        </p:style>
-        <p:txBody>
-          <a:bodyPr rtlCol="0" anchor="ctr"/>
-          <a:lstStyle/>
-          <a:p>
-            <a:pPr algn="ctr"/>
-            <a:endParaRPr lang="en-US"/>
-          </a:p>
-        </p:txBody>
-      </p:sp>
-      <p:sp>
-        <p:nvSpPr>
-          <p:cNvPr id="8" name="Rectangle 7">
-            <a:extLst>
-              <a:ext uri="{FF2B5EF4-FFF2-40B4-BE49-F238E27FC236}">
-                <a16:creationId xmlns:a16="http://schemas.microsoft.com/office/drawing/2014/main" id="{6D3FC7EF-A1F1-4D75-BC94-873015680B30}"/>
-              </a:ext>
-            </a:extLst>
-          </p:cNvPr>
-          <p:cNvSpPr/>
-          <p:nvPr/>
-        </p:nvSpPr>
-        <p:spPr>
-          <a:xfrm>
-            <a:off x="3036360" y="6004150"/>
-            <a:ext cx="5805488" cy="485776"/>
-          </a:xfrm>
-          <a:prstGeom prst="rect">
-            <a:avLst/>
-          </a:prstGeom>
-          <a:noFill/>
-          <a:ln w="28575">
-            <a:solidFill>
-              <a:srgbClr val="FF0000"/>
-            </a:solidFill>
-            <a:prstDash val="sysDot"/>
-          </a:ln>
-        </p:spPr>
-        <p:style>
-          <a:lnRef idx="2">
-            <a:schemeClr val="accent1">
-              <a:shade val="50000"/>
-            </a:schemeClr>
-          </a:lnRef>
-          <a:fillRef idx="1">
-            <a:schemeClr val="accent1"/>
-          </a:fillRef>
-          <a:effectRef idx="0">
-            <a:schemeClr val="accent1"/>
-          </a:effectRef>
-          <a:fontRef idx="minor">
-            <a:schemeClr val="lt1"/>
-          </a:fontRef>
-        </p:style>
-        <p:txBody>
-          <a:bodyPr rtlCol="0" anchor="ctr"/>
-          <a:lstStyle/>
-          <a:p>
-            <a:pPr algn="ctr"/>
-            <a:endParaRPr lang="en-US"/>
-          </a:p>
-        </p:txBody>
-      </p:sp>
-    </p:spTree>
-    <p:extLst>
-      <p:ext uri="{BB962C8B-B14F-4D97-AF65-F5344CB8AC3E}">
-        <p14:creationId xmlns:p14="http://schemas.microsoft.com/office/powerpoint/2010/main" val="3667989627"/>
-      </p:ext>
-    </p:extLst>
-  </p:cSld>
-  <p:clrMapOvr>
-    <a:masterClrMapping/>
-  </p:clrMapOvr>
-</p:sld>
-</file>
-
-<file path=ppt/slides/slide45.xml><?xml version="1.0" encoding="utf-8"?>
-<p:sld xmlns:a="http://schemas.openxmlformats.org/drawingml/2006/main" xmlns:r="http://schemas.openxmlformats.org/officeDocument/2006/relationships" xmlns:p="http://schemas.openxmlformats.org/presentationml/2006/main">
-  <p:cSld>
-    <p:spTree>
-      <p:nvGrpSpPr>
-        <p:cNvPr id="1" name=""/>
-        <p:cNvGrpSpPr/>
-        <p:nvPr/>
-      </p:nvGrpSpPr>
-      <p:grpSpPr>
-        <a:xfrm>
-          <a:off x="0" y="0"/>
-          <a:ext cx="0" cy="0"/>
-          <a:chOff x="0" y="0"/>
-          <a:chExt cx="0" cy="0"/>
-        </a:xfrm>
-      </p:grpSpPr>
-      <p:sp>
-        <p:nvSpPr>
-          <p:cNvPr id="2" name="Title 1"/>
-          <p:cNvSpPr>
-            <a:spLocks noGrp="1"/>
-          </p:cNvSpPr>
-          <p:nvPr>
-            <p:ph type="title"/>
-          </p:nvPr>
-        </p:nvSpPr>
-        <p:spPr/>
-        <p:txBody>
-          <a:bodyPr/>
-          <a:lstStyle/>
-          <a:p>
-            <a:r>
-              <a:rPr lang="en-US"/>
-              <a:t>Component Lifecycle</a:t>
-            </a:r>
-            <a:endParaRPr lang="en-US" dirty="0"/>
-          </a:p>
-        </p:txBody>
-      </p:sp>
-      <p:sp>
-        <p:nvSpPr>
-          <p:cNvPr id="3" name="Content Placeholder 2"/>
-          <p:cNvSpPr>
-            <a:spLocks noGrp="1"/>
-          </p:cNvSpPr>
-          <p:nvPr>
-            <p:ph idx="1"/>
-          </p:nvPr>
-        </p:nvSpPr>
-        <p:spPr/>
-        <p:txBody>
-          <a:bodyPr>
-            <a:normAutofit/>
-          </a:bodyPr>
-          <a:lstStyle/>
-          <a:p>
-            <a:r>
-              <a:rPr lang="en-US" sz="2000" dirty="0" err="1"/>
-              <a:t>componentWillUpdate</a:t>
-            </a:r>
-            <a:endParaRPr lang="en-US" sz="2000" dirty="0"/>
-          </a:p>
-          <a:p>
-            <a:pPr lvl="1"/>
-            <a:r>
-              <a:rPr lang="en-US" sz="1800" dirty="0"/>
-              <a:t>executed before component is rendered</a:t>
-            </a:r>
-          </a:p>
-          <a:p>
-            <a:r>
-              <a:rPr lang="en-US" sz="2000" dirty="0" err="1"/>
-              <a:t>componentDidUpdate</a:t>
-            </a:r>
-            <a:endParaRPr lang="en-US" sz="2000" dirty="0"/>
-          </a:p>
-          <a:p>
-            <a:pPr lvl="1"/>
-            <a:r>
-              <a:rPr lang="en-US" sz="1800" dirty="0"/>
-              <a:t>executed after component is rendered</a:t>
-            </a:r>
-          </a:p>
-          <a:p>
-            <a:r>
-              <a:rPr lang="en-US" sz="2000" dirty="0" err="1"/>
-              <a:t>componentWillMount</a:t>
-            </a:r>
-            <a:endParaRPr lang="en-US" sz="2000" dirty="0"/>
-          </a:p>
-          <a:p>
-            <a:pPr lvl="1"/>
-            <a:r>
-              <a:rPr lang="en-US" sz="1800" dirty="0"/>
-              <a:t>executed before node is added to the DOM</a:t>
-            </a:r>
-          </a:p>
-          <a:p>
-            <a:r>
-              <a:rPr lang="en-US" sz="2000" dirty="0" err="1"/>
-              <a:t>componentDidMount</a:t>
-            </a:r>
-            <a:endParaRPr lang="en-US" sz="2000" dirty="0"/>
-          </a:p>
-          <a:p>
-            <a:pPr lvl="1"/>
-            <a:r>
-              <a:rPr lang="en-US" sz="1800" dirty="0"/>
-              <a:t>executed after node is added to the DOM</a:t>
-            </a:r>
-          </a:p>
-          <a:p>
-            <a:r>
-              <a:rPr lang="en-US" sz="2000" dirty="0" err="1"/>
-              <a:t>componentWillUnmount</a:t>
-            </a:r>
-            <a:endParaRPr lang="en-US" sz="2000" dirty="0"/>
-          </a:p>
-          <a:p>
-            <a:pPr lvl="1"/>
-            <a:r>
-              <a:rPr lang="en-US" sz="1800" dirty="0"/>
-              <a:t>executed before node is removed from the DOM</a:t>
-            </a:r>
-          </a:p>
-          <a:p>
-            <a:r>
-              <a:rPr lang="en-US" sz="2000" dirty="0" err="1"/>
-              <a:t>shouldComponentUpdate</a:t>
-            </a:r>
-            <a:r>
-              <a:rPr lang="en-US" sz="2000" dirty="0"/>
-              <a:t>(</a:t>
-            </a:r>
-            <a:r>
-              <a:rPr lang="en-US" sz="2000" dirty="0" err="1"/>
-              <a:t>newProps</a:t>
-            </a:r>
-            <a:r>
-              <a:rPr lang="en-US" sz="2000" dirty="0"/>
-              <a:t>, </a:t>
-            </a:r>
-            <a:r>
-              <a:rPr lang="en-US" sz="2000" dirty="0" err="1"/>
-              <a:t>newState</a:t>
-            </a:r>
-            <a:r>
-              <a:rPr lang="en-US" sz="2000" dirty="0"/>
-              <a:t>)</a:t>
-            </a:r>
-          </a:p>
-          <a:p>
-            <a:pPr lvl="1"/>
-            <a:r>
-              <a:rPr lang="en-US" sz="1800" dirty="0"/>
-              <a:t>executed before component is updated</a:t>
-            </a:r>
-          </a:p>
-        </p:txBody>
-      </p:sp>
-    </p:spTree>
-    <p:extLst>
-      <p:ext uri="{BB962C8B-B14F-4D97-AF65-F5344CB8AC3E}">
-        <p14:creationId xmlns:p14="http://schemas.microsoft.com/office/powerpoint/2010/main" val="4131638449"/>
-      </p:ext>
-    </p:extLst>
-  </p:cSld>
-  <p:clrMapOvr>
-    <a:masterClrMapping/>
-  </p:clrMapOvr>
-</p:sld>
-</file>
-
-<file path=ppt/slides/slide46.xml><?xml version="1.0" encoding="utf-8"?>
-<p:sld xmlns:a="http://schemas.openxmlformats.org/drawingml/2006/main" xmlns:r="http://schemas.openxmlformats.org/officeDocument/2006/relationships" xmlns:p="http://schemas.openxmlformats.org/presentationml/2006/main">
-  <p:cSld>
-    <p:spTree>
-      <p:nvGrpSpPr>
-        <p:cNvPr id="1" name=""/>
-        <p:cNvGrpSpPr/>
-        <p:nvPr/>
-      </p:nvGrpSpPr>
-      <p:grpSpPr>
-        <a:xfrm>
-          <a:off x="0" y="0"/>
-          <a:ext cx="0" cy="0"/>
-          <a:chOff x="0" y="0"/>
-          <a:chExt cx="0" cy="0"/>
-        </a:xfrm>
-      </p:grpSpPr>
-      <p:sp>
-        <p:nvSpPr>
-          <p:cNvPr id="2" name="Title 1">
-            <a:extLst>
-              <a:ext uri="{FF2B5EF4-FFF2-40B4-BE49-F238E27FC236}">
-                <a16:creationId xmlns:a16="http://schemas.microsoft.com/office/drawing/2014/main" id="{B885D460-23C5-4479-800C-6A7AC0149C5B}"/>
-              </a:ext>
-            </a:extLst>
-          </p:cNvPr>
-          <p:cNvSpPr>
-            <a:spLocks noGrp="1"/>
-          </p:cNvSpPr>
-          <p:nvPr>
-            <p:ph type="title"/>
-          </p:nvPr>
-        </p:nvSpPr>
-        <p:spPr/>
-        <p:txBody>
-          <a:bodyPr/>
-          <a:lstStyle/>
-          <a:p>
-            <a:r>
-              <a:rPr lang="en-US" dirty="0"/>
-              <a:t>Calling a Web Service using the Fetch API</a:t>
-            </a:r>
-          </a:p>
-        </p:txBody>
-      </p:sp>
-      <p:pic>
-        <p:nvPicPr>
-          <p:cNvPr id="3" name="Picture 2">
-            <a:extLst>
-              <a:ext uri="{FF2B5EF4-FFF2-40B4-BE49-F238E27FC236}">
-                <a16:creationId xmlns:a16="http://schemas.microsoft.com/office/drawing/2014/main" id="{B8E09573-E2CB-485F-AD8E-EC398BE55073}"/>
-              </a:ext>
-            </a:extLst>
-          </p:cNvPr>
-          <p:cNvPicPr>
-            <a:picLocks noChangeAspect="1"/>
-          </p:cNvPicPr>
-          <p:nvPr/>
-        </p:nvPicPr>
-        <p:blipFill>
-          <a:blip r:embed="rId2"/>
-          <a:stretch>
-            <a:fillRect/>
-          </a:stretch>
-        </p:blipFill>
-        <p:spPr>
-          <a:xfrm>
-            <a:off x="304800" y="1270660"/>
-            <a:ext cx="8153400" cy="2660036"/>
-          </a:xfrm>
-          <a:prstGeom prst="rect">
-            <a:avLst/>
-          </a:prstGeom>
-        </p:spPr>
-      </p:pic>
-      <p:pic>
-        <p:nvPicPr>
-          <p:cNvPr id="5" name="Picture 4">
-            <a:extLst>
-              <a:ext uri="{FF2B5EF4-FFF2-40B4-BE49-F238E27FC236}">
-                <a16:creationId xmlns:a16="http://schemas.microsoft.com/office/drawing/2014/main" id="{553E71C8-0976-4751-8C6F-D46A7A82757A}"/>
-              </a:ext>
-            </a:extLst>
-          </p:cNvPr>
-          <p:cNvPicPr>
-            <a:picLocks noChangeAspect="1"/>
-          </p:cNvPicPr>
-          <p:nvPr/>
-        </p:nvPicPr>
-        <p:blipFill>
-          <a:blip r:embed="rId3"/>
-          <a:stretch>
-            <a:fillRect/>
-          </a:stretch>
-        </p:blipFill>
-        <p:spPr>
-          <a:xfrm>
-            <a:off x="304800" y="4246892"/>
-            <a:ext cx="8153400" cy="1957516"/>
-          </a:xfrm>
-          <a:prstGeom prst="rect">
-            <a:avLst/>
-          </a:prstGeom>
-        </p:spPr>
-      </p:pic>
-    </p:spTree>
-    <p:extLst>
-      <p:ext uri="{BB962C8B-B14F-4D97-AF65-F5344CB8AC3E}">
-        <p14:creationId xmlns:p14="http://schemas.microsoft.com/office/powerpoint/2010/main" val="3766093505"/>
-      </p:ext>
-    </p:extLst>
-  </p:cSld>
-  <p:clrMapOvr>
-    <a:masterClrMapping/>
-  </p:clrMapOvr>
-</p:sld>
-</file>
-
-<file path=ppt/slides/slide47.xml><?xml version="1.0" encoding="utf-8"?>
-<p:sld xmlns:a="http://schemas.openxmlformats.org/drawingml/2006/main" xmlns:r="http://schemas.openxmlformats.org/officeDocument/2006/relationships" xmlns:p="http://schemas.openxmlformats.org/presentationml/2006/main">
-  <p:cSld>
-    <p:spTree>
-      <p:nvGrpSpPr>
-        <p:cNvPr id="1" name=""/>
-        <p:cNvGrpSpPr/>
-        <p:nvPr/>
-      </p:nvGrpSpPr>
-      <p:grpSpPr>
-        <a:xfrm>
-          <a:off x="0" y="0"/>
-          <a:ext cx="0" cy="0"/>
-          <a:chOff x="0" y="0"/>
-          <a:chExt cx="0" cy="0"/>
-        </a:xfrm>
-      </p:grpSpPr>
-      <p:sp>
-        <p:nvSpPr>
-          <p:cNvPr id="2" name="Title 1"/>
-          <p:cNvSpPr>
-            <a:spLocks noGrp="1"/>
-          </p:cNvSpPr>
-          <p:nvPr>
-            <p:ph type="title"/>
-          </p:nvPr>
-        </p:nvSpPr>
-        <p:spPr/>
-        <p:txBody>
-          <a:bodyPr/>
-          <a:lstStyle/>
-          <a:p>
-            <a:r>
-              <a:rPr lang="en-US"/>
-              <a:t>Agenda</a:t>
-            </a:r>
-            <a:endParaRPr lang="en-US" dirty="0"/>
-          </a:p>
-        </p:txBody>
-      </p:sp>
-      <p:sp>
-        <p:nvSpPr>
-          <p:cNvPr id="3" name="Content Placeholder 2"/>
-          <p:cNvSpPr>
-            <a:spLocks noGrp="1"/>
-          </p:cNvSpPr>
-          <p:nvPr>
-            <p:ph idx="1"/>
-          </p:nvPr>
-        </p:nvSpPr>
-        <p:spPr/>
-        <p:txBody>
-          <a:bodyPr>
-            <a:normAutofit/>
-          </a:bodyPr>
-          <a:lstStyle/>
-          <a:p>
-            <a:pPr lvl="0">
-              <a:buFont typeface="Wingdings" panose="05000000000000000000" pitchFamily="2" charset="2"/>
-              <a:buChar char="ü"/>
-            </a:pPr>
-            <a:r>
-              <a:rPr lang="en-US" sz="2400" dirty="0"/>
-              <a:t>Introduction to Node.JS and NPM</a:t>
-            </a:r>
-          </a:p>
-          <a:p>
-            <a:pPr lvl="0">
-              <a:buFont typeface="Wingdings" panose="05000000000000000000" pitchFamily="2" charset="2"/>
-              <a:buChar char="ü"/>
-            </a:pPr>
-            <a:r>
-              <a:rPr lang="en-US" sz="2400" dirty="0"/>
-              <a:t>Automating Build Tasks using Gulp</a:t>
-            </a:r>
-          </a:p>
-          <a:p>
-            <a:pPr lvl="0">
-              <a:buFont typeface="Wingdings" panose="05000000000000000000" pitchFamily="2" charset="2"/>
-              <a:buChar char="ü"/>
-            </a:pPr>
-            <a:r>
-              <a:rPr lang="en-US" sz="2400" dirty="0"/>
-              <a:t>Bundling Project Assets using Webpack</a:t>
-            </a:r>
-          </a:p>
-          <a:p>
-            <a:pPr lvl="0">
-              <a:buFont typeface="Wingdings" panose="05000000000000000000" pitchFamily="2" charset="2"/>
-              <a:buChar char="ü"/>
-            </a:pPr>
-            <a:r>
-              <a:rPr lang="en-US" sz="2400" dirty="0"/>
-              <a:t>Developing with React.js, TypeScript and Webpack</a:t>
-            </a:r>
-          </a:p>
-          <a:p>
-            <a:pPr lvl="0">
-              <a:buFont typeface="Wingdings" panose="05000000000000000000" pitchFamily="2" charset="2"/>
-              <a:buChar char="Ø"/>
-            </a:pPr>
-            <a:r>
-              <a:rPr lang="en-US" sz="2400" dirty="0"/>
-              <a:t>Developing with SharePoint Framework</a:t>
-            </a:r>
-          </a:p>
-          <a:p>
-            <a:pPr lvl="0"/>
-            <a:r>
-              <a:rPr lang="en-US" sz="2400" dirty="0"/>
-              <a:t>Developing Custom Visuals for Power BI</a:t>
-            </a:r>
-          </a:p>
-        </p:txBody>
-      </p:sp>
-    </p:spTree>
-    <p:extLst>
-      <p:ext uri="{BB962C8B-B14F-4D97-AF65-F5344CB8AC3E}">
-        <p14:creationId xmlns:p14="http://schemas.microsoft.com/office/powerpoint/2010/main" val="167443082"/>
-      </p:ext>
-    </p:extLst>
-  </p:cSld>
-  <p:clrMapOvr>
-    <a:masterClrMapping/>
-  </p:clrMapOvr>
-</p:sld>
-</file>
-
-<file path=ppt/slides/slide48.xml><?xml version="1.0" encoding="utf-8"?>
+<file path=ppt/slides/slide50.xml><?xml version="1.0" encoding="utf-8"?>
 <p:sld xmlns:a="http://schemas.openxmlformats.org/drawingml/2006/main" xmlns:r="http://schemas.openxmlformats.org/officeDocument/2006/relationships" xmlns:p="http://schemas.openxmlformats.org/presentationml/2006/main">
   <p:cSld>
     <p:spTree>
@@ -10693,7 +11324,7 @@
 </p:sld>
 </file>
 
-<file path=ppt/slides/slide49.xml><?xml version="1.0" encoding="utf-8"?>
+<file path=ppt/slides/slide51.xml><?xml version="1.0" encoding="utf-8"?>
 <p:sld xmlns:a="http://schemas.openxmlformats.org/drawingml/2006/main" xmlns:r="http://schemas.openxmlformats.org/officeDocument/2006/relationships" xmlns:p="http://schemas.openxmlformats.org/presentationml/2006/main">
   <p:cSld>
     <p:spTree>
@@ -11238,177 +11869,7 @@
 </p:sld>
 </file>
 
-<file path=ppt/slides/slide5.xml><?xml version="1.0" encoding="utf-8"?>
-<p:sld xmlns:a="http://schemas.openxmlformats.org/drawingml/2006/main" xmlns:r="http://schemas.openxmlformats.org/officeDocument/2006/relationships" xmlns:p="http://schemas.openxmlformats.org/presentationml/2006/main">
-  <p:cSld>
-    <p:spTree>
-      <p:nvGrpSpPr>
-        <p:cNvPr id="1" name=""/>
-        <p:cNvGrpSpPr/>
-        <p:nvPr/>
-      </p:nvGrpSpPr>
-      <p:grpSpPr>
-        <a:xfrm>
-          <a:off x="0" y="0"/>
-          <a:ext cx="0" cy="0"/>
-          <a:chOff x="0" y="0"/>
-          <a:chExt cx="0" cy="0"/>
-        </a:xfrm>
-      </p:grpSpPr>
-      <p:sp>
-        <p:nvSpPr>
-          <p:cNvPr id="2" name="Title 1"/>
-          <p:cNvSpPr>
-            <a:spLocks noGrp="1"/>
-          </p:cNvSpPr>
-          <p:nvPr>
-            <p:ph type="title"/>
-          </p:nvPr>
-        </p:nvSpPr>
-        <p:spPr/>
-        <p:txBody>
-          <a:bodyPr/>
-          <a:lstStyle/>
-          <a:p>
-            <a:r>
-              <a:rPr lang="en-US" dirty="0"/>
-              <a:t>Developing with Visual Studio Code</a:t>
-            </a:r>
-          </a:p>
-        </p:txBody>
-      </p:sp>
-      <p:sp>
-        <p:nvSpPr>
-          <p:cNvPr id="4" name="Content Placeholder 3">
-            <a:extLst>
-              <a:ext uri="{FF2B5EF4-FFF2-40B4-BE49-F238E27FC236}">
-                <a16:creationId xmlns:a16="http://schemas.microsoft.com/office/drawing/2014/main" id="{6E601F13-AAB5-4CA0-BC1D-4ABDBA204B40}"/>
-              </a:ext>
-            </a:extLst>
-          </p:cNvPr>
-          <p:cNvSpPr>
-            <a:spLocks noGrp="1"/>
-          </p:cNvSpPr>
-          <p:nvPr>
-            <p:ph idx="1"/>
-          </p:nvPr>
-        </p:nvSpPr>
-        <p:spPr/>
-        <p:txBody>
-          <a:bodyPr>
-            <a:normAutofit/>
-          </a:bodyPr>
-          <a:lstStyle/>
-          <a:p>
-            <a:r>
-              <a:rPr lang="en-US" sz="2400" dirty="0"/>
-              <a:t>Node.js is agnostic when it comes to developer IDE</a:t>
-            </a:r>
-          </a:p>
-          <a:p>
-            <a:pPr lvl="1"/>
-            <a:r>
-              <a:rPr lang="en-US" sz="2000" dirty="0"/>
-              <a:t>There are many different IDEs that people use with Node.js</a:t>
-            </a:r>
-          </a:p>
-          <a:p>
-            <a:pPr lvl="1"/>
-            <a:r>
-              <a:rPr lang="en-US" sz="2000" dirty="0"/>
-              <a:t>This course will be using Visual Studio Code</a:t>
-            </a:r>
-          </a:p>
-          <a:p>
-            <a:pPr lvl="1"/>
-            <a:endParaRPr lang="en-US" sz="2000" dirty="0"/>
-          </a:p>
-          <a:p>
-            <a:pPr lvl="1"/>
-            <a:endParaRPr lang="en-US" sz="2000" dirty="0"/>
-          </a:p>
-          <a:p>
-            <a:pPr lvl="1"/>
-            <a:endParaRPr lang="en-US" sz="2000" dirty="0"/>
-          </a:p>
-          <a:p>
-            <a:pPr lvl="1"/>
-            <a:endParaRPr lang="en-US" sz="2000" dirty="0"/>
-          </a:p>
-          <a:p>
-            <a:pPr lvl="1"/>
-            <a:endParaRPr lang="en-US" sz="2000" dirty="0"/>
-          </a:p>
-          <a:p>
-            <a:pPr lvl="1"/>
-            <a:endParaRPr lang="en-US" sz="2000" dirty="0"/>
-          </a:p>
-          <a:p>
-            <a:pPr lvl="1"/>
-            <a:endParaRPr lang="en-US" sz="2000" dirty="0"/>
-          </a:p>
-          <a:p>
-            <a:r>
-              <a:rPr lang="en-US" sz="2400" dirty="0"/>
-              <a:t>Visual Studio is not a good fit for Node.js development</a:t>
-            </a:r>
-          </a:p>
-          <a:p>
-            <a:pPr lvl="1"/>
-            <a:r>
-              <a:rPr lang="en-US" sz="2000" dirty="0"/>
-              <a:t>Visual Studio solution &amp; project files incompatible with Node.js</a:t>
-            </a:r>
-          </a:p>
-        </p:txBody>
-      </p:sp>
-      <p:pic>
-        <p:nvPicPr>
-          <p:cNvPr id="3" name="Picture 2"/>
-          <p:cNvPicPr/>
-          <p:nvPr/>
-        </p:nvPicPr>
-        <p:blipFill>
-          <a:blip r:embed="rId2" cstate="print">
-            <a:extLst>
-              <a:ext uri="{28A0092B-C50C-407E-A947-70E740481C1C}">
-                <a14:useLocalDpi xmlns:a14="http://schemas.microsoft.com/office/drawing/2010/main" val="0"/>
-              </a:ext>
-            </a:extLst>
-          </a:blip>
-          <a:srcRect/>
-          <a:stretch>
-            <a:fillRect/>
-          </a:stretch>
-        </p:blipFill>
-        <p:spPr bwMode="auto">
-          <a:xfrm>
-            <a:off x="838200" y="2819400"/>
-            <a:ext cx="7772400" cy="2286000"/>
-          </a:xfrm>
-          <a:prstGeom prst="rect">
-            <a:avLst/>
-          </a:prstGeom>
-          <a:noFill/>
-          <a:ln>
-            <a:noFill/>
-          </a:ln>
-        </p:spPr>
-      </p:pic>
-    </p:spTree>
-    <p:extLst>
-      <p:ext uri="{BB962C8B-B14F-4D97-AF65-F5344CB8AC3E}">
-        <p14:creationId xmlns:p14="http://schemas.microsoft.com/office/powerpoint/2010/main" val="4289402282"/>
-      </p:ext>
-    </p:extLst>
-  </p:cSld>
-  <p:clrMapOvr>
-    <a:masterClrMapping/>
-  </p:clrMapOvr>
-</p:sld>
-</file>
-
-<file path=ppt/slides/slide50.xml><?xml version="1.0" encoding="utf-8"?>
+<file path=ppt/slides/slide52.xml><?xml version="1.0" encoding="utf-8"?>
 <p:sld xmlns:a="http://schemas.openxmlformats.org/drawingml/2006/main" xmlns:r="http://schemas.openxmlformats.org/officeDocument/2006/relationships" xmlns:p="http://schemas.openxmlformats.org/presentationml/2006/main">
   <p:cSld>
     <p:spTree>
@@ -11726,7 +12187,7 @@
 </p:sld>
 </file>
 
-<file path=ppt/slides/slide51.xml><?xml version="1.0" encoding="utf-8"?>
+<file path=ppt/slides/slide53.xml><?xml version="1.0" encoding="utf-8"?>
 <p:sld xmlns:a="http://schemas.openxmlformats.org/drawingml/2006/main" xmlns:r="http://schemas.openxmlformats.org/officeDocument/2006/relationships" xmlns:p="http://schemas.openxmlformats.org/presentationml/2006/main">
   <p:cSld>
     <p:spTree>
@@ -11853,7 +12314,7 @@
 </p:sld>
 </file>
 
-<file path=ppt/slides/slide52.xml><?xml version="1.0" encoding="utf-8"?>
+<file path=ppt/slides/slide54.xml><?xml version="1.0" encoding="utf-8"?>
 <p:sld xmlns:a="http://schemas.openxmlformats.org/drawingml/2006/main" xmlns:r="http://schemas.openxmlformats.org/officeDocument/2006/relationships" xmlns:p="http://schemas.openxmlformats.org/presentationml/2006/main">
   <p:cSld>
     <p:spTree>
@@ -11979,7 +12440,7 @@
 </p:sld>
 </file>
 
-<file path=ppt/slides/slide53.xml><?xml version="1.0" encoding="utf-8"?>
+<file path=ppt/slides/slide55.xml><?xml version="1.0" encoding="utf-8"?>
 <p:sld xmlns:a="http://schemas.openxmlformats.org/drawingml/2006/main" xmlns:r="http://schemas.openxmlformats.org/officeDocument/2006/relationships" xmlns:p="http://schemas.openxmlformats.org/presentationml/2006/main">
   <p:cSld>
     <p:spTree>
@@ -12211,7 +12672,7 @@
 </p:sld>
 </file>
 
-<file path=ppt/slides/slide54.xml><?xml version="1.0" encoding="utf-8"?>
+<file path=ppt/slides/slide56.xml><?xml version="1.0" encoding="utf-8"?>
 <p:sld xmlns:a="http://schemas.openxmlformats.org/drawingml/2006/main" xmlns:r="http://schemas.openxmlformats.org/officeDocument/2006/relationships" xmlns:p="http://schemas.openxmlformats.org/presentationml/2006/main">
   <p:cSld>
     <p:spTree>
@@ -12342,7 +12803,7 @@
 </p:sld>
 </file>
 
-<file path=ppt/slides/slide55.xml><?xml version="1.0" encoding="utf-8"?>
+<file path=ppt/slides/slide57.xml><?xml version="1.0" encoding="utf-8"?>
 <p:sld xmlns:a="http://schemas.openxmlformats.org/drawingml/2006/main" xmlns:r="http://schemas.openxmlformats.org/officeDocument/2006/relationships" xmlns:p="http://schemas.openxmlformats.org/presentationml/2006/main">
   <p:cSld>
     <p:spTree>
@@ -12465,7 +12926,7 @@
 </p:sld>
 </file>
 
-<file path=ppt/slides/slide56.xml><?xml version="1.0" encoding="utf-8"?>
+<file path=ppt/slides/slide58.xml><?xml version="1.0" encoding="utf-8"?>
 <p:sld xmlns:a="http://schemas.openxmlformats.org/drawingml/2006/main" xmlns:r="http://schemas.openxmlformats.org/officeDocument/2006/relationships" xmlns:p="http://schemas.openxmlformats.org/presentationml/2006/main">
   <p:cSld>
     <p:spTree>
@@ -12636,7 +13097,7 @@
 </p:sld>
 </file>
 
-<file path=ppt/slides/slide57.xml><?xml version="1.0" encoding="utf-8"?>
+<file path=ppt/slides/slide59.xml><?xml version="1.0" encoding="utf-8"?>
 <p:sld xmlns:a="http://schemas.openxmlformats.org/drawingml/2006/main" xmlns:r="http://schemas.openxmlformats.org/officeDocument/2006/relationships" xmlns:p="http://schemas.openxmlformats.org/presentationml/2006/main">
   <p:cSld>
     <p:spTree>
@@ -12978,7 +13439,177 @@
 </p:sld>
 </file>
 
-<file path=ppt/slides/slide58.xml><?xml version="1.0" encoding="utf-8"?>
+<file path=ppt/slides/slide6.xml><?xml version="1.0" encoding="utf-8"?>
+<p:sld xmlns:a="http://schemas.openxmlformats.org/drawingml/2006/main" xmlns:r="http://schemas.openxmlformats.org/officeDocument/2006/relationships" xmlns:p="http://schemas.openxmlformats.org/presentationml/2006/main">
+  <p:cSld>
+    <p:spTree>
+      <p:nvGrpSpPr>
+        <p:cNvPr id="1" name=""/>
+        <p:cNvGrpSpPr/>
+        <p:nvPr/>
+      </p:nvGrpSpPr>
+      <p:grpSpPr>
+        <a:xfrm>
+          <a:off x="0" y="0"/>
+          <a:ext cx="0" cy="0"/>
+          <a:chOff x="0" y="0"/>
+          <a:chExt cx="0" cy="0"/>
+        </a:xfrm>
+      </p:grpSpPr>
+      <p:sp>
+        <p:nvSpPr>
+          <p:cNvPr id="2" name="Title 1"/>
+          <p:cNvSpPr>
+            <a:spLocks noGrp="1"/>
+          </p:cNvSpPr>
+          <p:nvPr>
+            <p:ph type="title"/>
+          </p:nvPr>
+        </p:nvSpPr>
+        <p:spPr/>
+        <p:txBody>
+          <a:bodyPr/>
+          <a:lstStyle/>
+          <a:p>
+            <a:r>
+              <a:rPr lang="en-US" dirty="0"/>
+              <a:t>Developing with Visual Studio Code</a:t>
+            </a:r>
+          </a:p>
+        </p:txBody>
+      </p:sp>
+      <p:sp>
+        <p:nvSpPr>
+          <p:cNvPr id="4" name="Content Placeholder 3">
+            <a:extLst>
+              <a:ext uri="{FF2B5EF4-FFF2-40B4-BE49-F238E27FC236}">
+                <a16:creationId xmlns:a16="http://schemas.microsoft.com/office/drawing/2014/main" id="{6E601F13-AAB5-4CA0-BC1D-4ABDBA204B40}"/>
+              </a:ext>
+            </a:extLst>
+          </p:cNvPr>
+          <p:cNvSpPr>
+            <a:spLocks noGrp="1"/>
+          </p:cNvSpPr>
+          <p:nvPr>
+            <p:ph idx="1"/>
+          </p:nvPr>
+        </p:nvSpPr>
+        <p:spPr/>
+        <p:txBody>
+          <a:bodyPr>
+            <a:normAutofit/>
+          </a:bodyPr>
+          <a:lstStyle/>
+          <a:p>
+            <a:r>
+              <a:rPr lang="en-US" sz="2400" dirty="0"/>
+              <a:t>Node.js is agnostic when it comes to developer IDE</a:t>
+            </a:r>
+          </a:p>
+          <a:p>
+            <a:pPr lvl="1"/>
+            <a:r>
+              <a:rPr lang="en-US" sz="2000" dirty="0"/>
+              <a:t>There are many different IDEs that people use with Node.js</a:t>
+            </a:r>
+          </a:p>
+          <a:p>
+            <a:pPr lvl="1"/>
+            <a:r>
+              <a:rPr lang="en-US" sz="2000" dirty="0"/>
+              <a:t>This course will be using Visual Studio Code</a:t>
+            </a:r>
+          </a:p>
+          <a:p>
+            <a:pPr lvl="1"/>
+            <a:endParaRPr lang="en-US" sz="2000" dirty="0"/>
+          </a:p>
+          <a:p>
+            <a:pPr lvl="1"/>
+            <a:endParaRPr lang="en-US" sz="2000" dirty="0"/>
+          </a:p>
+          <a:p>
+            <a:pPr lvl="1"/>
+            <a:endParaRPr lang="en-US" sz="2000" dirty="0"/>
+          </a:p>
+          <a:p>
+            <a:pPr lvl="1"/>
+            <a:endParaRPr lang="en-US" sz="2000" dirty="0"/>
+          </a:p>
+          <a:p>
+            <a:pPr lvl="1"/>
+            <a:endParaRPr lang="en-US" sz="2000" dirty="0"/>
+          </a:p>
+          <a:p>
+            <a:pPr lvl="1"/>
+            <a:endParaRPr lang="en-US" sz="2000" dirty="0"/>
+          </a:p>
+          <a:p>
+            <a:pPr lvl="1"/>
+            <a:endParaRPr lang="en-US" sz="2000" dirty="0"/>
+          </a:p>
+          <a:p>
+            <a:r>
+              <a:rPr lang="en-US" sz="2400" dirty="0"/>
+              <a:t>Visual Studio is not a good fit for Node.js development</a:t>
+            </a:r>
+          </a:p>
+          <a:p>
+            <a:pPr lvl="1"/>
+            <a:r>
+              <a:rPr lang="en-US" sz="2000" dirty="0"/>
+              <a:t>Visual Studio solution &amp; project files incompatible with Node.js</a:t>
+            </a:r>
+          </a:p>
+        </p:txBody>
+      </p:sp>
+      <p:pic>
+        <p:nvPicPr>
+          <p:cNvPr id="3" name="Picture 2"/>
+          <p:cNvPicPr/>
+          <p:nvPr/>
+        </p:nvPicPr>
+        <p:blipFill>
+          <a:blip r:embed="rId2" cstate="print">
+            <a:extLst>
+              <a:ext uri="{28A0092B-C50C-407E-A947-70E740481C1C}">
+                <a14:useLocalDpi xmlns:a14="http://schemas.microsoft.com/office/drawing/2010/main" val="0"/>
+              </a:ext>
+            </a:extLst>
+          </a:blip>
+          <a:srcRect/>
+          <a:stretch>
+            <a:fillRect/>
+          </a:stretch>
+        </p:blipFill>
+        <p:spPr bwMode="auto">
+          <a:xfrm>
+            <a:off x="838200" y="2819400"/>
+            <a:ext cx="7772400" cy="2286000"/>
+          </a:xfrm>
+          <a:prstGeom prst="rect">
+            <a:avLst/>
+          </a:prstGeom>
+          <a:noFill/>
+          <a:ln>
+            <a:noFill/>
+          </a:ln>
+        </p:spPr>
+      </p:pic>
+    </p:spTree>
+    <p:extLst>
+      <p:ext uri="{BB962C8B-B14F-4D97-AF65-F5344CB8AC3E}">
+        <p14:creationId xmlns:p14="http://schemas.microsoft.com/office/powerpoint/2010/main" val="4289402282"/>
+      </p:ext>
+    </p:extLst>
+  </p:cSld>
+  <p:clrMapOvr>
+    <a:masterClrMapping/>
+  </p:clrMapOvr>
+</p:sld>
+</file>
+
+<file path=ppt/slides/slide60.xml><?xml version="1.0" encoding="utf-8"?>
 <p:sld xmlns:a="http://schemas.openxmlformats.org/drawingml/2006/main" xmlns:r="http://schemas.openxmlformats.org/officeDocument/2006/relationships" xmlns:p="http://schemas.openxmlformats.org/presentationml/2006/main">
   <p:cSld>
     <p:spTree>
@@ -13122,7 +13753,7 @@
 </p:sld>
 </file>
 
-<file path=ppt/slides/slide59.xml><?xml version="1.0" encoding="utf-8"?>
+<file path=ppt/slides/slide61.xml><?xml version="1.0" encoding="utf-8"?>
 <p:sld xmlns:a="http://schemas.openxmlformats.org/drawingml/2006/main" xmlns:r="http://schemas.openxmlformats.org/officeDocument/2006/relationships" xmlns:p="http://schemas.openxmlformats.org/presentationml/2006/main">
   <p:cSld>
     <p:spTree>
@@ -13252,7 +13883,7 @@
 </p:sld>
 </file>
 
-<file path=ppt/slides/slide6.xml><?xml version="1.0" encoding="utf-8"?>
+<file path=ppt/slides/slide7.xml><?xml version="1.0" encoding="utf-8"?>
 <p:sld xmlns:a="http://schemas.openxmlformats.org/drawingml/2006/main" xmlns:r="http://schemas.openxmlformats.org/officeDocument/2006/relationships" xmlns:p="http://schemas.openxmlformats.org/presentationml/2006/main">
   <p:cSld>
     <p:spTree>
@@ -13416,7 +14047,7 @@
 </p:sld>
 </file>
 
-<file path=ppt/slides/slide7.xml><?xml version="1.0" encoding="utf-8"?>
+<file path=ppt/slides/slide8.xml><?xml version="1.0" encoding="utf-8"?>
 <p:sld xmlns:a="http://schemas.openxmlformats.org/drawingml/2006/main" xmlns:r="http://schemas.openxmlformats.org/officeDocument/2006/relationships" xmlns:p="http://schemas.openxmlformats.org/presentationml/2006/main">
   <p:cSld>
     <p:spTree>
@@ -13559,99 +14190,6 @@
     <p:extLst>
       <p:ext uri="{BB962C8B-B14F-4D97-AF65-F5344CB8AC3E}">
         <p14:creationId xmlns:p14="http://schemas.microsoft.com/office/powerpoint/2010/main" val="1523294235"/>
-      </p:ext>
-    </p:extLst>
-  </p:cSld>
-  <p:clrMapOvr>
-    <a:masterClrMapping/>
-  </p:clrMapOvr>
-</p:sld>
-</file>
-
-<file path=ppt/slides/slide8.xml><?xml version="1.0" encoding="utf-8"?>
-<p:sld xmlns:a="http://schemas.openxmlformats.org/drawingml/2006/main" xmlns:r="http://schemas.openxmlformats.org/officeDocument/2006/relationships" xmlns:p="http://schemas.openxmlformats.org/presentationml/2006/main">
-  <p:cSld>
-    <p:spTree>
-      <p:nvGrpSpPr>
-        <p:cNvPr id="1" name=""/>
-        <p:cNvGrpSpPr/>
-        <p:nvPr/>
-      </p:nvGrpSpPr>
-      <p:grpSpPr>
-        <a:xfrm>
-          <a:off x="0" y="0"/>
-          <a:ext cx="0" cy="0"/>
-          <a:chOff x="0" y="0"/>
-          <a:chExt cx="0" cy="0"/>
-        </a:xfrm>
-      </p:grpSpPr>
-      <p:sp>
-        <p:nvSpPr>
-          <p:cNvPr id="2" name="Title 1">
-            <a:extLst>
-              <a:ext uri="{FF2B5EF4-FFF2-40B4-BE49-F238E27FC236}">
-                <a16:creationId xmlns:a16="http://schemas.microsoft.com/office/drawing/2014/main" id="{9CEE193A-AF7C-451F-8DA2-D9F36E80BA30}"/>
-              </a:ext>
-            </a:extLst>
-          </p:cNvPr>
-          <p:cNvSpPr>
-            <a:spLocks noGrp="1"/>
-          </p:cNvSpPr>
-          <p:nvPr>
-            <p:ph type="title"/>
-          </p:nvPr>
-        </p:nvSpPr>
-        <p:spPr/>
-        <p:txBody>
-          <a:bodyPr/>
-          <a:lstStyle/>
-          <a:p>
-            <a:r>
-              <a:rPr lang="en-US" dirty="0"/>
-              <a:t>Hello Node.js</a:t>
-            </a:r>
-          </a:p>
-        </p:txBody>
-      </p:sp>
-      <p:pic>
-        <p:nvPicPr>
-          <p:cNvPr id="3" name="Picture 2">
-            <a:extLst>
-              <a:ext uri="{FF2B5EF4-FFF2-40B4-BE49-F238E27FC236}">
-                <a16:creationId xmlns:a16="http://schemas.microsoft.com/office/drawing/2014/main" id="{746BEB8A-DF03-40E9-83FF-1158067BD4D1}"/>
-              </a:ext>
-            </a:extLst>
-          </p:cNvPr>
-          <p:cNvPicPr>
-            <a:picLocks noChangeAspect="1"/>
-          </p:cNvPicPr>
-          <p:nvPr/>
-        </p:nvPicPr>
-        <p:blipFill>
-          <a:blip r:embed="rId2"/>
-          <a:stretch>
-            <a:fillRect/>
-          </a:stretch>
-        </p:blipFill>
-        <p:spPr>
-          <a:xfrm>
-            <a:off x="381000" y="1295400"/>
-            <a:ext cx="8153400" cy="3603172"/>
-          </a:xfrm>
-          <a:prstGeom prst="rect">
-            <a:avLst/>
-          </a:prstGeom>
-          <a:ln>
-            <a:solidFill>
-              <a:schemeClr val="tx1"/>
-            </a:solidFill>
-          </a:ln>
-        </p:spPr>
-      </p:pic>
-    </p:spTree>
-    <p:extLst>
-      <p:ext uri="{BB962C8B-B14F-4D97-AF65-F5344CB8AC3E}">
-        <p14:creationId xmlns:p14="http://schemas.microsoft.com/office/powerpoint/2010/main" val="1883917120"/>
       </p:ext>
     </p:extLst>
   </p:cSld>
@@ -14633,6 +15171,120 @@
 </file>
 
 <file path=customXml/item1.xml><?xml version="1.0" encoding="utf-8"?>
+<ct:contentTypeSchema xmlns:ct="http://schemas.microsoft.com/office/2006/metadata/contentType" xmlns:ma="http://schemas.microsoft.com/office/2006/metadata/properties/metaAttributes" ct:_="" ma:_="" ma:contentTypeName="Document" ma:contentTypeID="0x01010043F7775CCE86F349BB7C51FB3CE6B150" ma:contentTypeVersion="0" ma:contentTypeDescription="Create a new document." ma:contentTypeScope="" ma:versionID="bb563817a2861b6b5994bd26a2ba9e40">
+  <xsd:schema xmlns:xsd="http://www.w3.org/2001/XMLSchema" xmlns:xs="http://www.w3.org/2001/XMLSchema" xmlns:p="http://schemas.microsoft.com/office/2006/metadata/properties" targetNamespace="http://schemas.microsoft.com/office/2006/metadata/properties" ma:root="true" ma:fieldsID="c64490b4aec6201516c3a874156f37b2">
+    <xsd:element name="properties">
+      <xsd:complexType>
+        <xsd:sequence>
+          <xsd:element name="documentManagement">
+            <xsd:complexType>
+              <xsd:all/>
+            </xsd:complexType>
+          </xsd:element>
+        </xsd:sequence>
+      </xsd:complexType>
+    </xsd:element>
+  </xsd:schema>
+  <xsd:schema xmlns="http://schemas.openxmlformats.org/package/2006/metadata/core-properties" xmlns:xsd="http://www.w3.org/2001/XMLSchema" xmlns:xsi="http://www.w3.org/2001/XMLSchema-instance" xmlns:dc="http://purl.org/dc/elements/1.1/" xmlns:dcterms="http://purl.org/dc/terms/" xmlns:odoc="http://schemas.microsoft.com/internal/obd" targetNamespace="http://schemas.openxmlformats.org/package/2006/metadata/core-properties" elementFormDefault="qualified" attributeFormDefault="unqualified" blockDefault="#all">
+    <xsd:import namespace="http://purl.org/dc/elements/1.1/" schemaLocation="http://dublincore.org/schemas/xmls/qdc/2003/04/02/dc.xsd"/>
+    <xsd:import namespace="http://purl.org/dc/terms/" schemaLocation="http://dublincore.org/schemas/xmls/qdc/2003/04/02/dcterms.xsd"/>
+    <xsd:element name="coreProperties" type="CT_coreProperties"/>
+    <xsd:complexType name="CT_coreProperties">
+      <xsd:all>
+        <xsd:element ref="dc:creator" minOccurs="0" maxOccurs="1"/>
+        <xsd:element ref="dcterms:created" minOccurs="0" maxOccurs="1"/>
+        <xsd:element ref="dc:identifier" minOccurs="0" maxOccurs="1"/>
+        <xsd:element name="contentType" minOccurs="0" maxOccurs="1" type="xsd:string" ma:index="0" ma:displayName="Content Type"/>
+        <xsd:element ref="dc:title" minOccurs="0" maxOccurs="1" ma:index="4" ma:displayName="Title"/>
+        <xsd:element ref="dc:subject" minOccurs="0" maxOccurs="1"/>
+        <xsd:element ref="dc:description" minOccurs="0" maxOccurs="1"/>
+        <xsd:element name="keywords" minOccurs="0" maxOccurs="1" type="xsd:string"/>
+        <xsd:element ref="dc:language" minOccurs="0" maxOccurs="1"/>
+        <xsd:element name="category" minOccurs="0" maxOccurs="1" type="xsd:string"/>
+        <xsd:element name="version" minOccurs="0" maxOccurs="1" type="xsd:string"/>
+        <xsd:element name="revision" minOccurs="0" maxOccurs="1" type="xsd:string">
+          <xsd:annotation>
+            <xsd:documentation>
+                        This value indicates the number of saves or revisions. The application is responsible for updating this value after each revision.
+                    </xsd:documentation>
+          </xsd:annotation>
+        </xsd:element>
+        <xsd:element name="lastModifiedBy" minOccurs="0" maxOccurs="1" type="xsd:string"/>
+        <xsd:element ref="dcterms:modified" minOccurs="0" maxOccurs="1"/>
+        <xsd:element name="contentStatus" minOccurs="0" maxOccurs="1" type="xsd:string"/>
+      </xsd:all>
+    </xsd:complexType>
+  </xsd:schema>
+  <xs:schema xmlns:pc="http://schemas.microsoft.com/office/infopath/2007/PartnerControls" xmlns:xs="http://www.w3.org/2001/XMLSchema" targetNamespace="http://schemas.microsoft.com/office/infopath/2007/PartnerControls" elementFormDefault="qualified" attributeFormDefault="unqualified">
+    <xs:element name="Person">
+      <xs:complexType>
+        <xs:sequence>
+          <xs:element ref="pc:DisplayName" minOccurs="0"/>
+          <xs:element ref="pc:AccountId" minOccurs="0"/>
+          <xs:element ref="pc:AccountType" minOccurs="0"/>
+        </xs:sequence>
+      </xs:complexType>
+    </xs:element>
+    <xs:element name="DisplayName" type="xs:string"/>
+    <xs:element name="AccountId" type="xs:string"/>
+    <xs:element name="AccountType" type="xs:string"/>
+    <xs:element name="BDCAssociatedEntity">
+      <xs:complexType>
+        <xs:sequence>
+          <xs:element ref="pc:BDCEntity" minOccurs="0" maxOccurs="unbounded"/>
+        </xs:sequence>
+        <xs:attribute ref="pc:EntityNamespace"/>
+        <xs:attribute ref="pc:EntityName"/>
+        <xs:attribute ref="pc:SystemInstanceName"/>
+        <xs:attribute ref="pc:AssociationName"/>
+      </xs:complexType>
+    </xs:element>
+    <xs:attribute name="EntityNamespace" type="xs:string"/>
+    <xs:attribute name="EntityName" type="xs:string"/>
+    <xs:attribute name="SystemInstanceName" type="xs:string"/>
+    <xs:attribute name="AssociationName" type="xs:string"/>
+    <xs:element name="BDCEntity">
+      <xs:complexType>
+        <xs:sequence>
+          <xs:element ref="pc:EntityDisplayName" minOccurs="0"/>
+          <xs:element ref="pc:EntityInstanceReference" minOccurs="0"/>
+          <xs:element ref="pc:EntityId1" minOccurs="0"/>
+          <xs:element ref="pc:EntityId2" minOccurs="0"/>
+          <xs:element ref="pc:EntityId3" minOccurs="0"/>
+          <xs:element ref="pc:EntityId4" minOccurs="0"/>
+          <xs:element ref="pc:EntityId5" minOccurs="0"/>
+        </xs:sequence>
+      </xs:complexType>
+    </xs:element>
+    <xs:element name="EntityDisplayName" type="xs:string"/>
+    <xs:element name="EntityInstanceReference" type="xs:string"/>
+    <xs:element name="EntityId1" type="xs:string"/>
+    <xs:element name="EntityId2" type="xs:string"/>
+    <xs:element name="EntityId3" type="xs:string"/>
+    <xs:element name="EntityId4" type="xs:string"/>
+    <xs:element name="EntityId5" type="xs:string"/>
+    <xs:element name="Terms">
+      <xs:complexType>
+        <xs:sequence>
+          <xs:element ref="pc:TermInfo" minOccurs="0" maxOccurs="unbounded"/>
+        </xs:sequence>
+      </xs:complexType>
+    </xs:element>
+    <xs:element name="TermInfo">
+      <xs:complexType>
+        <xs:sequence>
+          <xs:element ref="pc:TermName" minOccurs="0"/>
+          <xs:element ref="pc:TermId" minOccurs="0"/>
+        </xs:sequence>
+      </xs:complexType>
+    </xs:element>
+    <xs:element name="TermName" type="xs:string"/>
+    <xs:element name="TermId" type="xs:string"/>
+  </xs:schema>
+</ct:contentTypeSchema>
+</file>
+
+<file path=customXml/item2.xml><?xml version="1.0" encoding="utf-8"?>
 <outs:outSpaceData xmlns:outs="http://schemas.microsoft.com/office/2009/outspace/metadata">
   <outs:relatedDates>
     <outs:relatedDate>
@@ -14782,7 +15434,13 @@
 </outs:outSpaceData>
 </file>
 
-<file path=customXml/item2.xml><?xml version="1.0" encoding="utf-8"?>
+<file path=customXml/item3.xml><?xml version="1.0" encoding="utf-8"?>
+<p:properties xmlns:p="http://schemas.microsoft.com/office/2006/metadata/properties" xmlns:xsi="http://www.w3.org/2001/XMLSchema-instance">
+  <documentManagement/>
+</p:properties>
+</file>
+
+<file path=customXml/item4.xml><?xml version="1.0" encoding="utf-8"?>
 <?mso-contentType ?>
 <FormTemplates xmlns="http://schemas.microsoft.com/sharepoint/v3/contenttype/forms">
   <Display>DocumentLibraryForm</Display>
@@ -14791,143 +15449,7 @@
 </FormTemplates>
 </file>
 
-<file path=customXml/item3.xml><?xml version="1.0" encoding="utf-8"?>
-<ct:contentTypeSchema xmlns:ct="http://schemas.microsoft.com/office/2006/metadata/contentType" xmlns:ma="http://schemas.microsoft.com/office/2006/metadata/properties/metaAttributes" ct:_="" ma:_="" ma:contentTypeName="Document" ma:contentTypeID="0x01010043F7775CCE86F349BB7C51FB3CE6B150" ma:contentTypeVersion="0" ma:contentTypeDescription="Create a new document." ma:contentTypeScope="" ma:versionID="bb563817a2861b6b5994bd26a2ba9e40">
-  <xsd:schema xmlns:xsd="http://www.w3.org/2001/XMLSchema" xmlns:xs="http://www.w3.org/2001/XMLSchema" xmlns:p="http://schemas.microsoft.com/office/2006/metadata/properties" targetNamespace="http://schemas.microsoft.com/office/2006/metadata/properties" ma:root="true" ma:fieldsID="c64490b4aec6201516c3a874156f37b2">
-    <xsd:element name="properties">
-      <xsd:complexType>
-        <xsd:sequence>
-          <xsd:element name="documentManagement">
-            <xsd:complexType>
-              <xsd:all/>
-            </xsd:complexType>
-          </xsd:element>
-        </xsd:sequence>
-      </xsd:complexType>
-    </xsd:element>
-  </xsd:schema>
-  <xsd:schema xmlns="http://schemas.openxmlformats.org/package/2006/metadata/core-properties" xmlns:xsd="http://www.w3.org/2001/XMLSchema" xmlns:xsi="http://www.w3.org/2001/XMLSchema-instance" xmlns:dc="http://purl.org/dc/elements/1.1/" xmlns:dcterms="http://purl.org/dc/terms/" xmlns:odoc="http://schemas.microsoft.com/internal/obd" targetNamespace="http://schemas.openxmlformats.org/package/2006/metadata/core-properties" elementFormDefault="qualified" attributeFormDefault="unqualified" blockDefault="#all">
-    <xsd:import namespace="http://purl.org/dc/elements/1.1/" schemaLocation="http://dublincore.org/schemas/xmls/qdc/2003/04/02/dc.xsd"/>
-    <xsd:import namespace="http://purl.org/dc/terms/" schemaLocation="http://dublincore.org/schemas/xmls/qdc/2003/04/02/dcterms.xsd"/>
-    <xsd:element name="coreProperties" type="CT_coreProperties"/>
-    <xsd:complexType name="CT_coreProperties">
-      <xsd:all>
-        <xsd:element ref="dc:creator" minOccurs="0" maxOccurs="1"/>
-        <xsd:element ref="dcterms:created" minOccurs="0" maxOccurs="1"/>
-        <xsd:element ref="dc:identifier" minOccurs="0" maxOccurs="1"/>
-        <xsd:element name="contentType" minOccurs="0" maxOccurs="1" type="xsd:string" ma:index="0" ma:displayName="Content Type"/>
-        <xsd:element ref="dc:title" minOccurs="0" maxOccurs="1" ma:index="4" ma:displayName="Title"/>
-        <xsd:element ref="dc:subject" minOccurs="0" maxOccurs="1"/>
-        <xsd:element ref="dc:description" minOccurs="0" maxOccurs="1"/>
-        <xsd:element name="keywords" minOccurs="0" maxOccurs="1" type="xsd:string"/>
-        <xsd:element ref="dc:language" minOccurs="0" maxOccurs="1"/>
-        <xsd:element name="category" minOccurs="0" maxOccurs="1" type="xsd:string"/>
-        <xsd:element name="version" minOccurs="0" maxOccurs="1" type="xsd:string"/>
-        <xsd:element name="revision" minOccurs="0" maxOccurs="1" type="xsd:string">
-          <xsd:annotation>
-            <xsd:documentation>
-                        This value indicates the number of saves or revisions. The application is responsible for updating this value after each revision.
-                    </xsd:documentation>
-          </xsd:annotation>
-        </xsd:element>
-        <xsd:element name="lastModifiedBy" minOccurs="0" maxOccurs="1" type="xsd:string"/>
-        <xsd:element ref="dcterms:modified" minOccurs="0" maxOccurs="1"/>
-        <xsd:element name="contentStatus" minOccurs="0" maxOccurs="1" type="xsd:string"/>
-      </xsd:all>
-    </xsd:complexType>
-  </xsd:schema>
-  <xs:schema xmlns:pc="http://schemas.microsoft.com/office/infopath/2007/PartnerControls" xmlns:xs="http://www.w3.org/2001/XMLSchema" targetNamespace="http://schemas.microsoft.com/office/infopath/2007/PartnerControls" elementFormDefault="qualified" attributeFormDefault="unqualified">
-    <xs:element name="Person">
-      <xs:complexType>
-        <xs:sequence>
-          <xs:element ref="pc:DisplayName" minOccurs="0"/>
-          <xs:element ref="pc:AccountId" minOccurs="0"/>
-          <xs:element ref="pc:AccountType" minOccurs="0"/>
-        </xs:sequence>
-      </xs:complexType>
-    </xs:element>
-    <xs:element name="DisplayName" type="xs:string"/>
-    <xs:element name="AccountId" type="xs:string"/>
-    <xs:element name="AccountType" type="xs:string"/>
-    <xs:element name="BDCAssociatedEntity">
-      <xs:complexType>
-        <xs:sequence>
-          <xs:element ref="pc:BDCEntity" minOccurs="0" maxOccurs="unbounded"/>
-        </xs:sequence>
-        <xs:attribute ref="pc:EntityNamespace"/>
-        <xs:attribute ref="pc:EntityName"/>
-        <xs:attribute ref="pc:SystemInstanceName"/>
-        <xs:attribute ref="pc:AssociationName"/>
-      </xs:complexType>
-    </xs:element>
-    <xs:attribute name="EntityNamespace" type="xs:string"/>
-    <xs:attribute name="EntityName" type="xs:string"/>
-    <xs:attribute name="SystemInstanceName" type="xs:string"/>
-    <xs:attribute name="AssociationName" type="xs:string"/>
-    <xs:element name="BDCEntity">
-      <xs:complexType>
-        <xs:sequence>
-          <xs:element ref="pc:EntityDisplayName" minOccurs="0"/>
-          <xs:element ref="pc:EntityInstanceReference" minOccurs="0"/>
-          <xs:element ref="pc:EntityId1" minOccurs="0"/>
-          <xs:element ref="pc:EntityId2" minOccurs="0"/>
-          <xs:element ref="pc:EntityId3" minOccurs="0"/>
-          <xs:element ref="pc:EntityId4" minOccurs="0"/>
-          <xs:element ref="pc:EntityId5" minOccurs="0"/>
-        </xs:sequence>
-      </xs:complexType>
-    </xs:element>
-    <xs:element name="EntityDisplayName" type="xs:string"/>
-    <xs:element name="EntityInstanceReference" type="xs:string"/>
-    <xs:element name="EntityId1" type="xs:string"/>
-    <xs:element name="EntityId2" type="xs:string"/>
-    <xs:element name="EntityId3" type="xs:string"/>
-    <xs:element name="EntityId4" type="xs:string"/>
-    <xs:element name="EntityId5" type="xs:string"/>
-    <xs:element name="Terms">
-      <xs:complexType>
-        <xs:sequence>
-          <xs:element ref="pc:TermInfo" minOccurs="0" maxOccurs="unbounded"/>
-        </xs:sequence>
-      </xs:complexType>
-    </xs:element>
-    <xs:element name="TermInfo">
-      <xs:complexType>
-        <xs:sequence>
-          <xs:element ref="pc:TermName" minOccurs="0"/>
-          <xs:element ref="pc:TermId" minOccurs="0"/>
-        </xs:sequence>
-      </xs:complexType>
-    </xs:element>
-    <xs:element name="TermName" type="xs:string"/>
-    <xs:element name="TermId" type="xs:string"/>
-  </xs:schema>
-</ct:contentTypeSchema>
-</file>
-
-<file path=customXml/item4.xml><?xml version="1.0" encoding="utf-8"?>
-<p:properties xmlns:p="http://schemas.microsoft.com/office/2006/metadata/properties" xmlns:xsi="http://www.w3.org/2001/XMLSchema-instance">
-  <documentManagement/>
-</p:properties>
-</file>
-
 <file path=customXml/itemProps1.xml><?xml version="1.0" encoding="utf-8"?>
-<ds:datastoreItem xmlns:ds="http://schemas.openxmlformats.org/officeDocument/2006/customXml" ds:itemID="{8865FC99-B6BD-4E98-8312-F4F432C217EA}">
-  <ds:schemaRefs>
-    <ds:schemaRef ds:uri="http://schemas.microsoft.com/office/2009/outspace/metadata"/>
-  </ds:schemaRefs>
-</ds:datastoreItem>
-</file>
-
-<file path=customXml/itemProps2.xml><?xml version="1.0" encoding="utf-8"?>
-<ds:datastoreItem xmlns:ds="http://schemas.openxmlformats.org/officeDocument/2006/customXml" ds:itemID="{6034B84F-8F8E-48B7-9EFF-C7DE1A66BD73}">
-  <ds:schemaRefs>
-    <ds:schemaRef ds:uri="http://schemas.microsoft.com/sharepoint/v3/contenttype/forms"/>
-  </ds:schemaRefs>
-</ds:datastoreItem>
-</file>
-
-<file path=customXml/itemProps3.xml><?xml version="1.0" encoding="utf-8"?>
 <ds:datastoreItem xmlns:ds="http://schemas.openxmlformats.org/officeDocument/2006/customXml" ds:itemID="{E31B5E98-6A59-4EC7-A18B-B1626004080B}">
   <ds:schemaRefs>
     <ds:schemaRef ds:uri="http://schemas.microsoft.com/office/2006/metadata/contentType"/>
@@ -14943,17 +15465,33 @@
 </ds:datastoreItem>
 </file>
 
-<file path=customXml/itemProps4.xml><?xml version="1.0" encoding="utf-8"?>
+<file path=customXml/itemProps2.xml><?xml version="1.0" encoding="utf-8"?>
+<ds:datastoreItem xmlns:ds="http://schemas.openxmlformats.org/officeDocument/2006/customXml" ds:itemID="{8865FC99-B6BD-4E98-8312-F4F432C217EA}">
+  <ds:schemaRefs>
+    <ds:schemaRef ds:uri="http://schemas.microsoft.com/office/2009/outspace/metadata"/>
+  </ds:schemaRefs>
+</ds:datastoreItem>
+</file>
+
+<file path=customXml/itemProps3.xml><?xml version="1.0" encoding="utf-8"?>
 <ds:datastoreItem xmlns:ds="http://schemas.openxmlformats.org/officeDocument/2006/customXml" ds:itemID="{A5547237-B119-45CA-BEFC-A2DA2BDB03E7}">
   <ds:schemaRefs>
-    <ds:schemaRef ds:uri="http://purl.org/dc/elements/1.1/"/>
     <ds:schemaRef ds:uri="http://purl.org/dc/dcmitype/"/>
     <ds:schemaRef ds:uri="http://schemas.microsoft.com/office/infopath/2007/PartnerControls"/>
     <ds:schemaRef ds:uri="http://schemas.microsoft.com/office/2006/documentManagement/types"/>
+    <ds:schemaRef ds:uri="http://purl.org/dc/elements/1.1/"/>
+    <ds:schemaRef ds:uri="http://schemas.microsoft.com/office/2006/metadata/properties"/>
     <ds:schemaRef ds:uri="http://schemas.openxmlformats.org/package/2006/metadata/core-properties"/>
-    <ds:schemaRef ds:uri="http://schemas.microsoft.com/office/2006/metadata/properties"/>
     <ds:schemaRef ds:uri="http://www.w3.org/XML/1998/namespace"/>
     <ds:schemaRef ds:uri="http://purl.org/dc/terms/"/>
   </ds:schemaRefs>
 </ds:datastoreItem>
+</file>
+
+<file path=customXml/itemProps4.xml><?xml version="1.0" encoding="utf-8"?>
+<ds:datastoreItem xmlns:ds="http://schemas.openxmlformats.org/officeDocument/2006/customXml" ds:itemID="{6034B84F-8F8E-48B7-9EFF-C7DE1A66BD73}">
+  <ds:schemaRefs>
+    <ds:schemaRef ds:uri="http://schemas.microsoft.com/sharepoint/v3/contenttype/forms"/>
+  </ds:schemaRefs>
+</ds:datastoreItem>
 </file>